--- a/ProjectPres.pptx
+++ b/ProjectPres.pptx
@@ -2,10 +2,27 @@
 <file path=ppt/presentation.xml><?xml version="1.0" encoding="utf-8"?>
 <p:presentation xmlns:a="http://schemas.openxmlformats.org/drawingml/2006/main" xmlns:r="http://schemas.openxmlformats.org/officeDocument/2006/relationships" xmlns:p="http://schemas.openxmlformats.org/presentationml/2006/main" saveSubsetFonts="1" autoCompressPictures="0">
   <p:sldMasterIdLst>
-    <p:sldMasterId id="2147483648" r:id="rId1"/>
+    <p:sldMasterId id="2147483699" r:id="rId1"/>
   </p:sldMasterIdLst>
   <p:sldIdLst>
     <p:sldId id="256" r:id="rId2"/>
+    <p:sldId id="266" r:id="rId3"/>
+    <p:sldId id="257" r:id="rId4"/>
+    <p:sldId id="258" r:id="rId5"/>
+    <p:sldId id="264" r:id="rId6"/>
+    <p:sldId id="259" r:id="rId7"/>
+    <p:sldId id="265" r:id="rId8"/>
+    <p:sldId id="260" r:id="rId9"/>
+    <p:sldId id="261" r:id="rId10"/>
+    <p:sldId id="262" r:id="rId11"/>
+    <p:sldId id="272" r:id="rId12"/>
+    <p:sldId id="273" r:id="rId13"/>
+    <p:sldId id="269" r:id="rId14"/>
+    <p:sldId id="263" r:id="rId15"/>
+    <p:sldId id="267" r:id="rId16"/>
+    <p:sldId id="268" r:id="rId17"/>
+    <p:sldId id="270" r:id="rId18"/>
+    <p:sldId id="271" r:id="rId19"/>
   </p:sldIdLst>
   <p:sldSz cx="12192000" cy="6858000"/>
   <p:notesSz cx="6858000" cy="9144000"/>
@@ -126,36 +143,170 @@
       </p:grpSpPr>
       <p:sp>
         <p:nvSpPr>
-          <p:cNvPr id="2" name="Title 1">
-            <a:extLst>
-              <a:ext uri="{FF2B5EF4-FFF2-40B4-BE49-F238E27FC236}">
-                <a16:creationId xmlns:a16="http://schemas.microsoft.com/office/drawing/2014/main" id="{79B05070-5593-1C9A-88B7-004C67EACEA6}"/>
-              </a:ext>
-            </a:extLst>
-          </p:cNvPr>
-          <p:cNvSpPr>
-            <a:spLocks noGrp="1"/>
-          </p:cNvSpPr>
-          <p:nvPr>
-            <p:ph type="ctrTitle"/>
-          </p:nvPr>
+          <p:cNvPr id="7" name="Freeform: Shape 6">
+            <a:extLst>
+              <a:ext uri="{FF2B5EF4-FFF2-40B4-BE49-F238E27FC236}">
+                <a16:creationId xmlns:a16="http://schemas.microsoft.com/office/drawing/2014/main" id="{EA67E988-5919-57BB-C7DE-D3EAD38A3045}"/>
+              </a:ext>
+              <a:ext uri="{C183D7F6-B498-43B3-948B-1728B52AA6E4}">
+                <adec:decorative xmlns:adec="http://schemas.microsoft.com/office/drawing/2017/decorative" val="1"/>
+              </a:ext>
+            </a:extLst>
+          </p:cNvPr>
+          <p:cNvSpPr/>
+          <p:nvPr/>
         </p:nvSpPr>
         <p:spPr>
           <a:xfrm>
-            <a:off x="1524000" y="1122363"/>
-            <a:ext cx="9144000" cy="2387600"/>
+            <a:off x="517870" y="6209925"/>
+            <a:ext cx="11155680" cy="45719"/>
+          </a:xfrm>
+          <a:custGeom>
+            <a:avLst/>
+            <a:gdLst>
+              <a:gd name="connsiteX0" fmla="*/ 0 w 8715708"/>
+              <a:gd name="connsiteY0" fmla="*/ 0 h 45719"/>
+              <a:gd name="connsiteX1" fmla="*/ 3694525 w 8715708"/>
+              <a:gd name="connsiteY1" fmla="*/ 0 h 45719"/>
+              <a:gd name="connsiteX2" fmla="*/ 5021183 w 8715708"/>
+              <a:gd name="connsiteY2" fmla="*/ 0 h 45719"/>
+              <a:gd name="connsiteX3" fmla="*/ 8715708 w 8715708"/>
+              <a:gd name="connsiteY3" fmla="*/ 0 h 45719"/>
+              <a:gd name="connsiteX4" fmla="*/ 8715708 w 8715708"/>
+              <a:gd name="connsiteY4" fmla="*/ 45719 h 45719"/>
+              <a:gd name="connsiteX5" fmla="*/ 5021183 w 8715708"/>
+              <a:gd name="connsiteY5" fmla="*/ 45719 h 45719"/>
+              <a:gd name="connsiteX6" fmla="*/ 3694525 w 8715708"/>
+              <a:gd name="connsiteY6" fmla="*/ 45719 h 45719"/>
+              <a:gd name="connsiteX7" fmla="*/ 0 w 8715708"/>
+              <a:gd name="connsiteY7" fmla="*/ 45719 h 45719"/>
+            </a:gdLst>
+            <a:ahLst/>
+            <a:cxnLst>
+              <a:cxn ang="0">
+                <a:pos x="connsiteX0" y="connsiteY0"/>
+              </a:cxn>
+              <a:cxn ang="0">
+                <a:pos x="connsiteX1" y="connsiteY1"/>
+              </a:cxn>
+              <a:cxn ang="0">
+                <a:pos x="connsiteX2" y="connsiteY2"/>
+              </a:cxn>
+              <a:cxn ang="0">
+                <a:pos x="connsiteX3" y="connsiteY3"/>
+              </a:cxn>
+              <a:cxn ang="0">
+                <a:pos x="connsiteX4" y="connsiteY4"/>
+              </a:cxn>
+              <a:cxn ang="0">
+                <a:pos x="connsiteX5" y="connsiteY5"/>
+              </a:cxn>
+              <a:cxn ang="0">
+                <a:pos x="connsiteX6" y="connsiteY6"/>
+              </a:cxn>
+              <a:cxn ang="0">
+                <a:pos x="connsiteX7" y="connsiteY7"/>
+              </a:cxn>
+            </a:cxnLst>
+            <a:rect l="l" t="t" r="r" b="b"/>
+            <a:pathLst>
+              <a:path w="8715708" h="45719">
+                <a:moveTo>
+                  <a:pt x="0" y="0"/>
+                </a:moveTo>
+                <a:lnTo>
+                  <a:pt x="3694525" y="0"/>
+                </a:lnTo>
+                <a:lnTo>
+                  <a:pt x="5021183" y="0"/>
+                </a:lnTo>
+                <a:lnTo>
+                  <a:pt x="8715708" y="0"/>
+                </a:lnTo>
+                <a:lnTo>
+                  <a:pt x="8715708" y="45719"/>
+                </a:lnTo>
+                <a:lnTo>
+                  <a:pt x="5021183" y="45719"/>
+                </a:lnTo>
+                <a:lnTo>
+                  <a:pt x="3694525" y="45719"/>
+                </a:lnTo>
+                <a:lnTo>
+                  <a:pt x="0" y="45719"/>
+                </a:lnTo>
+                <a:close/>
+              </a:path>
+            </a:pathLst>
+          </a:custGeom>
+          <a:solidFill>
+            <a:schemeClr val="tx1"/>
+          </a:solidFill>
+          <a:ln>
+            <a:noFill/>
+          </a:ln>
+        </p:spPr>
+        <p:style>
+          <a:lnRef idx="2">
+            <a:schemeClr val="accent1">
+              <a:shade val="50000"/>
+            </a:schemeClr>
+          </a:lnRef>
+          <a:fillRef idx="1">
+            <a:schemeClr val="accent1"/>
+          </a:fillRef>
+          <a:effectRef idx="0">
+            <a:schemeClr val="accent1"/>
+          </a:effectRef>
+          <a:fontRef idx="minor">
+            <a:schemeClr val="lt1"/>
+          </a:fontRef>
+        </p:style>
+        <p:txBody>
+          <a:bodyPr wrap="square" rtlCol="0" anchor="ctr">
+            <a:noAutofit/>
+          </a:bodyPr>
+          <a:lstStyle/>
+          <a:p>
+            <a:pPr algn="ctr"/>
+            <a:endParaRPr lang="en-US"/>
+          </a:p>
+        </p:txBody>
+      </p:sp>
+      <p:sp>
+        <p:nvSpPr>
+          <p:cNvPr id="2" name="Title 1">
+            <a:extLst>
+              <a:ext uri="{FF2B5EF4-FFF2-40B4-BE49-F238E27FC236}">
+                <a16:creationId xmlns:a16="http://schemas.microsoft.com/office/drawing/2014/main" id="{5B2327B2-BA4B-2C04-0751-5CB63D4AA425}"/>
+              </a:ext>
+            </a:extLst>
+          </p:cNvPr>
+          <p:cNvSpPr>
+            <a:spLocks noGrp="1"/>
+          </p:cNvSpPr>
+          <p:nvPr>
+            <p:ph type="ctrTitle"/>
+          </p:nvPr>
+        </p:nvSpPr>
+        <p:spPr>
+          <a:xfrm>
+            <a:off x="521208" y="978408"/>
+            <a:ext cx="11155680" cy="3429000"/>
           </a:xfrm>
         </p:spPr>
         <p:txBody>
-          <a:bodyPr anchor="b"/>
+          <a:bodyPr anchor="t">
+            <a:normAutofit/>
+          </a:bodyPr>
           <a:lstStyle>
-            <a:lvl1pPr algn="ctr">
-              <a:defRPr sz="6000"/>
+            <a:lvl1pPr algn="l">
+              <a:defRPr sz="7200"/>
             </a:lvl1pPr>
           </a:lstStyle>
           <a:p>
             <a:r>
-              <a:rPr lang="en-GB"/>
+              <a:rPr lang="en-US" dirty="0"/>
               <a:t>Click to edit Master title style</a:t>
             </a:r>
           </a:p>
@@ -166,7 +317,7 @@
           <p:cNvPr id="3" name="Subtitle 2">
             <a:extLst>
               <a:ext uri="{FF2B5EF4-FFF2-40B4-BE49-F238E27FC236}">
-                <a16:creationId xmlns:a16="http://schemas.microsoft.com/office/drawing/2014/main" id="{288E15B9-5A8B-C847-8B5D-0E64832F4B2A}"/>
+                <a16:creationId xmlns:a16="http://schemas.microsoft.com/office/drawing/2014/main" id="{E7201176-DC7A-4C3D-3D8F-352526DA7B5D}"/>
               </a:ext>
             </a:extLst>
           </p:cNvPr>
@@ -179,16 +330,18 @@
         </p:nvSpPr>
         <p:spPr>
           <a:xfrm>
-            <a:off x="1524000" y="3602038"/>
-            <a:ext cx="9144000" cy="1655762"/>
+            <a:off x="521208" y="4480560"/>
+            <a:ext cx="7104888" cy="1399032"/>
           </a:xfrm>
         </p:spPr>
         <p:txBody>
-          <a:bodyPr/>
+          <a:bodyPr anchor="b">
+            <a:normAutofit/>
+          </a:bodyPr>
           <a:lstStyle>
-            <a:lvl1pPr marL="0" indent="0" algn="ctr">
-              <a:buNone/>
-              <a:defRPr sz="2400"/>
+            <a:lvl1pPr marL="0" indent="0" algn="l">
+              <a:buNone/>
+              <a:defRPr sz="2200" i="1"/>
             </a:lvl1pPr>
             <a:lvl2pPr marL="457200" indent="0" algn="ctr">
               <a:buNone/>
@@ -225,7 +378,7 @@
           </a:lstStyle>
           <a:p>
             <a:r>
-              <a:rPr lang="en-GB"/>
+              <a:rPr lang="en-US"/>
               <a:t>Click to edit Master subtitle style</a:t>
             </a:r>
           </a:p>
@@ -236,7 +389,7 @@
           <p:cNvPr id="4" name="Date Placeholder 3">
             <a:extLst>
               <a:ext uri="{FF2B5EF4-FFF2-40B4-BE49-F238E27FC236}">
-                <a16:creationId xmlns:a16="http://schemas.microsoft.com/office/drawing/2014/main" id="{3F70BB6B-C99D-BD39-2C05-A6D64F075627}"/>
+                <a16:creationId xmlns:a16="http://schemas.microsoft.com/office/drawing/2014/main" id="{C67DC221-9A2E-7459-102F-C3CFB27CC389}"/>
               </a:ext>
             </a:extLst>
           </p:cNvPr>
@@ -252,11 +405,11 @@
           <a:bodyPr/>
           <a:lstStyle/>
           <a:p>
-            <a:fld id="{535DB91C-C75B-124C-B48D-EFE72FFB8B5F}" type="datetimeFigureOut">
-              <a:rPr lang="en-GB" smtClean="0"/>
-              <a:t>22/05/2025</a:t>
+            <a:fld id="{E80C50CD-E178-4744-9B35-B2F624D6C5E9}" type="datetimeFigureOut">
+              <a:rPr lang="en-US" smtClean="0"/>
+              <a:t>5/22/25</a:t>
             </a:fld>
-            <a:endParaRPr lang="en-GB"/>
+            <a:endParaRPr lang="en-US"/>
           </a:p>
         </p:txBody>
       </p:sp>
@@ -265,7 +418,7 @@
           <p:cNvPr id="5" name="Footer Placeholder 4">
             <a:extLst>
               <a:ext uri="{FF2B5EF4-FFF2-40B4-BE49-F238E27FC236}">
-                <a16:creationId xmlns:a16="http://schemas.microsoft.com/office/drawing/2014/main" id="{F4A209E5-DC30-C717-EC11-5997FF70367B}"/>
+                <a16:creationId xmlns:a16="http://schemas.microsoft.com/office/drawing/2014/main" id="{A5020671-6F7D-3A03-EEC1-661A87F96F40}"/>
               </a:ext>
             </a:extLst>
           </p:cNvPr>
@@ -281,7 +434,7 @@
           <a:bodyPr/>
           <a:lstStyle/>
           <a:p>
-            <a:endParaRPr lang="en-GB"/>
+            <a:endParaRPr lang="en-US"/>
           </a:p>
         </p:txBody>
       </p:sp>
@@ -290,7 +443,7 @@
           <p:cNvPr id="6" name="Slide Number Placeholder 5">
             <a:extLst>
               <a:ext uri="{FF2B5EF4-FFF2-40B4-BE49-F238E27FC236}">
-                <a16:creationId xmlns:a16="http://schemas.microsoft.com/office/drawing/2014/main" id="{23D5CDDB-06D2-8182-9CA8-125F4F9FE6C9}"/>
+                <a16:creationId xmlns:a16="http://schemas.microsoft.com/office/drawing/2014/main" id="{F2453D3A-E0F9-8386-2A6C-96671FBB15A5}"/>
               </a:ext>
             </a:extLst>
           </p:cNvPr>
@@ -306,18 +459,18 @@
           <a:bodyPr/>
           <a:lstStyle/>
           <a:p>
-            <a:fld id="{D5135AC3-6E88-5B44-B6FC-FED8DB60A96A}" type="slidenum">
-              <a:rPr lang="en-GB" smtClean="0"/>
+            <a:fld id="{148CC95F-0247-41B6-91CF-DC97C76A7088}" type="slidenum">
+              <a:rPr lang="en-US" smtClean="0"/>
               <a:t>‹#›</a:t>
             </a:fld>
-            <a:endParaRPr lang="en-GB"/>
+            <a:endParaRPr lang="en-US"/>
           </a:p>
         </p:txBody>
       </p:sp>
     </p:spTree>
     <p:extLst>
       <p:ext uri="{BB962C8B-B14F-4D97-AF65-F5344CB8AC3E}">
-        <p14:creationId xmlns:p14="http://schemas.microsoft.com/office/powerpoint/2010/main" val="785115494"/>
+        <p14:creationId xmlns:p14="http://schemas.microsoft.com/office/powerpoint/2010/main" val="3824293155"/>
       </p:ext>
     </p:extLst>
   </p:cSld>
@@ -349,7 +502,7 @@
           <p:cNvPr id="2" name="Title 1">
             <a:extLst>
               <a:ext uri="{FF2B5EF4-FFF2-40B4-BE49-F238E27FC236}">
-                <a16:creationId xmlns:a16="http://schemas.microsoft.com/office/drawing/2014/main" id="{8848770C-11B1-1927-A430-52B19EB1B26F}"/>
+                <a16:creationId xmlns:a16="http://schemas.microsoft.com/office/drawing/2014/main" id="{36C36771-E72D-FAD8-771E-3E196DD2E1C8}"/>
               </a:ext>
             </a:extLst>
           </p:cNvPr>
@@ -366,7 +519,7 @@
           <a:lstStyle/>
           <a:p>
             <a:r>
-              <a:rPr lang="en-GB"/>
+              <a:rPr lang="en-US"/>
               <a:t>Click to edit Master title style</a:t>
             </a:r>
           </a:p>
@@ -377,7 +530,7 @@
           <p:cNvPr id="3" name="Vertical Text Placeholder 2">
             <a:extLst>
               <a:ext uri="{FF2B5EF4-FFF2-40B4-BE49-F238E27FC236}">
-                <a16:creationId xmlns:a16="http://schemas.microsoft.com/office/drawing/2014/main" id="{8BB6223F-0562-C914-2438-CFE91E58A9A9}"/>
+                <a16:creationId xmlns:a16="http://schemas.microsoft.com/office/drawing/2014/main" id="{DB5BB827-257D-60D9-792F-E69590042971}"/>
               </a:ext>
             </a:extLst>
           </p:cNvPr>
@@ -395,35 +548,35 @@
           <a:p>
             <a:pPr lvl="0"/>
             <a:r>
-              <a:rPr lang="en-GB"/>
+              <a:rPr lang="en-US"/>
               <a:t>Click to edit Master text styles</a:t>
             </a:r>
           </a:p>
           <a:p>
             <a:pPr lvl="1"/>
             <a:r>
-              <a:rPr lang="en-GB"/>
+              <a:rPr lang="en-US"/>
               <a:t>Second level</a:t>
             </a:r>
           </a:p>
           <a:p>
             <a:pPr lvl="2"/>
             <a:r>
-              <a:rPr lang="en-GB"/>
+              <a:rPr lang="en-US"/>
               <a:t>Third level</a:t>
             </a:r>
           </a:p>
           <a:p>
             <a:pPr lvl="3"/>
             <a:r>
-              <a:rPr lang="en-GB"/>
+              <a:rPr lang="en-US"/>
               <a:t>Fourth level</a:t>
             </a:r>
           </a:p>
           <a:p>
             <a:pPr lvl="4"/>
             <a:r>
-              <a:rPr lang="en-GB"/>
+              <a:rPr lang="en-US"/>
               <a:t>Fifth level</a:t>
             </a:r>
           </a:p>
@@ -434,7 +587,7 @@
           <p:cNvPr id="4" name="Date Placeholder 3">
             <a:extLst>
               <a:ext uri="{FF2B5EF4-FFF2-40B4-BE49-F238E27FC236}">
-                <a16:creationId xmlns:a16="http://schemas.microsoft.com/office/drawing/2014/main" id="{35EB6665-8CED-CE07-2886-7DEFA5FD0328}"/>
+                <a16:creationId xmlns:a16="http://schemas.microsoft.com/office/drawing/2014/main" id="{2CE5D2E7-C856-F78A-E88C-375474982A5F}"/>
               </a:ext>
             </a:extLst>
           </p:cNvPr>
@@ -450,11 +603,11 @@
           <a:bodyPr/>
           <a:lstStyle/>
           <a:p>
-            <a:fld id="{535DB91C-C75B-124C-B48D-EFE72FFB8B5F}" type="datetimeFigureOut">
-              <a:rPr lang="en-GB" smtClean="0"/>
-              <a:t>22/05/2025</a:t>
+            <a:fld id="{E80C50CD-E178-4744-9B35-B2F624D6C5E9}" type="datetimeFigureOut">
+              <a:rPr lang="en-US" smtClean="0"/>
+              <a:t>5/22/25</a:t>
             </a:fld>
-            <a:endParaRPr lang="en-GB"/>
+            <a:endParaRPr lang="en-US"/>
           </a:p>
         </p:txBody>
       </p:sp>
@@ -463,7 +616,7 @@
           <p:cNvPr id="5" name="Footer Placeholder 4">
             <a:extLst>
               <a:ext uri="{FF2B5EF4-FFF2-40B4-BE49-F238E27FC236}">
-                <a16:creationId xmlns:a16="http://schemas.microsoft.com/office/drawing/2014/main" id="{F63815DB-B870-593E-8931-936A3F7BCBEE}"/>
+                <a16:creationId xmlns:a16="http://schemas.microsoft.com/office/drawing/2014/main" id="{0FDAB289-9591-51C9-9E3C-B6F2ACC6A62A}"/>
               </a:ext>
             </a:extLst>
           </p:cNvPr>
@@ -479,7 +632,7 @@
           <a:bodyPr/>
           <a:lstStyle/>
           <a:p>
-            <a:endParaRPr lang="en-GB"/>
+            <a:endParaRPr lang="en-US"/>
           </a:p>
         </p:txBody>
       </p:sp>
@@ -488,7 +641,7 @@
           <p:cNvPr id="6" name="Slide Number Placeholder 5">
             <a:extLst>
               <a:ext uri="{FF2B5EF4-FFF2-40B4-BE49-F238E27FC236}">
-                <a16:creationId xmlns:a16="http://schemas.microsoft.com/office/drawing/2014/main" id="{0895C736-FE1A-7E26-17BD-3CB81D9DCC8E}"/>
+                <a16:creationId xmlns:a16="http://schemas.microsoft.com/office/drawing/2014/main" id="{27FE037C-790D-7442-8E43-D2740B3952B1}"/>
               </a:ext>
             </a:extLst>
           </p:cNvPr>
@@ -504,18 +657,18 @@
           <a:bodyPr/>
           <a:lstStyle/>
           <a:p>
-            <a:fld id="{D5135AC3-6E88-5B44-B6FC-FED8DB60A96A}" type="slidenum">
-              <a:rPr lang="en-GB" smtClean="0"/>
+            <a:fld id="{148CC95F-0247-41B6-91CF-DC97C76A7088}" type="slidenum">
+              <a:rPr lang="en-US" smtClean="0"/>
               <a:t>‹#›</a:t>
             </a:fld>
-            <a:endParaRPr lang="en-GB"/>
+            <a:endParaRPr lang="en-US"/>
           </a:p>
         </p:txBody>
       </p:sp>
     </p:spTree>
     <p:extLst>
       <p:ext uri="{BB962C8B-B14F-4D97-AF65-F5344CB8AC3E}">
-        <p14:creationId xmlns:p14="http://schemas.microsoft.com/office/powerpoint/2010/main" val="2742150907"/>
+        <p14:creationId xmlns:p14="http://schemas.microsoft.com/office/powerpoint/2010/main" val="4114986224"/>
       </p:ext>
     </p:extLst>
   </p:cSld>
@@ -526,7 +679,7 @@
 </file>
 
 <file path=ppt/slideLayouts/slideLayout11.xml><?xml version="1.0" encoding="utf-8"?>
-<p:sldLayout xmlns:a="http://schemas.openxmlformats.org/drawingml/2006/main" xmlns:r="http://schemas.openxmlformats.org/officeDocument/2006/relationships" xmlns:p="http://schemas.openxmlformats.org/presentationml/2006/main" type="vertTitleAndTx" preserve="1">
+<p:sldLayout xmlns:a="http://schemas.openxmlformats.org/drawingml/2006/main" xmlns:r="http://schemas.openxmlformats.org/officeDocument/2006/relationships" xmlns:p="http://schemas.openxmlformats.org/presentationml/2006/main" showMasterSp="0" type="vertTitleAndTx" preserve="1">
   <p:cSld name="Vertical Title and Text">
     <p:spTree>
       <p:nvGrpSpPr>
@@ -547,7 +700,7 @@
           <p:cNvPr id="2" name="Vertical Title 1">
             <a:extLst>
               <a:ext uri="{FF2B5EF4-FFF2-40B4-BE49-F238E27FC236}">
-                <a16:creationId xmlns:a16="http://schemas.microsoft.com/office/drawing/2014/main" id="{5DAC3463-9F0A-6C6C-AA20-2CA1C20A0E9A}"/>
+                <a16:creationId xmlns:a16="http://schemas.microsoft.com/office/drawing/2014/main" id="{C2635151-A38B-3766-6A32-FF1DF7687D9F}"/>
               </a:ext>
             </a:extLst>
           </p:cNvPr>
@@ -560,8 +713,8 @@
         </p:nvSpPr>
         <p:spPr>
           <a:xfrm>
-            <a:off x="8724900" y="365125"/>
-            <a:ext cx="2628900" cy="5811838"/>
+            <a:off x="8659368" y="978408"/>
+            <a:ext cx="2551176" cy="5367528"/>
           </a:xfrm>
         </p:spPr>
         <p:txBody>
@@ -569,7 +722,7 @@
           <a:lstStyle/>
           <a:p>
             <a:r>
-              <a:rPr lang="en-GB"/>
+              <a:rPr lang="en-US" dirty="0"/>
               <a:t>Click to edit Master title style</a:t>
             </a:r>
           </a:p>
@@ -580,7 +733,7 @@
           <p:cNvPr id="3" name="Vertical Text Placeholder 2">
             <a:extLst>
               <a:ext uri="{FF2B5EF4-FFF2-40B4-BE49-F238E27FC236}">
-                <a16:creationId xmlns:a16="http://schemas.microsoft.com/office/drawing/2014/main" id="{8A4ABBD7-4FE9-4BD2-DBEA-0D31DA31D71F}"/>
+                <a16:creationId xmlns:a16="http://schemas.microsoft.com/office/drawing/2014/main" id="{33D132D1-640C-FB9A-AD6F-D845738349F6}"/>
               </a:ext>
             </a:extLst>
           </p:cNvPr>
@@ -593,8 +746,8 @@
         </p:nvSpPr>
         <p:spPr>
           <a:xfrm>
-            <a:off x="838200" y="365125"/>
-            <a:ext cx="7734300" cy="5811838"/>
+            <a:off x="521208" y="978408"/>
+            <a:ext cx="8010144" cy="5367528"/>
           </a:xfrm>
         </p:spPr>
         <p:txBody>
@@ -603,35 +756,35 @@
           <a:p>
             <a:pPr lvl="0"/>
             <a:r>
-              <a:rPr lang="en-GB"/>
+              <a:rPr lang="en-US" dirty="0"/>
               <a:t>Click to edit Master text styles</a:t>
             </a:r>
           </a:p>
           <a:p>
             <a:pPr lvl="1"/>
             <a:r>
-              <a:rPr lang="en-GB"/>
+              <a:rPr lang="en-US" dirty="0"/>
               <a:t>Second level</a:t>
             </a:r>
           </a:p>
           <a:p>
             <a:pPr lvl="2"/>
             <a:r>
-              <a:rPr lang="en-GB"/>
+              <a:rPr lang="en-US" dirty="0"/>
               <a:t>Third level</a:t>
             </a:r>
           </a:p>
           <a:p>
             <a:pPr lvl="3"/>
             <a:r>
-              <a:rPr lang="en-GB"/>
+              <a:rPr lang="en-US" dirty="0"/>
               <a:t>Fourth level</a:t>
             </a:r>
           </a:p>
           <a:p>
             <a:pPr lvl="4"/>
             <a:r>
-              <a:rPr lang="en-GB"/>
+              <a:rPr lang="en-US" dirty="0"/>
               <a:t>Fifth level</a:t>
             </a:r>
           </a:p>
@@ -642,7 +795,7 @@
           <p:cNvPr id="4" name="Date Placeholder 3">
             <a:extLst>
               <a:ext uri="{FF2B5EF4-FFF2-40B4-BE49-F238E27FC236}">
-                <a16:creationId xmlns:a16="http://schemas.microsoft.com/office/drawing/2014/main" id="{404E71E9-1AFF-B2F8-2FD2-21180CFFC6AC}"/>
+                <a16:creationId xmlns:a16="http://schemas.microsoft.com/office/drawing/2014/main" id="{6955F80A-4BA7-8ED8-9A62-B92194272620}"/>
               </a:ext>
             </a:extLst>
           </p:cNvPr>
@@ -658,11 +811,11 @@
           <a:bodyPr/>
           <a:lstStyle/>
           <a:p>
-            <a:fld id="{535DB91C-C75B-124C-B48D-EFE72FFB8B5F}" type="datetimeFigureOut">
-              <a:rPr lang="en-GB" smtClean="0"/>
-              <a:t>22/05/2025</a:t>
+            <a:fld id="{E80C50CD-E178-4744-9B35-B2F624D6C5E9}" type="datetimeFigureOut">
+              <a:rPr lang="en-US" smtClean="0"/>
+              <a:t>5/22/25</a:t>
             </a:fld>
-            <a:endParaRPr lang="en-GB"/>
+            <a:endParaRPr lang="en-US"/>
           </a:p>
         </p:txBody>
       </p:sp>
@@ -671,7 +824,7 @@
           <p:cNvPr id="5" name="Footer Placeholder 4">
             <a:extLst>
               <a:ext uri="{FF2B5EF4-FFF2-40B4-BE49-F238E27FC236}">
-                <a16:creationId xmlns:a16="http://schemas.microsoft.com/office/drawing/2014/main" id="{5A92BA53-5974-F860-83CB-A2F221006C10}"/>
+                <a16:creationId xmlns:a16="http://schemas.microsoft.com/office/drawing/2014/main" id="{85E38113-D55A-A1A0-D1FE-53C95860FB63}"/>
               </a:ext>
             </a:extLst>
           </p:cNvPr>
@@ -687,7 +840,7 @@
           <a:bodyPr/>
           <a:lstStyle/>
           <a:p>
-            <a:endParaRPr lang="en-GB"/>
+            <a:endParaRPr lang="en-US"/>
           </a:p>
         </p:txBody>
       </p:sp>
@@ -696,7 +849,7 @@
           <p:cNvPr id="6" name="Slide Number Placeholder 5">
             <a:extLst>
               <a:ext uri="{FF2B5EF4-FFF2-40B4-BE49-F238E27FC236}">
-                <a16:creationId xmlns:a16="http://schemas.microsoft.com/office/drawing/2014/main" id="{C736043A-7E76-B5CA-0509-BFCD908206C3}"/>
+                <a16:creationId xmlns:a16="http://schemas.microsoft.com/office/drawing/2014/main" id="{68919DDB-F89D-4B2D-21A2-82AF1D1023E4}"/>
               </a:ext>
             </a:extLst>
           </p:cNvPr>
@@ -712,18 +865,70 @@
           <a:bodyPr/>
           <a:lstStyle/>
           <a:p>
-            <a:fld id="{D5135AC3-6E88-5B44-B6FC-FED8DB60A96A}" type="slidenum">
-              <a:rPr lang="en-GB" smtClean="0"/>
+            <a:fld id="{148CC95F-0247-41B6-91CF-DC97C76A7088}" type="slidenum">
+              <a:rPr lang="en-US" smtClean="0"/>
               <a:t>‹#›</a:t>
             </a:fld>
-            <a:endParaRPr lang="en-GB"/>
+            <a:endParaRPr lang="en-US"/>
+          </a:p>
+        </p:txBody>
+      </p:sp>
+      <p:sp>
+        <p:nvSpPr>
+          <p:cNvPr id="7" name="Rectangle 6">
+            <a:extLst>
+              <a:ext uri="{FF2B5EF4-FFF2-40B4-BE49-F238E27FC236}">
+                <a16:creationId xmlns:a16="http://schemas.microsoft.com/office/drawing/2014/main" id="{262572D8-D485-1DB1-34B1-C35C61C89940}"/>
+              </a:ext>
+            </a:extLst>
+          </p:cNvPr>
+          <p:cNvSpPr/>
+          <p:nvPr/>
+        </p:nvSpPr>
+        <p:spPr>
+          <a:xfrm rot="5400000">
+            <a:off x="8936623" y="3585018"/>
+            <a:ext cx="5325734" cy="149279"/>
+          </a:xfrm>
+          <a:prstGeom prst="rect">
+            <a:avLst/>
+          </a:prstGeom>
+          <a:solidFill>
+            <a:schemeClr val="tx1"/>
+          </a:solidFill>
+          <a:ln>
+            <a:noFill/>
+          </a:ln>
+        </p:spPr>
+        <p:style>
+          <a:lnRef idx="2">
+            <a:schemeClr val="accent1">
+              <a:shade val="50000"/>
+            </a:schemeClr>
+          </a:lnRef>
+          <a:fillRef idx="1">
+            <a:schemeClr val="accent1"/>
+          </a:fillRef>
+          <a:effectRef idx="0">
+            <a:schemeClr val="accent1"/>
+          </a:effectRef>
+          <a:fontRef idx="minor">
+            <a:schemeClr val="lt1"/>
+          </a:fontRef>
+        </p:style>
+        <p:txBody>
+          <a:bodyPr rtlCol="0" anchor="ctr"/>
+          <a:lstStyle/>
+          <a:p>
+            <a:pPr algn="ctr"/>
+            <a:endParaRPr lang="en-US"/>
           </a:p>
         </p:txBody>
       </p:sp>
     </p:spTree>
     <p:extLst>
       <p:ext uri="{BB962C8B-B14F-4D97-AF65-F5344CB8AC3E}">
-        <p14:creationId xmlns:p14="http://schemas.microsoft.com/office/powerpoint/2010/main" val="2013139718"/>
+        <p14:creationId xmlns:p14="http://schemas.microsoft.com/office/powerpoint/2010/main" val="4021507424"/>
       </p:ext>
     </p:extLst>
   </p:cSld>
@@ -755,7 +960,7 @@
           <p:cNvPr id="2" name="Title 1">
             <a:extLst>
               <a:ext uri="{FF2B5EF4-FFF2-40B4-BE49-F238E27FC236}">
-                <a16:creationId xmlns:a16="http://schemas.microsoft.com/office/drawing/2014/main" id="{33934C81-7ED6-DCAF-3E9C-3C340EBCC992}"/>
+                <a16:creationId xmlns:a16="http://schemas.microsoft.com/office/drawing/2014/main" id="{6FA26D03-149A-DAB3-4B2A-E9B74F2E2514}"/>
               </a:ext>
             </a:extLst>
           </p:cNvPr>
@@ -772,7 +977,7 @@
           <a:lstStyle/>
           <a:p>
             <a:r>
-              <a:rPr lang="en-GB"/>
+              <a:rPr lang="en-US"/>
               <a:t>Click to edit Master title style</a:t>
             </a:r>
           </a:p>
@@ -783,7 +988,7 @@
           <p:cNvPr id="3" name="Content Placeholder 2">
             <a:extLst>
               <a:ext uri="{FF2B5EF4-FFF2-40B4-BE49-F238E27FC236}">
-                <a16:creationId xmlns:a16="http://schemas.microsoft.com/office/drawing/2014/main" id="{57D182E2-5540-9A02-36FE-74DF8BDEB985}"/>
+                <a16:creationId xmlns:a16="http://schemas.microsoft.com/office/drawing/2014/main" id="{23C1E73D-41A7-9934-0990-9208B952329C}"/>
               </a:ext>
             </a:extLst>
           </p:cNvPr>
@@ -801,35 +1006,35 @@
           <a:p>
             <a:pPr lvl="0"/>
             <a:r>
-              <a:rPr lang="en-GB"/>
+              <a:rPr lang="en-US"/>
               <a:t>Click to edit Master text styles</a:t>
             </a:r>
           </a:p>
           <a:p>
             <a:pPr lvl="1"/>
             <a:r>
-              <a:rPr lang="en-GB"/>
+              <a:rPr lang="en-US"/>
               <a:t>Second level</a:t>
             </a:r>
           </a:p>
           <a:p>
             <a:pPr lvl="2"/>
             <a:r>
-              <a:rPr lang="en-GB"/>
+              <a:rPr lang="en-US"/>
               <a:t>Third level</a:t>
             </a:r>
           </a:p>
           <a:p>
             <a:pPr lvl="3"/>
             <a:r>
-              <a:rPr lang="en-GB"/>
+              <a:rPr lang="en-US"/>
               <a:t>Fourth level</a:t>
             </a:r>
           </a:p>
           <a:p>
             <a:pPr lvl="4"/>
             <a:r>
-              <a:rPr lang="en-GB"/>
+              <a:rPr lang="en-US"/>
               <a:t>Fifth level</a:t>
             </a:r>
           </a:p>
@@ -840,7 +1045,7 @@
           <p:cNvPr id="4" name="Date Placeholder 3">
             <a:extLst>
               <a:ext uri="{FF2B5EF4-FFF2-40B4-BE49-F238E27FC236}">
-                <a16:creationId xmlns:a16="http://schemas.microsoft.com/office/drawing/2014/main" id="{B4054532-3DAA-1521-8327-52D8F29ED4FF}"/>
+                <a16:creationId xmlns:a16="http://schemas.microsoft.com/office/drawing/2014/main" id="{F8BB2A3F-E719-673C-5D56-F663712D0E7F}"/>
               </a:ext>
             </a:extLst>
           </p:cNvPr>
@@ -856,11 +1061,11 @@
           <a:bodyPr/>
           <a:lstStyle/>
           <a:p>
-            <a:fld id="{535DB91C-C75B-124C-B48D-EFE72FFB8B5F}" type="datetimeFigureOut">
-              <a:rPr lang="en-GB" smtClean="0"/>
-              <a:t>22/05/2025</a:t>
+            <a:fld id="{E80C50CD-E178-4744-9B35-B2F624D6C5E9}" type="datetimeFigureOut">
+              <a:rPr lang="en-US" smtClean="0"/>
+              <a:t>5/22/25</a:t>
             </a:fld>
-            <a:endParaRPr lang="en-GB"/>
+            <a:endParaRPr lang="en-US"/>
           </a:p>
         </p:txBody>
       </p:sp>
@@ -869,7 +1074,7 @@
           <p:cNvPr id="5" name="Footer Placeholder 4">
             <a:extLst>
               <a:ext uri="{FF2B5EF4-FFF2-40B4-BE49-F238E27FC236}">
-                <a16:creationId xmlns:a16="http://schemas.microsoft.com/office/drawing/2014/main" id="{BE719BAB-2B4A-4132-722C-98F22706AD47}"/>
+                <a16:creationId xmlns:a16="http://schemas.microsoft.com/office/drawing/2014/main" id="{04AE594A-52F5-D85E-343C-ADFEE3C72E00}"/>
               </a:ext>
             </a:extLst>
           </p:cNvPr>
@@ -885,7 +1090,7 @@
           <a:bodyPr/>
           <a:lstStyle/>
           <a:p>
-            <a:endParaRPr lang="en-GB"/>
+            <a:endParaRPr lang="en-US"/>
           </a:p>
         </p:txBody>
       </p:sp>
@@ -894,7 +1099,7 @@
           <p:cNvPr id="6" name="Slide Number Placeholder 5">
             <a:extLst>
               <a:ext uri="{FF2B5EF4-FFF2-40B4-BE49-F238E27FC236}">
-                <a16:creationId xmlns:a16="http://schemas.microsoft.com/office/drawing/2014/main" id="{D6A38B96-5950-9DF7-E482-D8B6FAF48708}"/>
+                <a16:creationId xmlns:a16="http://schemas.microsoft.com/office/drawing/2014/main" id="{207D5C9C-B2E2-FC26-E459-9E880EF975BA}"/>
               </a:ext>
             </a:extLst>
           </p:cNvPr>
@@ -910,18 +1115,18 @@
           <a:bodyPr/>
           <a:lstStyle/>
           <a:p>
-            <a:fld id="{D5135AC3-6E88-5B44-B6FC-FED8DB60A96A}" type="slidenum">
-              <a:rPr lang="en-GB" smtClean="0"/>
+            <a:fld id="{148CC95F-0247-41B6-91CF-DC97C76A7088}" type="slidenum">
+              <a:rPr lang="en-US" smtClean="0"/>
               <a:t>‹#›</a:t>
             </a:fld>
-            <a:endParaRPr lang="en-GB"/>
+            <a:endParaRPr lang="en-US"/>
           </a:p>
         </p:txBody>
       </p:sp>
     </p:spTree>
     <p:extLst>
       <p:ext uri="{BB962C8B-B14F-4D97-AF65-F5344CB8AC3E}">
-        <p14:creationId xmlns:p14="http://schemas.microsoft.com/office/powerpoint/2010/main" val="1603559341"/>
+        <p14:creationId xmlns:p14="http://schemas.microsoft.com/office/powerpoint/2010/main" val="2590603543"/>
       </p:ext>
     </p:extLst>
   </p:cSld>
@@ -932,7 +1137,7 @@
 </file>
 
 <file path=ppt/slideLayouts/slideLayout3.xml><?xml version="1.0" encoding="utf-8"?>
-<p:sldLayout xmlns:a="http://schemas.openxmlformats.org/drawingml/2006/main" xmlns:r="http://schemas.openxmlformats.org/officeDocument/2006/relationships" xmlns:p="http://schemas.openxmlformats.org/presentationml/2006/main" type="secHead" preserve="1">
+<p:sldLayout xmlns:a="http://schemas.openxmlformats.org/drawingml/2006/main" xmlns:r="http://schemas.openxmlformats.org/officeDocument/2006/relationships" xmlns:p="http://schemas.openxmlformats.org/presentationml/2006/main" showMasterSp="0" type="secHead" preserve="1">
   <p:cSld name="Section Header">
     <p:spTree>
       <p:nvGrpSpPr>
@@ -953,7 +1158,7 @@
           <p:cNvPr id="2" name="Title 1">
             <a:extLst>
               <a:ext uri="{FF2B5EF4-FFF2-40B4-BE49-F238E27FC236}">
-                <a16:creationId xmlns:a16="http://schemas.microsoft.com/office/drawing/2014/main" id="{39BAE42A-36DB-26E0-F439-A4818182BB5E}"/>
+                <a16:creationId xmlns:a16="http://schemas.microsoft.com/office/drawing/2014/main" id="{D029D51F-B2D5-2804-4F7C-C99850FBD05B}"/>
               </a:ext>
             </a:extLst>
           </p:cNvPr>
@@ -966,20 +1171,22 @@
         </p:nvSpPr>
         <p:spPr>
           <a:xfrm>
-            <a:off x="831850" y="1709738"/>
-            <a:ext cx="10515600" cy="2852737"/>
+            <a:off x="521208" y="978408"/>
+            <a:ext cx="5020056" cy="4288536"/>
           </a:xfrm>
         </p:spPr>
         <p:txBody>
-          <a:bodyPr anchor="b"/>
+          <a:bodyPr anchor="t">
+            <a:normAutofit/>
+          </a:bodyPr>
           <a:lstStyle>
             <a:lvl1pPr>
-              <a:defRPr sz="6000"/>
+              <a:defRPr sz="5400"/>
             </a:lvl1pPr>
           </a:lstStyle>
           <a:p>
             <a:r>
-              <a:rPr lang="en-GB"/>
+              <a:rPr lang="en-US" dirty="0"/>
               <a:t>Click to edit Master title style</a:t>
             </a:r>
           </a:p>
@@ -990,7 +1197,7 @@
           <p:cNvPr id="3" name="Text Placeholder 2">
             <a:extLst>
               <a:ext uri="{FF2B5EF4-FFF2-40B4-BE49-F238E27FC236}">
-                <a16:creationId xmlns:a16="http://schemas.microsoft.com/office/drawing/2014/main" id="{BD3BBF72-ECF9-692D-EC0E-0CADC85767E6}"/>
+                <a16:creationId xmlns:a16="http://schemas.microsoft.com/office/drawing/2014/main" id="{15FE5516-03B6-C488-EB4A-68AE681EDFB8}"/>
               </a:ext>
             </a:extLst>
           </p:cNvPr>
@@ -1003,16 +1210,18 @@
         </p:nvSpPr>
         <p:spPr>
           <a:xfrm>
-            <a:off x="831850" y="4589463"/>
-            <a:ext cx="10515600" cy="1500187"/>
+            <a:off x="521208" y="5266944"/>
+            <a:ext cx="5020056" cy="1088136"/>
           </a:xfrm>
         </p:spPr>
         <p:txBody>
-          <a:bodyPr/>
+          <a:bodyPr anchor="b">
+            <a:normAutofit/>
+          </a:bodyPr>
           <a:lstStyle>
             <a:lvl1pPr marL="0" indent="0">
               <a:buNone/>
-              <a:defRPr sz="2400">
+              <a:defRPr sz="2200" i="1">
                 <a:solidFill>
                   <a:schemeClr val="tx1">
                     <a:tint val="82000"/>
@@ -1104,7 +1313,7 @@
           <a:p>
             <a:pPr lvl="0"/>
             <a:r>
-              <a:rPr lang="en-GB"/>
+              <a:rPr lang="en-US" dirty="0"/>
               <a:t>Click to edit Master text styles</a:t>
             </a:r>
           </a:p>
@@ -1115,7 +1324,7 @@
           <p:cNvPr id="4" name="Date Placeholder 3">
             <a:extLst>
               <a:ext uri="{FF2B5EF4-FFF2-40B4-BE49-F238E27FC236}">
-                <a16:creationId xmlns:a16="http://schemas.microsoft.com/office/drawing/2014/main" id="{1D0C225D-A05F-1F06-7996-80DAE147A61C}"/>
+                <a16:creationId xmlns:a16="http://schemas.microsoft.com/office/drawing/2014/main" id="{50ECB4D7-49A7-D050-70B9-11A1E2D445D8}"/>
               </a:ext>
             </a:extLst>
           </p:cNvPr>
@@ -1131,11 +1340,11 @@
           <a:bodyPr/>
           <a:lstStyle/>
           <a:p>
-            <a:fld id="{535DB91C-C75B-124C-B48D-EFE72FFB8B5F}" type="datetimeFigureOut">
-              <a:rPr lang="en-GB" smtClean="0"/>
-              <a:t>22/05/2025</a:t>
+            <a:fld id="{E80C50CD-E178-4744-9B35-B2F624D6C5E9}" type="datetimeFigureOut">
+              <a:rPr lang="en-US" smtClean="0"/>
+              <a:t>5/22/25</a:t>
             </a:fld>
-            <a:endParaRPr lang="en-GB"/>
+            <a:endParaRPr lang="en-US"/>
           </a:p>
         </p:txBody>
       </p:sp>
@@ -1144,7 +1353,7 @@
           <p:cNvPr id="5" name="Footer Placeholder 4">
             <a:extLst>
               <a:ext uri="{FF2B5EF4-FFF2-40B4-BE49-F238E27FC236}">
-                <a16:creationId xmlns:a16="http://schemas.microsoft.com/office/drawing/2014/main" id="{1BB3E850-7D10-4526-A9B6-D4B7AD7C56ED}"/>
+                <a16:creationId xmlns:a16="http://schemas.microsoft.com/office/drawing/2014/main" id="{8A9A913F-AD00-C1EE-B01A-8590671C014B}"/>
               </a:ext>
             </a:extLst>
           </p:cNvPr>
@@ -1160,7 +1369,7 @@
           <a:bodyPr/>
           <a:lstStyle/>
           <a:p>
-            <a:endParaRPr lang="en-GB"/>
+            <a:endParaRPr lang="en-US"/>
           </a:p>
         </p:txBody>
       </p:sp>
@@ -1169,7 +1378,7 @@
           <p:cNvPr id="6" name="Slide Number Placeholder 5">
             <a:extLst>
               <a:ext uri="{FF2B5EF4-FFF2-40B4-BE49-F238E27FC236}">
-                <a16:creationId xmlns:a16="http://schemas.microsoft.com/office/drawing/2014/main" id="{3DDE0B8C-1F3F-216B-F57A-C6DB3CBD25FF}"/>
+                <a16:creationId xmlns:a16="http://schemas.microsoft.com/office/drawing/2014/main" id="{314FC386-B2AF-6FAD-D053-E22D48CD7285}"/>
               </a:ext>
             </a:extLst>
           </p:cNvPr>
@@ -1185,18 +1394,70 @@
           <a:bodyPr/>
           <a:lstStyle/>
           <a:p>
-            <a:fld id="{D5135AC3-6E88-5B44-B6FC-FED8DB60A96A}" type="slidenum">
-              <a:rPr lang="en-GB" smtClean="0"/>
+            <a:fld id="{148CC95F-0247-41B6-91CF-DC97C76A7088}" type="slidenum">
+              <a:rPr lang="en-US" smtClean="0"/>
               <a:t>‹#›</a:t>
             </a:fld>
-            <a:endParaRPr lang="en-GB"/>
+            <a:endParaRPr lang="en-US"/>
+          </a:p>
+        </p:txBody>
+      </p:sp>
+      <p:sp>
+        <p:nvSpPr>
+          <p:cNvPr id="7" name="Rectangle 6">
+            <a:extLst>
+              <a:ext uri="{FF2B5EF4-FFF2-40B4-BE49-F238E27FC236}">
+                <a16:creationId xmlns:a16="http://schemas.microsoft.com/office/drawing/2014/main" id="{4E1E1B67-3BFF-F04B-52F4-7E724FB3B24D}"/>
+              </a:ext>
+            </a:extLst>
+          </p:cNvPr>
+          <p:cNvSpPr/>
+          <p:nvPr/>
+        </p:nvSpPr>
+        <p:spPr>
+          <a:xfrm>
+            <a:off x="517870" y="508090"/>
+            <a:ext cx="5021183" cy="149279"/>
+          </a:xfrm>
+          <a:prstGeom prst="rect">
+            <a:avLst/>
+          </a:prstGeom>
+          <a:solidFill>
+            <a:schemeClr val="tx1"/>
+          </a:solidFill>
+          <a:ln>
+            <a:noFill/>
+          </a:ln>
+        </p:spPr>
+        <p:style>
+          <a:lnRef idx="2">
+            <a:schemeClr val="accent1">
+              <a:shade val="50000"/>
+            </a:schemeClr>
+          </a:lnRef>
+          <a:fillRef idx="1">
+            <a:schemeClr val="accent1"/>
+          </a:fillRef>
+          <a:effectRef idx="0">
+            <a:schemeClr val="accent1"/>
+          </a:effectRef>
+          <a:fontRef idx="minor">
+            <a:schemeClr val="lt1"/>
+          </a:fontRef>
+        </p:style>
+        <p:txBody>
+          <a:bodyPr rtlCol="0" anchor="ctr"/>
+          <a:lstStyle/>
+          <a:p>
+            <a:pPr algn="ctr"/>
+            <a:endParaRPr lang="en-US"/>
           </a:p>
         </p:txBody>
       </p:sp>
     </p:spTree>
     <p:extLst>
       <p:ext uri="{BB962C8B-B14F-4D97-AF65-F5344CB8AC3E}">
-        <p14:creationId xmlns:p14="http://schemas.microsoft.com/office/powerpoint/2010/main" val="34584623"/>
+        <p14:creationId xmlns:p14="http://schemas.microsoft.com/office/powerpoint/2010/main" val="709869811"/>
       </p:ext>
     </p:extLst>
   </p:cSld>
@@ -1228,7 +1489,7 @@
           <p:cNvPr id="2" name="Title 1">
             <a:extLst>
               <a:ext uri="{FF2B5EF4-FFF2-40B4-BE49-F238E27FC236}">
-                <a16:creationId xmlns:a16="http://schemas.microsoft.com/office/drawing/2014/main" id="{9A1D7C7B-527B-9DC5-CE05-033E4D4E3178}"/>
+                <a16:creationId xmlns:a16="http://schemas.microsoft.com/office/drawing/2014/main" id="{03CE3B21-CF4D-1B01-0F4E-D32C1B218B63}"/>
               </a:ext>
             </a:extLst>
           </p:cNvPr>
@@ -1245,7 +1506,7 @@
           <a:lstStyle/>
           <a:p>
             <a:r>
-              <a:rPr lang="en-GB"/>
+              <a:rPr lang="en-US" dirty="0"/>
               <a:t>Click to edit Master title style</a:t>
             </a:r>
           </a:p>
@@ -1256,7 +1517,7 @@
           <p:cNvPr id="3" name="Content Placeholder 2">
             <a:extLst>
               <a:ext uri="{FF2B5EF4-FFF2-40B4-BE49-F238E27FC236}">
-                <a16:creationId xmlns:a16="http://schemas.microsoft.com/office/drawing/2014/main" id="{A2D52BA4-9B82-A2C3-06B1-C7C40D8D68E9}"/>
+                <a16:creationId xmlns:a16="http://schemas.microsoft.com/office/drawing/2014/main" id="{1FB39FF2-6858-B514-B695-58442557D0C1}"/>
               </a:ext>
             </a:extLst>
           </p:cNvPr>
@@ -1269,8 +1530,8 @@
         </p:nvSpPr>
         <p:spPr>
           <a:xfrm>
-            <a:off x="838200" y="1825625"/>
-            <a:ext cx="5181600" cy="4351338"/>
+            <a:off x="521208" y="2578608"/>
+            <a:ext cx="5166360" cy="3767328"/>
           </a:xfrm>
         </p:spPr>
         <p:txBody>
@@ -1279,35 +1540,35 @@
           <a:p>
             <a:pPr lvl="0"/>
             <a:r>
-              <a:rPr lang="en-GB"/>
+              <a:rPr lang="en-US"/>
               <a:t>Click to edit Master text styles</a:t>
             </a:r>
           </a:p>
           <a:p>
             <a:pPr lvl="1"/>
             <a:r>
-              <a:rPr lang="en-GB"/>
+              <a:rPr lang="en-US"/>
               <a:t>Second level</a:t>
             </a:r>
           </a:p>
           <a:p>
             <a:pPr lvl="2"/>
             <a:r>
-              <a:rPr lang="en-GB"/>
+              <a:rPr lang="en-US"/>
               <a:t>Third level</a:t>
             </a:r>
           </a:p>
           <a:p>
             <a:pPr lvl="3"/>
             <a:r>
-              <a:rPr lang="en-GB"/>
+              <a:rPr lang="en-US"/>
               <a:t>Fourth level</a:t>
             </a:r>
           </a:p>
           <a:p>
             <a:pPr lvl="4"/>
             <a:r>
-              <a:rPr lang="en-GB"/>
+              <a:rPr lang="en-US"/>
               <a:t>Fifth level</a:t>
             </a:r>
           </a:p>
@@ -1318,7 +1579,7 @@
           <p:cNvPr id="4" name="Content Placeholder 3">
             <a:extLst>
               <a:ext uri="{FF2B5EF4-FFF2-40B4-BE49-F238E27FC236}">
-                <a16:creationId xmlns:a16="http://schemas.microsoft.com/office/drawing/2014/main" id="{38582BC9-7E41-4579-98F3-85BF1648451D}"/>
+                <a16:creationId xmlns:a16="http://schemas.microsoft.com/office/drawing/2014/main" id="{8FA30130-974D-B91D-5B93-EC52AABDB5B0}"/>
               </a:ext>
             </a:extLst>
           </p:cNvPr>
@@ -1331,8 +1592,8 @@
         </p:nvSpPr>
         <p:spPr>
           <a:xfrm>
-            <a:off x="6172200" y="1825625"/>
-            <a:ext cx="5181600" cy="4351338"/>
+            <a:off x="6519672" y="2578608"/>
+            <a:ext cx="5166360" cy="3767328"/>
           </a:xfrm>
         </p:spPr>
         <p:txBody>
@@ -1341,35 +1602,35 @@
           <a:p>
             <a:pPr lvl="0"/>
             <a:r>
-              <a:rPr lang="en-GB"/>
+              <a:rPr lang="en-US"/>
               <a:t>Click to edit Master text styles</a:t>
             </a:r>
           </a:p>
           <a:p>
             <a:pPr lvl="1"/>
             <a:r>
-              <a:rPr lang="en-GB"/>
+              <a:rPr lang="en-US"/>
               <a:t>Second level</a:t>
             </a:r>
           </a:p>
           <a:p>
             <a:pPr lvl="2"/>
             <a:r>
-              <a:rPr lang="en-GB"/>
+              <a:rPr lang="en-US"/>
               <a:t>Third level</a:t>
             </a:r>
           </a:p>
           <a:p>
             <a:pPr lvl="3"/>
             <a:r>
-              <a:rPr lang="en-GB"/>
+              <a:rPr lang="en-US"/>
               <a:t>Fourth level</a:t>
             </a:r>
           </a:p>
           <a:p>
             <a:pPr lvl="4"/>
             <a:r>
-              <a:rPr lang="en-GB"/>
+              <a:rPr lang="en-US"/>
               <a:t>Fifth level</a:t>
             </a:r>
           </a:p>
@@ -1380,7 +1641,7 @@
           <p:cNvPr id="5" name="Date Placeholder 4">
             <a:extLst>
               <a:ext uri="{FF2B5EF4-FFF2-40B4-BE49-F238E27FC236}">
-                <a16:creationId xmlns:a16="http://schemas.microsoft.com/office/drawing/2014/main" id="{0FF7A41F-4FFD-E284-F736-FDB08604D805}"/>
+                <a16:creationId xmlns:a16="http://schemas.microsoft.com/office/drawing/2014/main" id="{515BED99-6FD7-9C6B-1152-A6E42715BB79}"/>
               </a:ext>
             </a:extLst>
           </p:cNvPr>
@@ -1396,11 +1657,11 @@
           <a:bodyPr/>
           <a:lstStyle/>
           <a:p>
-            <a:fld id="{535DB91C-C75B-124C-B48D-EFE72FFB8B5F}" type="datetimeFigureOut">
-              <a:rPr lang="en-GB" smtClean="0"/>
-              <a:t>22/05/2025</a:t>
+            <a:fld id="{E80C50CD-E178-4744-9B35-B2F624D6C5E9}" type="datetimeFigureOut">
+              <a:rPr lang="en-US" smtClean="0"/>
+              <a:t>5/22/25</a:t>
             </a:fld>
-            <a:endParaRPr lang="en-GB"/>
+            <a:endParaRPr lang="en-US"/>
           </a:p>
         </p:txBody>
       </p:sp>
@@ -1409,7 +1670,7 @@
           <p:cNvPr id="6" name="Footer Placeholder 5">
             <a:extLst>
               <a:ext uri="{FF2B5EF4-FFF2-40B4-BE49-F238E27FC236}">
-                <a16:creationId xmlns:a16="http://schemas.microsoft.com/office/drawing/2014/main" id="{AD347000-4EAD-215B-6B73-2D8DD6630D64}"/>
+                <a16:creationId xmlns:a16="http://schemas.microsoft.com/office/drawing/2014/main" id="{BA253AAC-5967-2565-A715-82D3505ABF0F}"/>
               </a:ext>
             </a:extLst>
           </p:cNvPr>
@@ -1425,7 +1686,7 @@
           <a:bodyPr/>
           <a:lstStyle/>
           <a:p>
-            <a:endParaRPr lang="en-GB"/>
+            <a:endParaRPr lang="en-US"/>
           </a:p>
         </p:txBody>
       </p:sp>
@@ -1434,7 +1695,7 @@
           <p:cNvPr id="7" name="Slide Number Placeholder 6">
             <a:extLst>
               <a:ext uri="{FF2B5EF4-FFF2-40B4-BE49-F238E27FC236}">
-                <a16:creationId xmlns:a16="http://schemas.microsoft.com/office/drawing/2014/main" id="{C5A55940-D0E2-A1F9-193F-87015A4B655D}"/>
+                <a16:creationId xmlns:a16="http://schemas.microsoft.com/office/drawing/2014/main" id="{A4B51313-69FB-E016-3CC1-62CA476ED214}"/>
               </a:ext>
             </a:extLst>
           </p:cNvPr>
@@ -1450,18 +1711,18 @@
           <a:bodyPr/>
           <a:lstStyle/>
           <a:p>
-            <a:fld id="{D5135AC3-6E88-5B44-B6FC-FED8DB60A96A}" type="slidenum">
-              <a:rPr lang="en-GB" smtClean="0"/>
+            <a:fld id="{148CC95F-0247-41B6-91CF-DC97C76A7088}" type="slidenum">
+              <a:rPr lang="en-US" smtClean="0"/>
               <a:t>‹#›</a:t>
             </a:fld>
-            <a:endParaRPr lang="en-GB"/>
+            <a:endParaRPr lang="en-US"/>
           </a:p>
         </p:txBody>
       </p:sp>
     </p:spTree>
     <p:extLst>
       <p:ext uri="{BB962C8B-B14F-4D97-AF65-F5344CB8AC3E}">
-        <p14:creationId xmlns:p14="http://schemas.microsoft.com/office/powerpoint/2010/main" val="3488598610"/>
+        <p14:creationId xmlns:p14="http://schemas.microsoft.com/office/powerpoint/2010/main" val="893177011"/>
       </p:ext>
     </p:extLst>
   </p:cSld>
@@ -1493,7 +1754,7 @@
           <p:cNvPr id="2" name="Title 1">
             <a:extLst>
               <a:ext uri="{FF2B5EF4-FFF2-40B4-BE49-F238E27FC236}">
-                <a16:creationId xmlns:a16="http://schemas.microsoft.com/office/drawing/2014/main" id="{1773F5C4-9CE5-9C49-AB42-BCEAE1CBEB7C}"/>
+                <a16:creationId xmlns:a16="http://schemas.microsoft.com/office/drawing/2014/main" id="{A8B3DF9D-B849-CE37-97E4-AD37F880677F}"/>
               </a:ext>
             </a:extLst>
           </p:cNvPr>
@@ -1506,8 +1767,8 @@
         </p:nvSpPr>
         <p:spPr>
           <a:xfrm>
-            <a:off x="839788" y="365125"/>
-            <a:ext cx="10515600" cy="1325563"/>
+            <a:off x="521208" y="978408"/>
+            <a:ext cx="11164824" cy="1216152"/>
           </a:xfrm>
         </p:spPr>
         <p:txBody>
@@ -1515,7 +1776,7 @@
           <a:lstStyle/>
           <a:p>
             <a:r>
-              <a:rPr lang="en-GB"/>
+              <a:rPr lang="en-US"/>
               <a:t>Click to edit Master title style</a:t>
             </a:r>
           </a:p>
@@ -1526,7 +1787,7 @@
           <p:cNvPr id="3" name="Text Placeholder 2">
             <a:extLst>
               <a:ext uri="{FF2B5EF4-FFF2-40B4-BE49-F238E27FC236}">
-                <a16:creationId xmlns:a16="http://schemas.microsoft.com/office/drawing/2014/main" id="{1F391C94-E1C7-3A89-8837-07C50B26AA8C}"/>
+                <a16:creationId xmlns:a16="http://schemas.microsoft.com/office/drawing/2014/main" id="{79D4C626-4008-960A-E601-6AA9F4BB8D8B}"/>
               </a:ext>
             </a:extLst>
           </p:cNvPr>
@@ -1539,16 +1800,18 @@
         </p:nvSpPr>
         <p:spPr>
           <a:xfrm>
-            <a:off x="839788" y="1681163"/>
-            <a:ext cx="5157787" cy="823912"/>
+            <a:off x="521208" y="2340864"/>
+            <a:ext cx="5166360" cy="658368"/>
           </a:xfrm>
         </p:spPr>
         <p:txBody>
-          <a:bodyPr anchor="b"/>
+          <a:bodyPr anchor="b">
+            <a:normAutofit/>
+          </a:bodyPr>
           <a:lstStyle>
             <a:lvl1pPr marL="0" indent="0">
               <a:buNone/>
-              <a:defRPr sz="2400" b="1"/>
+              <a:defRPr sz="2200" b="0" i="1"/>
             </a:lvl1pPr>
             <a:lvl2pPr marL="457200" indent="0">
               <a:buNone/>
@@ -1586,7 +1849,7 @@
           <a:p>
             <a:pPr lvl="0"/>
             <a:r>
-              <a:rPr lang="en-GB"/>
+              <a:rPr lang="en-US" dirty="0"/>
               <a:t>Click to edit Master text styles</a:t>
             </a:r>
           </a:p>
@@ -1597,7 +1860,7 @@
           <p:cNvPr id="4" name="Content Placeholder 3">
             <a:extLst>
               <a:ext uri="{FF2B5EF4-FFF2-40B4-BE49-F238E27FC236}">
-                <a16:creationId xmlns:a16="http://schemas.microsoft.com/office/drawing/2014/main" id="{0C0E68DC-D151-D8C0-D6CA-DF7A5162CC7B}"/>
+                <a16:creationId xmlns:a16="http://schemas.microsoft.com/office/drawing/2014/main" id="{806E8D6C-AC07-ED6B-2EA8-9C40A5AEA748}"/>
               </a:ext>
             </a:extLst>
           </p:cNvPr>
@@ -1610,8 +1873,8 @@
         </p:nvSpPr>
         <p:spPr>
           <a:xfrm>
-            <a:off x="839788" y="2505075"/>
-            <a:ext cx="5157787" cy="3684588"/>
+            <a:off x="521208" y="3035808"/>
+            <a:ext cx="5166360" cy="3310128"/>
           </a:xfrm>
         </p:spPr>
         <p:txBody>
@@ -1620,35 +1883,35 @@
           <a:p>
             <a:pPr lvl="0"/>
             <a:r>
-              <a:rPr lang="en-GB"/>
+              <a:rPr lang="en-US" dirty="0"/>
               <a:t>Click to edit Master text styles</a:t>
             </a:r>
           </a:p>
           <a:p>
             <a:pPr lvl="1"/>
             <a:r>
-              <a:rPr lang="en-GB"/>
+              <a:rPr lang="en-US" dirty="0"/>
               <a:t>Second level</a:t>
             </a:r>
           </a:p>
           <a:p>
             <a:pPr lvl="2"/>
             <a:r>
-              <a:rPr lang="en-GB"/>
+              <a:rPr lang="en-US" dirty="0"/>
               <a:t>Third level</a:t>
             </a:r>
           </a:p>
           <a:p>
             <a:pPr lvl="3"/>
             <a:r>
-              <a:rPr lang="en-GB"/>
+              <a:rPr lang="en-US" dirty="0"/>
               <a:t>Fourth level</a:t>
             </a:r>
           </a:p>
           <a:p>
             <a:pPr lvl="4"/>
             <a:r>
-              <a:rPr lang="en-GB"/>
+              <a:rPr lang="en-US" dirty="0"/>
               <a:t>Fifth level</a:t>
             </a:r>
           </a:p>
@@ -1659,7 +1922,7 @@
           <p:cNvPr id="5" name="Text Placeholder 4">
             <a:extLst>
               <a:ext uri="{FF2B5EF4-FFF2-40B4-BE49-F238E27FC236}">
-                <a16:creationId xmlns:a16="http://schemas.microsoft.com/office/drawing/2014/main" id="{BCDAA78F-F2D9-09A5-7A49-0F8009D72B4A}"/>
+                <a16:creationId xmlns:a16="http://schemas.microsoft.com/office/drawing/2014/main" id="{3C52617E-C6D9-246B-E7B7-8159DF17C0A3}"/>
               </a:ext>
             </a:extLst>
           </p:cNvPr>
@@ -1672,16 +1935,18 @@
         </p:nvSpPr>
         <p:spPr>
           <a:xfrm>
-            <a:off x="6172200" y="1681163"/>
-            <a:ext cx="5183188" cy="823912"/>
+            <a:off x="6519672" y="2340864"/>
+            <a:ext cx="5166360" cy="658368"/>
           </a:xfrm>
         </p:spPr>
         <p:txBody>
-          <a:bodyPr anchor="b"/>
+          <a:bodyPr anchor="b">
+            <a:normAutofit/>
+          </a:bodyPr>
           <a:lstStyle>
             <a:lvl1pPr marL="0" indent="0">
               <a:buNone/>
-              <a:defRPr sz="2400" b="1"/>
+              <a:defRPr sz="2200" b="0" i="1"/>
             </a:lvl1pPr>
             <a:lvl2pPr marL="457200" indent="0">
               <a:buNone/>
@@ -1719,7 +1984,7 @@
           <a:p>
             <a:pPr lvl="0"/>
             <a:r>
-              <a:rPr lang="en-GB"/>
+              <a:rPr lang="en-US" dirty="0"/>
               <a:t>Click to edit Master text styles</a:t>
             </a:r>
           </a:p>
@@ -1730,7 +1995,7 @@
           <p:cNvPr id="6" name="Content Placeholder 5">
             <a:extLst>
               <a:ext uri="{FF2B5EF4-FFF2-40B4-BE49-F238E27FC236}">
-                <a16:creationId xmlns:a16="http://schemas.microsoft.com/office/drawing/2014/main" id="{A275CFEA-4A4E-4850-30D2-949EC60C47E6}"/>
+                <a16:creationId xmlns:a16="http://schemas.microsoft.com/office/drawing/2014/main" id="{3DBC2094-7EBC-02C5-5AB5-233E63080A9C}"/>
               </a:ext>
             </a:extLst>
           </p:cNvPr>
@@ -1743,8 +2008,8 @@
         </p:nvSpPr>
         <p:spPr>
           <a:xfrm>
-            <a:off x="6172200" y="2505075"/>
-            <a:ext cx="5183188" cy="3684588"/>
+            <a:off x="6519672" y="3035808"/>
+            <a:ext cx="5166360" cy="3310128"/>
           </a:xfrm>
         </p:spPr>
         <p:txBody>
@@ -1753,35 +2018,35 @@
           <a:p>
             <a:pPr lvl="0"/>
             <a:r>
-              <a:rPr lang="en-GB"/>
+              <a:rPr lang="en-US" dirty="0"/>
               <a:t>Click to edit Master text styles</a:t>
             </a:r>
           </a:p>
           <a:p>
             <a:pPr lvl="1"/>
             <a:r>
-              <a:rPr lang="en-GB"/>
+              <a:rPr lang="en-US" dirty="0"/>
               <a:t>Second level</a:t>
             </a:r>
           </a:p>
           <a:p>
             <a:pPr lvl="2"/>
             <a:r>
-              <a:rPr lang="en-GB"/>
+              <a:rPr lang="en-US" dirty="0"/>
               <a:t>Third level</a:t>
             </a:r>
           </a:p>
           <a:p>
             <a:pPr lvl="3"/>
             <a:r>
-              <a:rPr lang="en-GB"/>
+              <a:rPr lang="en-US" dirty="0"/>
               <a:t>Fourth level</a:t>
             </a:r>
           </a:p>
           <a:p>
             <a:pPr lvl="4"/>
             <a:r>
-              <a:rPr lang="en-GB"/>
+              <a:rPr lang="en-US" dirty="0"/>
               <a:t>Fifth level</a:t>
             </a:r>
           </a:p>
@@ -1792,7 +2057,7 @@
           <p:cNvPr id="7" name="Date Placeholder 6">
             <a:extLst>
               <a:ext uri="{FF2B5EF4-FFF2-40B4-BE49-F238E27FC236}">
-                <a16:creationId xmlns:a16="http://schemas.microsoft.com/office/drawing/2014/main" id="{B98421B4-65FB-9A41-0F94-C0DABE602812}"/>
+                <a16:creationId xmlns:a16="http://schemas.microsoft.com/office/drawing/2014/main" id="{23010BD2-59B4-FD2E-3C5E-C83AE6003985}"/>
               </a:ext>
             </a:extLst>
           </p:cNvPr>
@@ -1808,11 +2073,11 @@
           <a:bodyPr/>
           <a:lstStyle/>
           <a:p>
-            <a:fld id="{535DB91C-C75B-124C-B48D-EFE72FFB8B5F}" type="datetimeFigureOut">
-              <a:rPr lang="en-GB" smtClean="0"/>
-              <a:t>22/05/2025</a:t>
+            <a:fld id="{E80C50CD-E178-4744-9B35-B2F624D6C5E9}" type="datetimeFigureOut">
+              <a:rPr lang="en-US" smtClean="0"/>
+              <a:t>5/22/25</a:t>
             </a:fld>
-            <a:endParaRPr lang="en-GB"/>
+            <a:endParaRPr lang="en-US"/>
           </a:p>
         </p:txBody>
       </p:sp>
@@ -1821,7 +2086,7 @@
           <p:cNvPr id="8" name="Footer Placeholder 7">
             <a:extLst>
               <a:ext uri="{FF2B5EF4-FFF2-40B4-BE49-F238E27FC236}">
-                <a16:creationId xmlns:a16="http://schemas.microsoft.com/office/drawing/2014/main" id="{69EC5E0A-83E8-97ED-1EFB-12A99D8F7A76}"/>
+                <a16:creationId xmlns:a16="http://schemas.microsoft.com/office/drawing/2014/main" id="{E72B35C4-A654-7759-BDA0-94D9D1A21663}"/>
               </a:ext>
             </a:extLst>
           </p:cNvPr>
@@ -1837,7 +2102,7 @@
           <a:bodyPr/>
           <a:lstStyle/>
           <a:p>
-            <a:endParaRPr lang="en-GB"/>
+            <a:endParaRPr lang="en-US"/>
           </a:p>
         </p:txBody>
       </p:sp>
@@ -1846,7 +2111,7 @@
           <p:cNvPr id="9" name="Slide Number Placeholder 8">
             <a:extLst>
               <a:ext uri="{FF2B5EF4-FFF2-40B4-BE49-F238E27FC236}">
-                <a16:creationId xmlns:a16="http://schemas.microsoft.com/office/drawing/2014/main" id="{5C669A87-4929-21D4-F4AA-4EBFB89BBFB3}"/>
+                <a16:creationId xmlns:a16="http://schemas.microsoft.com/office/drawing/2014/main" id="{F55F4347-2EC0-CA6E-2637-8048456D7ECB}"/>
               </a:ext>
             </a:extLst>
           </p:cNvPr>
@@ -1862,18 +2127,18 @@
           <a:bodyPr/>
           <a:lstStyle/>
           <a:p>
-            <a:fld id="{D5135AC3-6E88-5B44-B6FC-FED8DB60A96A}" type="slidenum">
-              <a:rPr lang="en-GB" smtClean="0"/>
+            <a:fld id="{148CC95F-0247-41B6-91CF-DC97C76A7088}" type="slidenum">
+              <a:rPr lang="en-US" smtClean="0"/>
               <a:t>‹#›</a:t>
             </a:fld>
-            <a:endParaRPr lang="en-GB"/>
+            <a:endParaRPr lang="en-US"/>
           </a:p>
         </p:txBody>
       </p:sp>
     </p:spTree>
     <p:extLst>
       <p:ext uri="{BB962C8B-B14F-4D97-AF65-F5344CB8AC3E}">
-        <p14:creationId xmlns:p14="http://schemas.microsoft.com/office/powerpoint/2010/main" val="69609270"/>
+        <p14:creationId xmlns:p14="http://schemas.microsoft.com/office/powerpoint/2010/main" val="3887135439"/>
       </p:ext>
     </p:extLst>
   </p:cSld>
@@ -1905,7 +2170,7 @@
           <p:cNvPr id="2" name="Title 1">
             <a:extLst>
               <a:ext uri="{FF2B5EF4-FFF2-40B4-BE49-F238E27FC236}">
-                <a16:creationId xmlns:a16="http://schemas.microsoft.com/office/drawing/2014/main" id="{E49FCF6F-8BCD-61AC-229C-07BA893E135A}"/>
+                <a16:creationId xmlns:a16="http://schemas.microsoft.com/office/drawing/2014/main" id="{2734716D-52F2-C7FB-83B1-2DA1AD375EAE}"/>
               </a:ext>
             </a:extLst>
           </p:cNvPr>
@@ -1922,7 +2187,7 @@
           <a:lstStyle/>
           <a:p>
             <a:r>
-              <a:rPr lang="en-GB"/>
+              <a:rPr lang="en-US" dirty="0"/>
               <a:t>Click to edit Master title style</a:t>
             </a:r>
           </a:p>
@@ -1933,7 +2198,7 @@
           <p:cNvPr id="3" name="Date Placeholder 2">
             <a:extLst>
               <a:ext uri="{FF2B5EF4-FFF2-40B4-BE49-F238E27FC236}">
-                <a16:creationId xmlns:a16="http://schemas.microsoft.com/office/drawing/2014/main" id="{3D954762-4AEF-84D4-0C8D-91EBB0A363FC}"/>
+                <a16:creationId xmlns:a16="http://schemas.microsoft.com/office/drawing/2014/main" id="{56F4A371-AC27-6A28-32E6-74A28371BF55}"/>
               </a:ext>
             </a:extLst>
           </p:cNvPr>
@@ -1949,11 +2214,11 @@
           <a:bodyPr/>
           <a:lstStyle/>
           <a:p>
-            <a:fld id="{535DB91C-C75B-124C-B48D-EFE72FFB8B5F}" type="datetimeFigureOut">
-              <a:rPr lang="en-GB" smtClean="0"/>
-              <a:t>22/05/2025</a:t>
+            <a:fld id="{E80C50CD-E178-4744-9B35-B2F624D6C5E9}" type="datetimeFigureOut">
+              <a:rPr lang="en-US" smtClean="0"/>
+              <a:t>5/22/25</a:t>
             </a:fld>
-            <a:endParaRPr lang="en-GB"/>
+            <a:endParaRPr lang="en-US"/>
           </a:p>
         </p:txBody>
       </p:sp>
@@ -1962,7 +2227,7 @@
           <p:cNvPr id="4" name="Footer Placeholder 3">
             <a:extLst>
               <a:ext uri="{FF2B5EF4-FFF2-40B4-BE49-F238E27FC236}">
-                <a16:creationId xmlns:a16="http://schemas.microsoft.com/office/drawing/2014/main" id="{237DEB3B-5F2C-241D-1F4A-8D4BACD0DDD5}"/>
+                <a16:creationId xmlns:a16="http://schemas.microsoft.com/office/drawing/2014/main" id="{D155941A-A24E-885D-E894-0326F4C4004D}"/>
               </a:ext>
             </a:extLst>
           </p:cNvPr>
@@ -1978,7 +2243,7 @@
           <a:bodyPr/>
           <a:lstStyle/>
           <a:p>
-            <a:endParaRPr lang="en-GB"/>
+            <a:endParaRPr lang="en-US"/>
           </a:p>
         </p:txBody>
       </p:sp>
@@ -1987,7 +2252,7 @@
           <p:cNvPr id="5" name="Slide Number Placeholder 4">
             <a:extLst>
               <a:ext uri="{FF2B5EF4-FFF2-40B4-BE49-F238E27FC236}">
-                <a16:creationId xmlns:a16="http://schemas.microsoft.com/office/drawing/2014/main" id="{7CBC49B8-0AE4-1460-911F-79FC683C1C29}"/>
+                <a16:creationId xmlns:a16="http://schemas.microsoft.com/office/drawing/2014/main" id="{99D5E5B4-971F-FF6A-1B07-A5C85370552D}"/>
               </a:ext>
             </a:extLst>
           </p:cNvPr>
@@ -2003,18 +2268,18 @@
           <a:bodyPr/>
           <a:lstStyle/>
           <a:p>
-            <a:fld id="{D5135AC3-6E88-5B44-B6FC-FED8DB60A96A}" type="slidenum">
-              <a:rPr lang="en-GB" smtClean="0"/>
+            <a:fld id="{148CC95F-0247-41B6-91CF-DC97C76A7088}" type="slidenum">
+              <a:rPr lang="en-US" smtClean="0"/>
               <a:t>‹#›</a:t>
             </a:fld>
-            <a:endParaRPr lang="en-GB"/>
+            <a:endParaRPr lang="en-US"/>
           </a:p>
         </p:txBody>
       </p:sp>
     </p:spTree>
     <p:extLst>
       <p:ext uri="{BB962C8B-B14F-4D97-AF65-F5344CB8AC3E}">
-        <p14:creationId xmlns:p14="http://schemas.microsoft.com/office/powerpoint/2010/main" val="816206740"/>
+        <p14:creationId xmlns:p14="http://schemas.microsoft.com/office/powerpoint/2010/main" val="4059263234"/>
       </p:ext>
     </p:extLst>
   </p:cSld>
@@ -2025,7 +2290,7 @@
 </file>
 
 <file path=ppt/slideLayouts/slideLayout7.xml><?xml version="1.0" encoding="utf-8"?>
-<p:sldLayout xmlns:a="http://schemas.openxmlformats.org/drawingml/2006/main" xmlns:r="http://schemas.openxmlformats.org/officeDocument/2006/relationships" xmlns:p="http://schemas.openxmlformats.org/presentationml/2006/main" type="blank" preserve="1">
+<p:sldLayout xmlns:a="http://schemas.openxmlformats.org/drawingml/2006/main" xmlns:r="http://schemas.openxmlformats.org/officeDocument/2006/relationships" xmlns:p="http://schemas.openxmlformats.org/presentationml/2006/main" showMasterSp="0" type="blank" preserve="1">
   <p:cSld name="Blank">
     <p:spTree>
       <p:nvGrpSpPr>
@@ -2046,7 +2311,7 @@
           <p:cNvPr id="2" name="Date Placeholder 1">
             <a:extLst>
               <a:ext uri="{FF2B5EF4-FFF2-40B4-BE49-F238E27FC236}">
-                <a16:creationId xmlns:a16="http://schemas.microsoft.com/office/drawing/2014/main" id="{AAA7BE05-C592-CE68-7F67-1B5E1FDB54D1}"/>
+                <a16:creationId xmlns:a16="http://schemas.microsoft.com/office/drawing/2014/main" id="{199F431F-E6DC-4137-3092-A30A0A3628EC}"/>
               </a:ext>
             </a:extLst>
           </p:cNvPr>
@@ -2062,11 +2327,11 @@
           <a:bodyPr/>
           <a:lstStyle/>
           <a:p>
-            <a:fld id="{535DB91C-C75B-124C-B48D-EFE72FFB8B5F}" type="datetimeFigureOut">
-              <a:rPr lang="en-GB" smtClean="0"/>
-              <a:t>22/05/2025</a:t>
+            <a:fld id="{E80C50CD-E178-4744-9B35-B2F624D6C5E9}" type="datetimeFigureOut">
+              <a:rPr lang="en-US" smtClean="0"/>
+              <a:t>5/22/25</a:t>
             </a:fld>
-            <a:endParaRPr lang="en-GB"/>
+            <a:endParaRPr lang="en-US"/>
           </a:p>
         </p:txBody>
       </p:sp>
@@ -2075,7 +2340,7 @@
           <p:cNvPr id="3" name="Footer Placeholder 2">
             <a:extLst>
               <a:ext uri="{FF2B5EF4-FFF2-40B4-BE49-F238E27FC236}">
-                <a16:creationId xmlns:a16="http://schemas.microsoft.com/office/drawing/2014/main" id="{2BD654C1-95C6-4EFC-A28E-82BE5E722234}"/>
+                <a16:creationId xmlns:a16="http://schemas.microsoft.com/office/drawing/2014/main" id="{06AC814B-67B4-C70F-FA51-6205D5E2CB81}"/>
               </a:ext>
             </a:extLst>
           </p:cNvPr>
@@ -2091,7 +2356,7 @@
           <a:bodyPr/>
           <a:lstStyle/>
           <a:p>
-            <a:endParaRPr lang="en-GB"/>
+            <a:endParaRPr lang="en-US"/>
           </a:p>
         </p:txBody>
       </p:sp>
@@ -2100,7 +2365,7 @@
           <p:cNvPr id="4" name="Slide Number Placeholder 3">
             <a:extLst>
               <a:ext uri="{FF2B5EF4-FFF2-40B4-BE49-F238E27FC236}">
-                <a16:creationId xmlns:a16="http://schemas.microsoft.com/office/drawing/2014/main" id="{CB5C6CA2-BDB6-F60A-4DF9-28326599CD87}"/>
+                <a16:creationId xmlns:a16="http://schemas.microsoft.com/office/drawing/2014/main" id="{91EAA9C9-D895-DD20-1089-EA75EA428951}"/>
               </a:ext>
             </a:extLst>
           </p:cNvPr>
@@ -2116,18 +2381,18 @@
           <a:bodyPr/>
           <a:lstStyle/>
           <a:p>
-            <a:fld id="{D5135AC3-6E88-5B44-B6FC-FED8DB60A96A}" type="slidenum">
-              <a:rPr lang="en-GB" smtClean="0"/>
+            <a:fld id="{148CC95F-0247-41B6-91CF-DC97C76A7088}" type="slidenum">
+              <a:rPr lang="en-US" smtClean="0"/>
               <a:t>‹#›</a:t>
             </a:fld>
-            <a:endParaRPr lang="en-GB"/>
+            <a:endParaRPr lang="en-US"/>
           </a:p>
         </p:txBody>
       </p:sp>
     </p:spTree>
     <p:extLst>
       <p:ext uri="{BB962C8B-B14F-4D97-AF65-F5344CB8AC3E}">
-        <p14:creationId xmlns:p14="http://schemas.microsoft.com/office/powerpoint/2010/main" val="3159260226"/>
+        <p14:creationId xmlns:p14="http://schemas.microsoft.com/office/powerpoint/2010/main" val="1031804276"/>
       </p:ext>
     </p:extLst>
   </p:cSld>
@@ -2159,7 +2424,7 @@
           <p:cNvPr id="2" name="Title 1">
             <a:extLst>
               <a:ext uri="{FF2B5EF4-FFF2-40B4-BE49-F238E27FC236}">
-                <a16:creationId xmlns:a16="http://schemas.microsoft.com/office/drawing/2014/main" id="{395927D1-FB85-EE77-241E-2B34A42E73DA}"/>
+                <a16:creationId xmlns:a16="http://schemas.microsoft.com/office/drawing/2014/main" id="{FBB50562-884C-9053-70C1-3B72A0B45EA6}"/>
               </a:ext>
             </a:extLst>
           </p:cNvPr>
@@ -2172,20 +2437,22 @@
         </p:nvSpPr>
         <p:spPr>
           <a:xfrm>
-            <a:off x="839788" y="457200"/>
-            <a:ext cx="3932237" cy="1600200"/>
+            <a:off x="521208" y="978408"/>
+            <a:ext cx="5020056" cy="2459736"/>
           </a:xfrm>
         </p:spPr>
         <p:txBody>
-          <a:bodyPr anchor="b"/>
+          <a:bodyPr anchor="t">
+            <a:noAutofit/>
+          </a:bodyPr>
           <a:lstStyle>
             <a:lvl1pPr>
-              <a:defRPr sz="3200"/>
+              <a:defRPr sz="4400"/>
             </a:lvl1pPr>
           </a:lstStyle>
           <a:p>
             <a:r>
-              <a:rPr lang="en-GB"/>
+              <a:rPr lang="en-US" dirty="0"/>
               <a:t>Click to edit Master title style</a:t>
             </a:r>
           </a:p>
@@ -2196,7 +2463,7 @@
           <p:cNvPr id="3" name="Content Placeholder 2">
             <a:extLst>
               <a:ext uri="{FF2B5EF4-FFF2-40B4-BE49-F238E27FC236}">
-                <a16:creationId xmlns:a16="http://schemas.microsoft.com/office/drawing/2014/main" id="{D0627C2C-93CA-473E-82EF-17ECDB33022C}"/>
+                <a16:creationId xmlns:a16="http://schemas.microsoft.com/office/drawing/2014/main" id="{0318F509-68F0-39D5-1A8B-CE246715AE46}"/>
               </a:ext>
             </a:extLst>
           </p:cNvPr>
@@ -2209,27 +2476,29 @@
         </p:nvSpPr>
         <p:spPr>
           <a:xfrm>
-            <a:off x="5183188" y="987425"/>
-            <a:ext cx="6172200" cy="4873625"/>
+            <a:off x="6519672" y="987424"/>
+            <a:ext cx="5166360" cy="5358384"/>
           </a:xfrm>
         </p:spPr>
         <p:txBody>
-          <a:bodyPr/>
+          <a:bodyPr>
+            <a:normAutofit/>
+          </a:bodyPr>
           <a:lstStyle>
             <a:lvl1pPr>
-              <a:defRPr sz="3200"/>
+              <a:defRPr sz="2000"/>
             </a:lvl1pPr>
             <a:lvl2pPr>
-              <a:defRPr sz="2800"/>
+              <a:defRPr sz="1800"/>
             </a:lvl2pPr>
             <a:lvl3pPr>
-              <a:defRPr sz="2400"/>
+              <a:defRPr sz="1600"/>
             </a:lvl3pPr>
             <a:lvl4pPr>
-              <a:defRPr sz="2000"/>
+              <a:defRPr sz="1400"/>
             </a:lvl4pPr>
             <a:lvl5pPr>
-              <a:defRPr sz="2000"/>
+              <a:defRPr sz="1400"/>
             </a:lvl5pPr>
             <a:lvl6pPr>
               <a:defRPr sz="2000"/>
@@ -2247,35 +2516,35 @@
           <a:p>
             <a:pPr lvl="0"/>
             <a:r>
-              <a:rPr lang="en-GB"/>
+              <a:rPr lang="en-US" dirty="0"/>
               <a:t>Click to edit Master text styles</a:t>
             </a:r>
           </a:p>
           <a:p>
             <a:pPr lvl="1"/>
             <a:r>
-              <a:rPr lang="en-GB"/>
+              <a:rPr lang="en-US" dirty="0"/>
               <a:t>Second level</a:t>
             </a:r>
           </a:p>
           <a:p>
             <a:pPr lvl="2"/>
             <a:r>
-              <a:rPr lang="en-GB"/>
+              <a:rPr lang="en-US" dirty="0"/>
               <a:t>Third level</a:t>
             </a:r>
           </a:p>
           <a:p>
             <a:pPr lvl="3"/>
             <a:r>
-              <a:rPr lang="en-GB"/>
+              <a:rPr lang="en-US" dirty="0"/>
               <a:t>Fourth level</a:t>
             </a:r>
           </a:p>
           <a:p>
             <a:pPr lvl="4"/>
             <a:r>
-              <a:rPr lang="en-GB"/>
+              <a:rPr lang="en-US" dirty="0"/>
               <a:t>Fifth level</a:t>
             </a:r>
           </a:p>
@@ -2286,7 +2555,7 @@
           <p:cNvPr id="4" name="Text Placeholder 3">
             <a:extLst>
               <a:ext uri="{FF2B5EF4-FFF2-40B4-BE49-F238E27FC236}">
-                <a16:creationId xmlns:a16="http://schemas.microsoft.com/office/drawing/2014/main" id="{0EE00661-FD95-19D1-269F-FAFF4E217832}"/>
+                <a16:creationId xmlns:a16="http://schemas.microsoft.com/office/drawing/2014/main" id="{F158E37C-27CE-3A84-FC74-BDCCD8A9A3EC}"/>
               </a:ext>
             </a:extLst>
           </p:cNvPr>
@@ -2299,16 +2568,18 @@
         </p:nvSpPr>
         <p:spPr>
           <a:xfrm>
-            <a:off x="839788" y="2057400"/>
-            <a:ext cx="3932237" cy="3811588"/>
+            <a:off x="521208" y="3575304"/>
+            <a:ext cx="5020056" cy="2770632"/>
           </a:xfrm>
         </p:spPr>
         <p:txBody>
-          <a:bodyPr/>
+          <a:bodyPr>
+            <a:normAutofit/>
+          </a:bodyPr>
           <a:lstStyle>
             <a:lvl1pPr marL="0" indent="0">
               <a:buNone/>
-              <a:defRPr sz="1600"/>
+              <a:defRPr sz="2200" i="1"/>
             </a:lvl1pPr>
             <a:lvl2pPr marL="457200" indent="0">
               <a:buNone/>
@@ -2346,7 +2617,7 @@
           <a:p>
             <a:pPr lvl="0"/>
             <a:r>
-              <a:rPr lang="en-GB"/>
+              <a:rPr lang="en-US"/>
               <a:t>Click to edit Master text styles</a:t>
             </a:r>
           </a:p>
@@ -2357,7 +2628,7 @@
           <p:cNvPr id="5" name="Date Placeholder 4">
             <a:extLst>
               <a:ext uri="{FF2B5EF4-FFF2-40B4-BE49-F238E27FC236}">
-                <a16:creationId xmlns:a16="http://schemas.microsoft.com/office/drawing/2014/main" id="{39EB45FC-2885-9DAC-8AED-5068CBBFFA1A}"/>
+                <a16:creationId xmlns:a16="http://schemas.microsoft.com/office/drawing/2014/main" id="{02A95F79-E23E-11D2-40BF-66ED340195DB}"/>
               </a:ext>
             </a:extLst>
           </p:cNvPr>
@@ -2373,11 +2644,11 @@
           <a:bodyPr/>
           <a:lstStyle/>
           <a:p>
-            <a:fld id="{535DB91C-C75B-124C-B48D-EFE72FFB8B5F}" type="datetimeFigureOut">
-              <a:rPr lang="en-GB" smtClean="0"/>
-              <a:t>22/05/2025</a:t>
+            <a:fld id="{E80C50CD-E178-4744-9B35-B2F624D6C5E9}" type="datetimeFigureOut">
+              <a:rPr lang="en-US" smtClean="0"/>
+              <a:t>5/22/25</a:t>
             </a:fld>
-            <a:endParaRPr lang="en-GB"/>
+            <a:endParaRPr lang="en-US"/>
           </a:p>
         </p:txBody>
       </p:sp>
@@ -2386,7 +2657,7 @@
           <p:cNvPr id="6" name="Footer Placeholder 5">
             <a:extLst>
               <a:ext uri="{FF2B5EF4-FFF2-40B4-BE49-F238E27FC236}">
-                <a16:creationId xmlns:a16="http://schemas.microsoft.com/office/drawing/2014/main" id="{4F52E450-4D2C-1BFB-13B9-C382D77ACD86}"/>
+                <a16:creationId xmlns:a16="http://schemas.microsoft.com/office/drawing/2014/main" id="{4457F7FC-06F3-3D89-5D1A-4EC4B1D7355E}"/>
               </a:ext>
             </a:extLst>
           </p:cNvPr>
@@ -2402,7 +2673,7 @@
           <a:bodyPr/>
           <a:lstStyle/>
           <a:p>
-            <a:endParaRPr lang="en-GB"/>
+            <a:endParaRPr lang="en-US"/>
           </a:p>
         </p:txBody>
       </p:sp>
@@ -2411,7 +2682,7 @@
           <p:cNvPr id="7" name="Slide Number Placeholder 6">
             <a:extLst>
               <a:ext uri="{FF2B5EF4-FFF2-40B4-BE49-F238E27FC236}">
-                <a16:creationId xmlns:a16="http://schemas.microsoft.com/office/drawing/2014/main" id="{742F2506-54AF-7737-5D16-7C245081CF45}"/>
+                <a16:creationId xmlns:a16="http://schemas.microsoft.com/office/drawing/2014/main" id="{9554ACD5-6E0B-5713-DC9A-41E9D62AB12D}"/>
               </a:ext>
             </a:extLst>
           </p:cNvPr>
@@ -2427,18 +2698,18 @@
           <a:bodyPr/>
           <a:lstStyle/>
           <a:p>
-            <a:fld id="{D5135AC3-6E88-5B44-B6FC-FED8DB60A96A}" type="slidenum">
-              <a:rPr lang="en-GB" smtClean="0"/>
+            <a:fld id="{148CC95F-0247-41B6-91CF-DC97C76A7088}" type="slidenum">
+              <a:rPr lang="en-US" smtClean="0"/>
               <a:t>‹#›</a:t>
             </a:fld>
-            <a:endParaRPr lang="en-GB"/>
+            <a:endParaRPr lang="en-US"/>
           </a:p>
         </p:txBody>
       </p:sp>
     </p:spTree>
     <p:extLst>
       <p:ext uri="{BB962C8B-B14F-4D97-AF65-F5344CB8AC3E}">
-        <p14:creationId xmlns:p14="http://schemas.microsoft.com/office/powerpoint/2010/main" val="2453261220"/>
+        <p14:creationId xmlns:p14="http://schemas.microsoft.com/office/powerpoint/2010/main" val="1954212590"/>
       </p:ext>
     </p:extLst>
   </p:cSld>
@@ -2470,7 +2741,7 @@
           <p:cNvPr id="2" name="Title 1">
             <a:extLst>
               <a:ext uri="{FF2B5EF4-FFF2-40B4-BE49-F238E27FC236}">
-                <a16:creationId xmlns:a16="http://schemas.microsoft.com/office/drawing/2014/main" id="{483B98DB-9FCF-30A5-62D8-1B863DC5999C}"/>
+                <a16:creationId xmlns:a16="http://schemas.microsoft.com/office/drawing/2014/main" id="{DF5B2D45-7CDB-D38C-2AAE-273F797674E1}"/>
               </a:ext>
             </a:extLst>
           </p:cNvPr>
@@ -2483,20 +2754,22 @@
         </p:nvSpPr>
         <p:spPr>
           <a:xfrm>
-            <a:off x="839788" y="457200"/>
-            <a:ext cx="3932237" cy="1600200"/>
+            <a:off x="521208" y="978408"/>
+            <a:ext cx="5020056" cy="2459736"/>
           </a:xfrm>
         </p:spPr>
         <p:txBody>
-          <a:bodyPr anchor="b"/>
+          <a:bodyPr anchor="t">
+            <a:noAutofit/>
+          </a:bodyPr>
           <a:lstStyle>
             <a:lvl1pPr>
-              <a:defRPr sz="3200"/>
+              <a:defRPr sz="4400"/>
             </a:lvl1pPr>
           </a:lstStyle>
           <a:p>
             <a:r>
-              <a:rPr lang="en-GB"/>
+              <a:rPr lang="en-US" dirty="0"/>
               <a:t>Click to edit Master title style</a:t>
             </a:r>
           </a:p>
@@ -2507,7 +2780,7 @@
           <p:cNvPr id="3" name="Picture Placeholder 2">
             <a:extLst>
               <a:ext uri="{FF2B5EF4-FFF2-40B4-BE49-F238E27FC236}">
-                <a16:creationId xmlns:a16="http://schemas.microsoft.com/office/drawing/2014/main" id="{84E1242F-FCA0-389F-50B7-1CD6EDD77B0C}"/>
+                <a16:creationId xmlns:a16="http://schemas.microsoft.com/office/drawing/2014/main" id="{CCBF0855-1744-56E4-B115-3A3C5EA7834B}"/>
               </a:ext>
             </a:extLst>
           </p:cNvPr>
@@ -2520,8 +2793,8 @@
         </p:nvSpPr>
         <p:spPr>
           <a:xfrm>
-            <a:off x="5183188" y="987425"/>
-            <a:ext cx="6172200" cy="4873625"/>
+            <a:off x="6519672" y="987424"/>
+            <a:ext cx="5166360" cy="5358384"/>
           </a:xfrm>
         </p:spPr>
         <p:txBody>
@@ -2565,7 +2838,7 @@
             </a:lvl9pPr>
           </a:lstStyle>
           <a:p>
-            <a:endParaRPr lang="en-GB"/>
+            <a:endParaRPr lang="en-US"/>
           </a:p>
         </p:txBody>
       </p:sp>
@@ -2574,7 +2847,7 @@
           <p:cNvPr id="4" name="Text Placeholder 3">
             <a:extLst>
               <a:ext uri="{FF2B5EF4-FFF2-40B4-BE49-F238E27FC236}">
-                <a16:creationId xmlns:a16="http://schemas.microsoft.com/office/drawing/2014/main" id="{523CEBAA-E22E-3557-547D-607147F2F11B}"/>
+                <a16:creationId xmlns:a16="http://schemas.microsoft.com/office/drawing/2014/main" id="{385E8A1D-28AE-4A19-BD96-401D4822A53D}"/>
               </a:ext>
             </a:extLst>
           </p:cNvPr>
@@ -2587,16 +2860,18 @@
         </p:nvSpPr>
         <p:spPr>
           <a:xfrm>
-            <a:off x="839788" y="2057400"/>
-            <a:ext cx="3932237" cy="3811588"/>
+            <a:off x="521208" y="3575304"/>
+            <a:ext cx="5020056" cy="2770632"/>
           </a:xfrm>
         </p:spPr>
         <p:txBody>
-          <a:bodyPr/>
+          <a:bodyPr>
+            <a:normAutofit/>
+          </a:bodyPr>
           <a:lstStyle>
             <a:lvl1pPr marL="0" indent="0">
               <a:buNone/>
-              <a:defRPr sz="1600"/>
+              <a:defRPr sz="2200" i="1"/>
             </a:lvl1pPr>
             <a:lvl2pPr marL="457200" indent="0">
               <a:buNone/>
@@ -2634,7 +2909,7 @@
           <a:p>
             <a:pPr lvl="0"/>
             <a:r>
-              <a:rPr lang="en-GB"/>
+              <a:rPr lang="en-US"/>
               <a:t>Click to edit Master text styles</a:t>
             </a:r>
           </a:p>
@@ -2645,7 +2920,7 @@
           <p:cNvPr id="5" name="Date Placeholder 4">
             <a:extLst>
               <a:ext uri="{FF2B5EF4-FFF2-40B4-BE49-F238E27FC236}">
-                <a16:creationId xmlns:a16="http://schemas.microsoft.com/office/drawing/2014/main" id="{E2C0CB0E-8667-4EBE-D8A0-FE2088ED8CBB}"/>
+                <a16:creationId xmlns:a16="http://schemas.microsoft.com/office/drawing/2014/main" id="{97327DDB-CE95-4C89-DFC5-7DDBFC24E89C}"/>
               </a:ext>
             </a:extLst>
           </p:cNvPr>
@@ -2661,11 +2936,11 @@
           <a:bodyPr/>
           <a:lstStyle/>
           <a:p>
-            <a:fld id="{535DB91C-C75B-124C-B48D-EFE72FFB8B5F}" type="datetimeFigureOut">
-              <a:rPr lang="en-GB" smtClean="0"/>
-              <a:t>22/05/2025</a:t>
+            <a:fld id="{E80C50CD-E178-4744-9B35-B2F624D6C5E9}" type="datetimeFigureOut">
+              <a:rPr lang="en-US" smtClean="0"/>
+              <a:t>5/22/25</a:t>
             </a:fld>
-            <a:endParaRPr lang="en-GB"/>
+            <a:endParaRPr lang="en-US"/>
           </a:p>
         </p:txBody>
       </p:sp>
@@ -2674,7 +2949,7 @@
           <p:cNvPr id="6" name="Footer Placeholder 5">
             <a:extLst>
               <a:ext uri="{FF2B5EF4-FFF2-40B4-BE49-F238E27FC236}">
-                <a16:creationId xmlns:a16="http://schemas.microsoft.com/office/drawing/2014/main" id="{1861C283-6BF8-42F0-D759-B06A418EC512}"/>
+                <a16:creationId xmlns:a16="http://schemas.microsoft.com/office/drawing/2014/main" id="{0522C835-F3B5-943C-FFC4-D5BA9666AF34}"/>
               </a:ext>
             </a:extLst>
           </p:cNvPr>
@@ -2690,7 +2965,7 @@
           <a:bodyPr/>
           <a:lstStyle/>
           <a:p>
-            <a:endParaRPr lang="en-GB"/>
+            <a:endParaRPr lang="en-US"/>
           </a:p>
         </p:txBody>
       </p:sp>
@@ -2699,7 +2974,7 @@
           <p:cNvPr id="7" name="Slide Number Placeholder 6">
             <a:extLst>
               <a:ext uri="{FF2B5EF4-FFF2-40B4-BE49-F238E27FC236}">
-                <a16:creationId xmlns:a16="http://schemas.microsoft.com/office/drawing/2014/main" id="{9268DE53-01E2-32B1-1696-F0CBF1DFC131}"/>
+                <a16:creationId xmlns:a16="http://schemas.microsoft.com/office/drawing/2014/main" id="{68709891-6E3C-ADED-01DD-15FCED37AF4A}"/>
               </a:ext>
             </a:extLst>
           </p:cNvPr>
@@ -2715,18 +2990,18 @@
           <a:bodyPr/>
           <a:lstStyle/>
           <a:p>
-            <a:fld id="{D5135AC3-6E88-5B44-B6FC-FED8DB60A96A}" type="slidenum">
-              <a:rPr lang="en-GB" smtClean="0"/>
+            <a:fld id="{148CC95F-0247-41B6-91CF-DC97C76A7088}" type="slidenum">
+              <a:rPr lang="en-US" smtClean="0"/>
               <a:t>‹#›</a:t>
             </a:fld>
-            <a:endParaRPr lang="en-GB"/>
+            <a:endParaRPr lang="en-US"/>
           </a:p>
         </p:txBody>
       </p:sp>
     </p:spTree>
     <p:extLst>
       <p:ext uri="{BB962C8B-B14F-4D97-AF65-F5344CB8AC3E}">
-        <p14:creationId xmlns:p14="http://schemas.microsoft.com/office/powerpoint/2010/main" val="2773918053"/>
+        <p14:creationId xmlns:p14="http://schemas.microsoft.com/office/powerpoint/2010/main" val="3076138626"/>
       </p:ext>
     </p:extLst>
   </p:cSld>
@@ -2763,7 +3038,7 @@
           <p:cNvPr id="2" name="Title Placeholder 1">
             <a:extLst>
               <a:ext uri="{FF2B5EF4-FFF2-40B4-BE49-F238E27FC236}">
-                <a16:creationId xmlns:a16="http://schemas.microsoft.com/office/drawing/2014/main" id="{F34571BA-62D1-D60E-2896-3CB7D68C8CC9}"/>
+                <a16:creationId xmlns:a16="http://schemas.microsoft.com/office/drawing/2014/main" id="{C31A28D7-6581-4956-AAE3-9104804DF55B}"/>
               </a:ext>
             </a:extLst>
           </p:cNvPr>
@@ -2776,21 +3051,21 @@
         </p:nvSpPr>
         <p:spPr>
           <a:xfrm>
-            <a:off x="838200" y="365125"/>
-            <a:ext cx="10515600" cy="1325563"/>
+            <a:off x="521208" y="978408"/>
+            <a:ext cx="11155680" cy="1463040"/>
           </a:xfrm>
           <a:prstGeom prst="rect">
             <a:avLst/>
           </a:prstGeom>
         </p:spPr>
         <p:txBody>
-          <a:bodyPr vert="horz" lIns="91440" tIns="45720" rIns="91440" bIns="45720" rtlCol="0" anchor="ctr">
+          <a:bodyPr vert="horz" lIns="91440" tIns="45720" rIns="91440" bIns="45720" rtlCol="0" anchor="t">
             <a:normAutofit/>
           </a:bodyPr>
           <a:lstStyle/>
           <a:p>
             <a:r>
-              <a:rPr lang="en-GB"/>
+              <a:rPr lang="en-US" dirty="0"/>
               <a:t>Click to edit Master title style</a:t>
             </a:r>
           </a:p>
@@ -2801,7 +3076,7 @@
           <p:cNvPr id="3" name="Text Placeholder 2">
             <a:extLst>
               <a:ext uri="{FF2B5EF4-FFF2-40B4-BE49-F238E27FC236}">
-                <a16:creationId xmlns:a16="http://schemas.microsoft.com/office/drawing/2014/main" id="{4873D848-3406-1665-67F5-FDD6A5A18259}"/>
+                <a16:creationId xmlns:a16="http://schemas.microsoft.com/office/drawing/2014/main" id="{F3CFCCA4-57A4-08A1-FC45-D2BBA66FABFA}"/>
               </a:ext>
             </a:extLst>
           </p:cNvPr>
@@ -2814,8 +3089,8 @@
         </p:nvSpPr>
         <p:spPr>
           <a:xfrm>
-            <a:off x="838200" y="1825625"/>
-            <a:ext cx="10515600" cy="4351338"/>
+            <a:off x="521208" y="2578608"/>
+            <a:ext cx="11155680" cy="3767328"/>
           </a:xfrm>
           <a:prstGeom prst="rect">
             <a:avLst/>
@@ -2829,35 +3104,35 @@
           <a:p>
             <a:pPr lvl="0"/>
             <a:r>
-              <a:rPr lang="en-GB"/>
+              <a:rPr lang="en-US" dirty="0"/>
               <a:t>Click to edit Master text styles</a:t>
             </a:r>
           </a:p>
           <a:p>
             <a:pPr lvl="1"/>
             <a:r>
-              <a:rPr lang="en-GB"/>
+              <a:rPr lang="en-US" dirty="0"/>
               <a:t>Second level</a:t>
             </a:r>
           </a:p>
           <a:p>
             <a:pPr lvl="2"/>
             <a:r>
-              <a:rPr lang="en-GB"/>
+              <a:rPr lang="en-US" dirty="0"/>
               <a:t>Third level</a:t>
             </a:r>
           </a:p>
           <a:p>
             <a:pPr lvl="3"/>
             <a:r>
-              <a:rPr lang="en-GB"/>
+              <a:rPr lang="en-US" dirty="0"/>
               <a:t>Fourth level</a:t>
             </a:r>
           </a:p>
           <a:p>
             <a:pPr lvl="4"/>
             <a:r>
-              <a:rPr lang="en-GB"/>
+              <a:rPr lang="en-US" dirty="0"/>
               <a:t>Fifth level</a:t>
             </a:r>
           </a:p>
@@ -2868,7 +3143,7 @@
           <p:cNvPr id="4" name="Date Placeholder 3">
             <a:extLst>
               <a:ext uri="{FF2B5EF4-FFF2-40B4-BE49-F238E27FC236}">
-                <a16:creationId xmlns:a16="http://schemas.microsoft.com/office/drawing/2014/main" id="{B554B521-B89E-77B8-DDDD-944FAB9C381B}"/>
+                <a16:creationId xmlns:a16="http://schemas.microsoft.com/office/drawing/2014/main" id="{B0FAA0F4-2442-8D45-3C3D-1B8F55C8683A}"/>
               </a:ext>
             </a:extLst>
           </p:cNvPr>
@@ -2881,7 +3156,7 @@
         </p:nvSpPr>
         <p:spPr>
           <a:xfrm>
-            <a:off x="838200" y="6356350"/>
+            <a:off x="521208" y="6419088"/>
             <a:ext cx="2743200" cy="365125"/>
           </a:xfrm>
           <a:prstGeom prst="rect">
@@ -2892,21 +3167,20 @@
           <a:bodyPr vert="horz" lIns="91440" tIns="45720" rIns="91440" bIns="45720" rtlCol="0" anchor="ctr"/>
           <a:lstStyle>
             <a:lvl1pPr algn="l">
-              <a:defRPr sz="1200">
+              <a:defRPr sz="900">
                 <a:solidFill>
-                  <a:schemeClr val="tx1">
-                    <a:tint val="82000"/>
-                  </a:schemeClr>
+                  <a:schemeClr val="tx1"/>
                 </a:solidFill>
               </a:defRPr>
             </a:lvl1pPr>
           </a:lstStyle>
           <a:p>
-            <a:fld id="{535DB91C-C75B-124C-B48D-EFE72FFB8B5F}" type="datetimeFigureOut">
-              <a:rPr lang="en-GB" smtClean="0"/>
-              <a:t>22/05/2025</a:t>
+            <a:fld id="{E80C50CD-E178-4744-9B35-B2F624D6C5E9}" type="datetimeFigureOut">
+              <a:rPr lang="en-US" smtClean="0"/>
+              <a:pPr/>
+              <a:t>5/22/25</a:t>
             </a:fld>
-            <a:endParaRPr lang="en-GB"/>
+            <a:endParaRPr lang="en-US"/>
           </a:p>
         </p:txBody>
       </p:sp>
@@ -2915,7 +3189,7 @@
           <p:cNvPr id="5" name="Footer Placeholder 4">
             <a:extLst>
               <a:ext uri="{FF2B5EF4-FFF2-40B4-BE49-F238E27FC236}">
-                <a16:creationId xmlns:a16="http://schemas.microsoft.com/office/drawing/2014/main" id="{A8DCD0B7-8F22-469F-4C0D-F4F124F6F5FA}"/>
+                <a16:creationId xmlns:a16="http://schemas.microsoft.com/office/drawing/2014/main" id="{9E03785E-FB42-1D54-92AC-D0A61A8FABD4}"/>
               </a:ext>
             </a:extLst>
           </p:cNvPr>
@@ -2928,7 +3202,7 @@
         </p:nvSpPr>
         <p:spPr>
           <a:xfrm>
-            <a:off x="4038600" y="6356350"/>
+            <a:off x="521208" y="100584"/>
             <a:ext cx="4114800" cy="365125"/>
           </a:xfrm>
           <a:prstGeom prst="rect">
@@ -2938,18 +3212,16 @@
         <p:txBody>
           <a:bodyPr vert="horz" lIns="91440" tIns="45720" rIns="91440" bIns="45720" rtlCol="0" anchor="ctr"/>
           <a:lstStyle>
-            <a:lvl1pPr algn="ctr">
-              <a:defRPr sz="1200">
+            <a:lvl1pPr algn="l">
+              <a:defRPr sz="900">
                 <a:solidFill>
-                  <a:schemeClr val="tx1">
-                    <a:tint val="82000"/>
-                  </a:schemeClr>
+                  <a:schemeClr val="tx1"/>
                 </a:solidFill>
               </a:defRPr>
             </a:lvl1pPr>
           </a:lstStyle>
           <a:p>
-            <a:endParaRPr lang="en-GB"/>
+            <a:endParaRPr lang="en-US" dirty="0"/>
           </a:p>
         </p:txBody>
       </p:sp>
@@ -2958,7 +3230,7 @@
           <p:cNvPr id="6" name="Slide Number Placeholder 5">
             <a:extLst>
               <a:ext uri="{FF2B5EF4-FFF2-40B4-BE49-F238E27FC236}">
-                <a16:creationId xmlns:a16="http://schemas.microsoft.com/office/drawing/2014/main" id="{349A4F66-06D6-0E63-45CE-24A8D3033EC6}"/>
+                <a16:creationId xmlns:a16="http://schemas.microsoft.com/office/drawing/2014/main" id="{BCC9CF34-1274-DB45-4809-90E5D244A9AE}"/>
               </a:ext>
             </a:extLst>
           </p:cNvPr>
@@ -2971,8 +3243,8 @@
         </p:nvSpPr>
         <p:spPr>
           <a:xfrm>
-            <a:off x="8610600" y="6356350"/>
-            <a:ext cx="2743200" cy="365125"/>
+            <a:off x="11457432" y="6419088"/>
+            <a:ext cx="640080" cy="365125"/>
           </a:xfrm>
           <a:prstGeom prst="rect">
             <a:avLst/>
@@ -2982,56 +3254,155 @@
           <a:bodyPr vert="horz" lIns="91440" tIns="45720" rIns="91440" bIns="45720" rtlCol="0" anchor="ctr"/>
           <a:lstStyle>
             <a:lvl1pPr algn="r">
-              <a:defRPr sz="1200">
+              <a:defRPr sz="900">
                 <a:solidFill>
-                  <a:schemeClr val="tx1">
-                    <a:tint val="82000"/>
-                  </a:schemeClr>
+                  <a:schemeClr val="tx1"/>
                 </a:solidFill>
               </a:defRPr>
             </a:lvl1pPr>
           </a:lstStyle>
           <a:p>
-            <a:fld id="{D5135AC3-6E88-5B44-B6FC-FED8DB60A96A}" type="slidenum">
-              <a:rPr lang="en-GB" smtClean="0"/>
+            <a:fld id="{148CC95F-0247-41B6-91CF-DC97C76A7088}" type="slidenum">
+              <a:rPr lang="en-US" smtClean="0"/>
+              <a:pPr/>
               <a:t>‹#›</a:t>
             </a:fld>
-            <a:endParaRPr lang="en-GB"/>
+            <a:endParaRPr lang="en-US"/>
+          </a:p>
+        </p:txBody>
+      </p:sp>
+      <p:sp>
+        <p:nvSpPr>
+          <p:cNvPr id="7" name="Freeform: Shape 6">
+            <a:extLst>
+              <a:ext uri="{FF2B5EF4-FFF2-40B4-BE49-F238E27FC236}">
+                <a16:creationId xmlns:a16="http://schemas.microsoft.com/office/drawing/2014/main" id="{774A975B-A886-5202-0489-6965514A0D14}"/>
+              </a:ext>
+              <a:ext uri="{C183D7F6-B498-43B3-948B-1728B52AA6E4}">
+                <adec:decorative xmlns:adec="http://schemas.microsoft.com/office/drawing/2017/decorative" val="1"/>
+              </a:ext>
+            </a:extLst>
+          </p:cNvPr>
+          <p:cNvSpPr/>
+          <p:nvPr/>
+        </p:nvSpPr>
+        <p:spPr>
+          <a:xfrm>
+            <a:off x="517869" y="508090"/>
+            <a:ext cx="11153214" cy="149279"/>
+          </a:xfrm>
+          <a:custGeom>
+            <a:avLst/>
+            <a:gdLst>
+              <a:gd name="connsiteX0" fmla="*/ 0 w 8085002"/>
+              <a:gd name="connsiteY0" fmla="*/ 0 h 149279"/>
+              <a:gd name="connsiteX1" fmla="*/ 8085002 w 8085002"/>
+              <a:gd name="connsiteY1" fmla="*/ 0 h 149279"/>
+              <a:gd name="connsiteX2" fmla="*/ 8085002 w 8085002"/>
+              <a:gd name="connsiteY2" fmla="*/ 149279 h 149279"/>
+              <a:gd name="connsiteX3" fmla="*/ 0 w 8085002"/>
+              <a:gd name="connsiteY3" fmla="*/ 149279 h 149279"/>
+            </a:gdLst>
+            <a:ahLst/>
+            <a:cxnLst>
+              <a:cxn ang="0">
+                <a:pos x="connsiteX0" y="connsiteY0"/>
+              </a:cxn>
+              <a:cxn ang="0">
+                <a:pos x="connsiteX1" y="connsiteY1"/>
+              </a:cxn>
+              <a:cxn ang="0">
+                <a:pos x="connsiteX2" y="connsiteY2"/>
+              </a:cxn>
+              <a:cxn ang="0">
+                <a:pos x="connsiteX3" y="connsiteY3"/>
+              </a:cxn>
+            </a:cxnLst>
+            <a:rect l="l" t="t" r="r" b="b"/>
+            <a:pathLst>
+              <a:path w="8085002" h="149279">
+                <a:moveTo>
+                  <a:pt x="0" y="0"/>
+                </a:moveTo>
+                <a:lnTo>
+                  <a:pt x="8085002" y="0"/>
+                </a:lnTo>
+                <a:lnTo>
+                  <a:pt x="8085002" y="149279"/>
+                </a:lnTo>
+                <a:lnTo>
+                  <a:pt x="0" y="149279"/>
+                </a:lnTo>
+                <a:close/>
+              </a:path>
+            </a:pathLst>
+          </a:custGeom>
+          <a:solidFill>
+            <a:schemeClr val="tx1"/>
+          </a:solidFill>
+          <a:ln>
+            <a:noFill/>
+          </a:ln>
+        </p:spPr>
+        <p:style>
+          <a:lnRef idx="2">
+            <a:schemeClr val="accent1">
+              <a:shade val="50000"/>
+            </a:schemeClr>
+          </a:lnRef>
+          <a:fillRef idx="1">
+            <a:schemeClr val="accent1"/>
+          </a:fillRef>
+          <a:effectRef idx="0">
+            <a:schemeClr val="accent1"/>
+          </a:effectRef>
+          <a:fontRef idx="minor">
+            <a:schemeClr val="lt1"/>
+          </a:fontRef>
+        </p:style>
+        <p:txBody>
+          <a:bodyPr wrap="square" rtlCol="0" anchor="ctr">
+            <a:noAutofit/>
+          </a:bodyPr>
+          <a:lstStyle/>
+          <a:p>
+            <a:pPr algn="ctr"/>
+            <a:endParaRPr lang="en-US"/>
           </a:p>
         </p:txBody>
       </p:sp>
     </p:spTree>
     <p:extLst>
       <p:ext uri="{BB962C8B-B14F-4D97-AF65-F5344CB8AC3E}">
-        <p14:creationId xmlns:p14="http://schemas.microsoft.com/office/powerpoint/2010/main" val="2925792415"/>
+        <p14:creationId xmlns:p14="http://schemas.microsoft.com/office/powerpoint/2010/main" val="1115820573"/>
       </p:ext>
     </p:extLst>
   </p:cSld>
   <p:clrMap bg1="lt1" tx1="dk1" bg2="lt2" tx2="dk2" accent1="accent1" accent2="accent2" accent3="accent3" accent4="accent4" accent5="accent5" accent6="accent6" hlink="hlink" folHlink="folHlink"/>
   <p:sldLayoutIdLst>
-    <p:sldLayoutId id="2147483649" r:id="rId1"/>
-    <p:sldLayoutId id="2147483650" r:id="rId2"/>
-    <p:sldLayoutId id="2147483651" r:id="rId3"/>
-    <p:sldLayoutId id="2147483652" r:id="rId4"/>
-    <p:sldLayoutId id="2147483653" r:id="rId5"/>
-    <p:sldLayoutId id="2147483654" r:id="rId6"/>
-    <p:sldLayoutId id="2147483655" r:id="rId7"/>
-    <p:sldLayoutId id="2147483656" r:id="rId8"/>
-    <p:sldLayoutId id="2147483657" r:id="rId9"/>
-    <p:sldLayoutId id="2147483658" r:id="rId10"/>
-    <p:sldLayoutId id="2147483659" r:id="rId11"/>
+    <p:sldLayoutId id="2147483688" r:id="rId1"/>
+    <p:sldLayoutId id="2147483689" r:id="rId2"/>
+    <p:sldLayoutId id="2147483690" r:id="rId3"/>
+    <p:sldLayoutId id="2147483691" r:id="rId4"/>
+    <p:sldLayoutId id="2147483692" r:id="rId5"/>
+    <p:sldLayoutId id="2147483698" r:id="rId6"/>
+    <p:sldLayoutId id="2147483693" r:id="rId7"/>
+    <p:sldLayoutId id="2147483694" r:id="rId8"/>
+    <p:sldLayoutId id="2147483695" r:id="rId9"/>
+    <p:sldLayoutId id="2147483697" r:id="rId10"/>
+    <p:sldLayoutId id="2147483696" r:id="rId11"/>
   </p:sldLayoutIdLst>
   <p:txStyles>
     <p:titleStyle>
       <a:lvl1pPr algn="l" defTabSz="914400" rtl="0" eaLnBrk="1" latinLnBrk="0" hangingPunct="1">
         <a:lnSpc>
-          <a:spcPct val="90000"/>
+          <a:spcPct val="100000"/>
         </a:lnSpc>
         <a:spcBef>
           <a:spcPct val="0"/>
         </a:spcBef>
         <a:buNone/>
-        <a:defRPr sz="4400" kern="1200">
+        <a:defRPr sz="4400" b="1" kern="1200">
           <a:solidFill>
             <a:schemeClr val="tx1"/>
           </a:solidFill>
@@ -3044,64 +3415,10 @@
     <p:bodyStyle>
       <a:lvl1pPr marL="228600" indent="-228600" algn="l" defTabSz="914400" rtl="0" eaLnBrk="1" latinLnBrk="0" hangingPunct="1">
         <a:lnSpc>
-          <a:spcPct val="90000"/>
+          <a:spcPct val="110000"/>
         </a:lnSpc>
         <a:spcBef>
           <a:spcPts val="1000"/>
-        </a:spcBef>
-        <a:buFont typeface="Arial" panose="020B0604020202020204" pitchFamily="34" charset="0"/>
-        <a:buChar char="•"/>
-        <a:defRPr sz="2800" kern="1200">
-          <a:solidFill>
-            <a:schemeClr val="tx1"/>
-          </a:solidFill>
-          <a:latin typeface="+mn-lt"/>
-          <a:ea typeface="+mn-ea"/>
-          <a:cs typeface="+mn-cs"/>
-        </a:defRPr>
-      </a:lvl1pPr>
-      <a:lvl2pPr marL="685800" indent="-228600" algn="l" defTabSz="914400" rtl="0" eaLnBrk="1" latinLnBrk="0" hangingPunct="1">
-        <a:lnSpc>
-          <a:spcPct val="90000"/>
-        </a:lnSpc>
-        <a:spcBef>
-          <a:spcPts val="500"/>
-        </a:spcBef>
-        <a:buFont typeface="Arial" panose="020B0604020202020204" pitchFamily="34" charset="0"/>
-        <a:buChar char="•"/>
-        <a:defRPr sz="2400" kern="1200">
-          <a:solidFill>
-            <a:schemeClr val="tx1"/>
-          </a:solidFill>
-          <a:latin typeface="+mn-lt"/>
-          <a:ea typeface="+mn-ea"/>
-          <a:cs typeface="+mn-cs"/>
-        </a:defRPr>
-      </a:lvl2pPr>
-      <a:lvl3pPr marL="1143000" indent="-228600" algn="l" defTabSz="914400" rtl="0" eaLnBrk="1" latinLnBrk="0" hangingPunct="1">
-        <a:lnSpc>
-          <a:spcPct val="90000"/>
-        </a:lnSpc>
-        <a:spcBef>
-          <a:spcPts val="500"/>
-        </a:spcBef>
-        <a:buFont typeface="Arial" panose="020B0604020202020204" pitchFamily="34" charset="0"/>
-        <a:buChar char="•"/>
-        <a:defRPr sz="2000" kern="1200">
-          <a:solidFill>
-            <a:schemeClr val="tx1"/>
-          </a:solidFill>
-          <a:latin typeface="+mn-lt"/>
-          <a:ea typeface="+mn-ea"/>
-          <a:cs typeface="+mn-cs"/>
-        </a:defRPr>
-      </a:lvl3pPr>
-      <a:lvl4pPr marL="1600200" indent="-228600" algn="l" defTabSz="914400" rtl="0" eaLnBrk="1" latinLnBrk="0" hangingPunct="1">
-        <a:lnSpc>
-          <a:spcPct val="90000"/>
-        </a:lnSpc>
-        <a:spcBef>
-          <a:spcPts val="500"/>
         </a:spcBef>
         <a:buFont typeface="Arial" panose="020B0604020202020204" pitchFamily="34" charset="0"/>
         <a:buChar char="•"/>
@@ -3113,17 +3430,71 @@
           <a:ea typeface="+mn-ea"/>
           <a:cs typeface="+mn-cs"/>
         </a:defRPr>
-      </a:lvl4pPr>
-      <a:lvl5pPr marL="2057400" indent="-228600" algn="l" defTabSz="914400" rtl="0" eaLnBrk="1" latinLnBrk="0" hangingPunct="1">
+      </a:lvl1pPr>
+      <a:lvl2pPr marL="685800" indent="-228600" algn="l" defTabSz="914400" rtl="0" eaLnBrk="1" latinLnBrk="0" hangingPunct="1">
         <a:lnSpc>
-          <a:spcPct val="90000"/>
+          <a:spcPct val="110000"/>
         </a:lnSpc>
         <a:spcBef>
           <a:spcPts val="500"/>
         </a:spcBef>
         <a:buFont typeface="Arial" panose="020B0604020202020204" pitchFamily="34" charset="0"/>
         <a:buChar char="•"/>
-        <a:defRPr sz="1800" kern="1200">
+        <a:defRPr sz="1600" kern="1200">
+          <a:solidFill>
+            <a:schemeClr val="tx1"/>
+          </a:solidFill>
+          <a:latin typeface="+mn-lt"/>
+          <a:ea typeface="+mn-ea"/>
+          <a:cs typeface="+mn-cs"/>
+        </a:defRPr>
+      </a:lvl2pPr>
+      <a:lvl3pPr marL="1143000" indent="-228600" algn="l" defTabSz="914400" rtl="0" eaLnBrk="1" latinLnBrk="0" hangingPunct="1">
+        <a:lnSpc>
+          <a:spcPct val="110000"/>
+        </a:lnSpc>
+        <a:spcBef>
+          <a:spcPts val="500"/>
+        </a:spcBef>
+        <a:buFont typeface="Arial" panose="020B0604020202020204" pitchFamily="34" charset="0"/>
+        <a:buChar char="•"/>
+        <a:defRPr sz="1400" kern="1200">
+          <a:solidFill>
+            <a:schemeClr val="tx1"/>
+          </a:solidFill>
+          <a:latin typeface="+mn-lt"/>
+          <a:ea typeface="+mn-ea"/>
+          <a:cs typeface="+mn-cs"/>
+        </a:defRPr>
+      </a:lvl3pPr>
+      <a:lvl4pPr marL="1600200" indent="-228600" algn="l" defTabSz="914400" rtl="0" eaLnBrk="1" latinLnBrk="0" hangingPunct="1">
+        <a:lnSpc>
+          <a:spcPct val="110000"/>
+        </a:lnSpc>
+        <a:spcBef>
+          <a:spcPts val="500"/>
+        </a:spcBef>
+        <a:buFont typeface="Arial" panose="020B0604020202020204" pitchFamily="34" charset="0"/>
+        <a:buChar char="•"/>
+        <a:defRPr sz="1200" kern="1200">
+          <a:solidFill>
+            <a:schemeClr val="tx1"/>
+          </a:solidFill>
+          <a:latin typeface="+mn-lt"/>
+          <a:ea typeface="+mn-ea"/>
+          <a:cs typeface="+mn-cs"/>
+        </a:defRPr>
+      </a:lvl4pPr>
+      <a:lvl5pPr marL="2057400" indent="-228600" algn="l" defTabSz="914400" rtl="0" eaLnBrk="1" latinLnBrk="0" hangingPunct="1">
+        <a:lnSpc>
+          <a:spcPct val="110000"/>
+        </a:lnSpc>
+        <a:spcBef>
+          <a:spcPts val="500"/>
+        </a:spcBef>
+        <a:buFont typeface="Arial" panose="020B0604020202020204" pitchFamily="34" charset="0"/>
+        <a:buChar char="•"/>
+        <a:defRPr sz="1200" kern="1200">
           <a:solidFill>
             <a:schemeClr val="tx1"/>
           </a:solidFill>
@@ -3207,7 +3578,7 @@
     </p:bodyStyle>
     <p:otherStyle>
       <a:defPPr>
-        <a:defRPr lang="en-CH"/>
+        <a:defRPr lang="en-US"/>
       </a:defPPr>
       <a:lvl1pPr marL="0" algn="l" defTabSz="914400" rtl="0" eaLnBrk="1" latinLnBrk="0" hangingPunct="1">
         <a:defRPr sz="1800" kern="1200">
@@ -3307,6 +3678,14 @@
 <file path=ppt/slides/slide1.xml><?xml version="1.0" encoding="utf-8"?>
 <p:sld xmlns:a="http://schemas.openxmlformats.org/drawingml/2006/main" xmlns:r="http://schemas.openxmlformats.org/officeDocument/2006/relationships" xmlns:p="http://schemas.openxmlformats.org/presentationml/2006/main">
   <p:cSld>
+    <p:bg>
+      <p:bgPr>
+        <a:solidFill>
+          <a:schemeClr val="bg1"/>
+        </a:solidFill>
+        <a:effectLst/>
+      </p:bgPr>
+    </p:bg>
     <p:spTree>
       <p:nvGrpSpPr>
         <p:cNvPr id="1" name=""/>
@@ -3321,6 +3700,316 @@
           <a:chExt cx="0" cy="0"/>
         </a:xfrm>
       </p:grpSpPr>
+      <p:sp useBgFill="1">
+        <p:nvSpPr>
+          <p:cNvPr id="16" name="Rectangle 15">
+            <a:extLst>
+              <a:ext uri="{FF2B5EF4-FFF2-40B4-BE49-F238E27FC236}">
+                <a16:creationId xmlns:a16="http://schemas.microsoft.com/office/drawing/2014/main" id="{E20BB609-EF92-42DB-836C-0699A590B5CF}"/>
+              </a:ext>
+              <a:ext uri="{C183D7F6-B498-43B3-948B-1728B52AA6E4}">
+                <adec:decorative xmlns:adec="http://schemas.microsoft.com/office/drawing/2017/decorative" val="1"/>
+              </a:ext>
+            </a:extLst>
+          </p:cNvPr>
+          <p:cNvSpPr>
+            <a:spLocks noGrp="1" noRot="1" noChangeAspect="1" noMove="1" noResize="1" noEditPoints="1" noAdjustHandles="1" noChangeArrowheads="1" noChangeShapeType="1" noTextEdit="1"/>
+          </p:cNvSpPr>
+          <p:nvPr>
+            <p:extLst>
+              <p:ext uri="{386F3935-93C4-4BCD-93E2-E3B085C9AB24}">
+                <p16:designElem xmlns:p16="http://schemas.microsoft.com/office/powerpoint/2015/main" val="1"/>
+              </p:ext>
+            </p:extLst>
+          </p:nvPr>
+        </p:nvSpPr>
+        <p:spPr>
+          <a:xfrm>
+            <a:off x="0" y="0"/>
+            <a:ext cx="12192000" cy="6858001"/>
+          </a:xfrm>
+          <a:prstGeom prst="rect">
+            <a:avLst/>
+          </a:prstGeom>
+          <a:ln>
+            <a:noFill/>
+          </a:ln>
+        </p:spPr>
+        <p:style>
+          <a:lnRef idx="2">
+            <a:schemeClr val="accent1">
+              <a:shade val="50000"/>
+            </a:schemeClr>
+          </a:lnRef>
+          <a:fillRef idx="1">
+            <a:schemeClr val="accent1"/>
+          </a:fillRef>
+          <a:effectRef idx="0">
+            <a:schemeClr val="accent1"/>
+          </a:effectRef>
+          <a:fontRef idx="minor">
+            <a:schemeClr val="lt1"/>
+          </a:fontRef>
+        </p:style>
+        <p:txBody>
+          <a:bodyPr rtlCol="0" anchor="ctr"/>
+          <a:lstStyle/>
+          <a:p>
+            <a:pPr algn="ctr"/>
+            <a:endParaRPr lang="en-US" dirty="0"/>
+          </a:p>
+        </p:txBody>
+      </p:sp>
+      <p:pic>
+        <p:nvPicPr>
+          <p:cNvPr id="4" name="Picture 3" descr="Network connection abstract against a white background">
+            <a:extLst>
+              <a:ext uri="{FF2B5EF4-FFF2-40B4-BE49-F238E27FC236}">
+                <a16:creationId xmlns:a16="http://schemas.microsoft.com/office/drawing/2014/main" id="{861D54AD-70ED-EA37-4084-F0D458A0B9AB}"/>
+              </a:ext>
+            </a:extLst>
+          </p:cNvPr>
+          <p:cNvPicPr>
+            <a:picLocks noChangeAspect="1"/>
+          </p:cNvPicPr>
+          <p:nvPr/>
+        </p:nvPicPr>
+        <p:blipFill>
+          <a:blip r:embed="rId2"/>
+          <a:srcRect t="15709" r="-1" b="-1"/>
+          <a:stretch>
+            <a:fillRect/>
+          </a:stretch>
+        </p:blipFill>
+        <p:spPr>
+          <a:xfrm>
+            <a:off x="20" y="10"/>
+            <a:ext cx="12188932" cy="6857990"/>
+          </a:xfrm>
+          <a:prstGeom prst="rect">
+            <a:avLst/>
+          </a:prstGeom>
+        </p:spPr>
+      </p:pic>
+      <p:sp>
+        <p:nvSpPr>
+          <p:cNvPr id="18" name="Rectangle 17">
+            <a:extLst>
+              <a:ext uri="{FF2B5EF4-FFF2-40B4-BE49-F238E27FC236}">
+                <a16:creationId xmlns:a16="http://schemas.microsoft.com/office/drawing/2014/main" id="{ECF0998E-D577-43EA-A7B8-E3EC67F75955}"/>
+              </a:ext>
+              <a:ext uri="{C183D7F6-B498-43B3-948B-1728B52AA6E4}">
+                <adec:decorative xmlns:adec="http://schemas.microsoft.com/office/drawing/2017/decorative" val="1"/>
+              </a:ext>
+            </a:extLst>
+          </p:cNvPr>
+          <p:cNvSpPr>
+            <a:spLocks noGrp="1" noRot="1" noChangeAspect="1" noMove="1" noResize="1" noEditPoints="1" noAdjustHandles="1" noChangeArrowheads="1" noChangeShapeType="1" noTextEdit="1"/>
+          </p:cNvSpPr>
+          <p:nvPr>
+            <p:extLst>
+              <p:ext uri="{386F3935-93C4-4BCD-93E2-E3B085C9AB24}">
+                <p16:designElem xmlns:p16="http://schemas.microsoft.com/office/powerpoint/2015/main" val="1"/>
+              </p:ext>
+            </p:extLst>
+          </p:nvPr>
+        </p:nvSpPr>
+        <p:spPr>
+          <a:xfrm rot="16200000">
+            <a:off x="389239" y="-389238"/>
+            <a:ext cx="6858000" cy="7636476"/>
+          </a:xfrm>
+          <a:prstGeom prst="rect">
+            <a:avLst/>
+          </a:prstGeom>
+          <a:gradFill>
+            <a:gsLst>
+              <a:gs pos="100000">
+                <a:srgbClr val="000000">
+                  <a:alpha val="0"/>
+                </a:srgbClr>
+              </a:gs>
+              <a:gs pos="0">
+                <a:schemeClr val="tx1"/>
+              </a:gs>
+              <a:gs pos="0">
+                <a:srgbClr val="000000">
+                  <a:alpha val="70000"/>
+                </a:srgbClr>
+              </a:gs>
+            </a:gsLst>
+            <a:lin ang="5400000" scaled="1"/>
+          </a:gradFill>
+          <a:ln>
+            <a:noFill/>
+          </a:ln>
+        </p:spPr>
+        <p:style>
+          <a:lnRef idx="2">
+            <a:schemeClr val="accent1">
+              <a:shade val="50000"/>
+            </a:schemeClr>
+          </a:lnRef>
+          <a:fillRef idx="1">
+            <a:schemeClr val="accent1"/>
+          </a:fillRef>
+          <a:effectRef idx="0">
+            <a:schemeClr val="accent1"/>
+          </a:effectRef>
+          <a:fontRef idx="minor">
+            <a:schemeClr val="lt1"/>
+          </a:fontRef>
+        </p:style>
+        <p:txBody>
+          <a:bodyPr rtlCol="0" anchor="ctr"/>
+          <a:lstStyle/>
+          <a:p>
+            <a:pPr algn="ctr"/>
+            <a:endParaRPr lang="en-US"/>
+          </a:p>
+        </p:txBody>
+      </p:sp>
+      <p:sp>
+        <p:nvSpPr>
+          <p:cNvPr id="20" name="Rectangle 19">
+            <a:extLst>
+              <a:ext uri="{FF2B5EF4-FFF2-40B4-BE49-F238E27FC236}">
+                <a16:creationId xmlns:a16="http://schemas.microsoft.com/office/drawing/2014/main" id="{B2C335F7-F61C-4EB4-80F2-4B1438FE66BB}"/>
+              </a:ext>
+              <a:ext uri="{C183D7F6-B498-43B3-948B-1728B52AA6E4}">
+                <adec:decorative xmlns:adec="http://schemas.microsoft.com/office/drawing/2017/decorative" val="1"/>
+              </a:ext>
+            </a:extLst>
+          </p:cNvPr>
+          <p:cNvSpPr>
+            <a:spLocks noGrp="1" noRot="1" noChangeAspect="1" noMove="1" noResize="1" noEditPoints="1" noAdjustHandles="1" noChangeArrowheads="1" noChangeShapeType="1" noTextEdit="1"/>
+          </p:cNvSpPr>
+          <p:nvPr>
+            <p:extLst>
+              <p:ext uri="{386F3935-93C4-4BCD-93E2-E3B085C9AB24}">
+                <p16:designElem xmlns:p16="http://schemas.microsoft.com/office/powerpoint/2015/main" val="1"/>
+              </p:ext>
+            </p:extLst>
+          </p:nvPr>
+        </p:nvSpPr>
+        <p:spPr>
+          <a:xfrm>
+            <a:off x="517870" y="508090"/>
+            <a:ext cx="5021183" cy="149279"/>
+          </a:xfrm>
+          <a:prstGeom prst="rect">
+            <a:avLst/>
+          </a:prstGeom>
+          <a:solidFill>
+            <a:srgbClr val="FFFFFF"/>
+          </a:solidFill>
+          <a:ln>
+            <a:noFill/>
+          </a:ln>
+        </p:spPr>
+        <p:style>
+          <a:lnRef idx="2">
+            <a:schemeClr val="accent1">
+              <a:shade val="50000"/>
+            </a:schemeClr>
+          </a:lnRef>
+          <a:fillRef idx="1">
+            <a:schemeClr val="accent1"/>
+          </a:fillRef>
+          <a:effectRef idx="0">
+            <a:schemeClr val="accent1"/>
+          </a:effectRef>
+          <a:fontRef idx="minor">
+            <a:schemeClr val="lt1"/>
+          </a:fontRef>
+        </p:style>
+        <p:txBody>
+          <a:bodyPr rtlCol="0" anchor="ctr"/>
+          <a:lstStyle/>
+          <a:p>
+            <a:pPr algn="ctr"/>
+            <a:endParaRPr lang="en-US"/>
+          </a:p>
+        </p:txBody>
+      </p:sp>
+      <p:sp>
+        <p:nvSpPr>
+          <p:cNvPr id="22" name="Rectangle 21">
+            <a:extLst>
+              <a:ext uri="{FF2B5EF4-FFF2-40B4-BE49-F238E27FC236}">
+                <a16:creationId xmlns:a16="http://schemas.microsoft.com/office/drawing/2014/main" id="{E7DC364D-882B-4786-89FB-1703C1A5CFF0}"/>
+              </a:ext>
+              <a:ext uri="{C183D7F6-B498-43B3-948B-1728B52AA6E4}">
+                <adec:decorative xmlns:adec="http://schemas.microsoft.com/office/drawing/2017/decorative" val="1"/>
+              </a:ext>
+            </a:extLst>
+          </p:cNvPr>
+          <p:cNvSpPr>
+            <a:spLocks noGrp="1" noRot="1" noChangeAspect="1" noMove="1" noResize="1" noEditPoints="1" noAdjustHandles="1" noChangeArrowheads="1" noChangeShapeType="1" noTextEdit="1"/>
+          </p:cNvSpPr>
+          <p:nvPr>
+            <p:extLst>
+              <p:ext uri="{386F3935-93C4-4BCD-93E2-E3B085C9AB24}">
+                <p16:designElem xmlns:p16="http://schemas.microsoft.com/office/powerpoint/2015/main" val="1"/>
+              </p:ext>
+            </p:extLst>
+          </p:nvPr>
+        </p:nvSpPr>
+        <p:spPr>
+          <a:xfrm rot="10800000">
+            <a:off x="1524" y="3205874"/>
+            <a:ext cx="12188952" cy="3652125"/>
+          </a:xfrm>
+          <a:prstGeom prst="rect">
+            <a:avLst/>
+          </a:prstGeom>
+          <a:gradFill>
+            <a:gsLst>
+              <a:gs pos="100000">
+                <a:srgbClr val="000000">
+                  <a:alpha val="0"/>
+                </a:srgbClr>
+              </a:gs>
+              <a:gs pos="0">
+                <a:schemeClr val="tx1"/>
+              </a:gs>
+              <a:gs pos="0">
+                <a:srgbClr val="000000">
+                  <a:alpha val="70000"/>
+                </a:srgbClr>
+              </a:gs>
+            </a:gsLst>
+            <a:lin ang="5400000" scaled="1"/>
+          </a:gradFill>
+          <a:ln>
+            <a:noFill/>
+          </a:ln>
+        </p:spPr>
+        <p:style>
+          <a:lnRef idx="2">
+            <a:schemeClr val="accent1">
+              <a:shade val="50000"/>
+            </a:schemeClr>
+          </a:lnRef>
+          <a:fillRef idx="1">
+            <a:schemeClr val="accent1"/>
+          </a:fillRef>
+          <a:effectRef idx="0">
+            <a:schemeClr val="accent1"/>
+          </a:effectRef>
+          <a:fontRef idx="minor">
+            <a:schemeClr val="lt1"/>
+          </a:fontRef>
+        </p:style>
+        <p:txBody>
+          <a:bodyPr rtlCol="0" anchor="ctr"/>
+          <a:lstStyle/>
+          <a:p>
+            <a:pPr algn="ctr"/>
+            <a:endParaRPr lang="en-US"/>
+          </a:p>
+        </p:txBody>
+      </p:sp>
       <p:sp>
         <p:nvSpPr>
           <p:cNvPr id="2" name="Title 1">
@@ -3337,12 +4026,26 @@
             <p:ph type="ctrTitle"/>
           </p:nvPr>
         </p:nvSpPr>
-        <p:spPr/>
-        <p:txBody>
-          <a:bodyPr/>
-          <a:lstStyle/>
-          <a:p>
-            <a:endParaRPr lang="en-GB"/>
+        <p:spPr>
+          <a:xfrm>
+            <a:off x="517870" y="978408"/>
+            <a:ext cx="5283840" cy="2620670"/>
+          </a:xfrm>
+        </p:spPr>
+        <p:txBody>
+          <a:bodyPr anchor="t">
+            <a:normAutofit/>
+          </a:bodyPr>
+          <a:lstStyle/>
+          <a:p>
+            <a:r>
+              <a:rPr lang="en-GB" sz="6000" dirty="0">
+                <a:solidFill>
+                  <a:srgbClr val="FFFFFF"/>
+                </a:solidFill>
+              </a:rPr>
+              <a:t>Data Project 2</a:t>
+            </a:r>
           </a:p>
         </p:txBody>
       </p:sp>
@@ -3362,12 +4065,133 @@
             <p:ph type="subTitle" idx="1"/>
           </p:nvPr>
         </p:nvSpPr>
-        <p:spPr/>
-        <p:txBody>
-          <a:bodyPr/>
-          <a:lstStyle/>
-          <a:p>
-            <a:endParaRPr lang="en-GB"/>
+        <p:spPr>
+          <a:xfrm>
+            <a:off x="6652366" y="4108182"/>
+            <a:ext cx="5040785" cy="1828799"/>
+          </a:xfrm>
+        </p:spPr>
+        <p:txBody>
+          <a:bodyPr anchor="b">
+            <a:normAutofit/>
+          </a:bodyPr>
+          <a:lstStyle/>
+          <a:p>
+            <a:pPr>
+              <a:spcBef>
+                <a:spcPts val="0"/>
+              </a:spcBef>
+              <a:spcAft>
+                <a:spcPts val="600"/>
+              </a:spcAft>
+            </a:pPr>
+            <a:r>
+              <a:rPr lang="en-GB">
+                <a:solidFill>
+                  <a:srgbClr val="FFFFFF"/>
+                </a:solidFill>
+              </a:rPr>
+              <a:t>Youssef Sedra</a:t>
+            </a:r>
+          </a:p>
+          <a:p>
+            <a:pPr>
+              <a:spcBef>
+                <a:spcPts val="0"/>
+              </a:spcBef>
+              <a:spcAft>
+                <a:spcPts val="600"/>
+              </a:spcAft>
+            </a:pPr>
+            <a:r>
+              <a:rPr lang="en-GB">
+                <a:solidFill>
+                  <a:srgbClr val="FFFFFF"/>
+                </a:solidFill>
+              </a:rPr>
+              <a:t>Alexandra Biddiscombe </a:t>
+            </a:r>
+          </a:p>
+          <a:p>
+            <a:pPr>
+              <a:spcBef>
+                <a:spcPts val="0"/>
+              </a:spcBef>
+              <a:spcAft>
+                <a:spcPts val="600"/>
+              </a:spcAft>
+            </a:pPr>
+            <a:r>
+              <a:rPr lang="en-GB">
+                <a:solidFill>
+                  <a:srgbClr val="FFFFFF"/>
+                </a:solidFill>
+              </a:rPr>
+              <a:t>William Ambrosetti</a:t>
+            </a:r>
+          </a:p>
+        </p:txBody>
+      </p:sp>
+      <p:sp>
+        <p:nvSpPr>
+          <p:cNvPr id="24" name="Rectangle 23">
+            <a:extLst>
+              <a:ext uri="{FF2B5EF4-FFF2-40B4-BE49-F238E27FC236}">
+                <a16:creationId xmlns:a16="http://schemas.microsoft.com/office/drawing/2014/main" id="{F1189494-2B67-46D2-93D6-A122A09BF6B2}"/>
+              </a:ext>
+              <a:ext uri="{C183D7F6-B498-43B3-948B-1728B52AA6E4}">
+                <adec:decorative xmlns:adec="http://schemas.microsoft.com/office/drawing/2017/decorative" val="1"/>
+              </a:ext>
+            </a:extLst>
+          </p:cNvPr>
+          <p:cNvSpPr>
+            <a:spLocks noGrp="1" noRot="1" noChangeAspect="1" noMove="1" noResize="1" noEditPoints="1" noAdjustHandles="1" noChangeArrowheads="1" noChangeShapeType="1" noTextEdit="1"/>
+          </p:cNvSpPr>
+          <p:nvPr>
+            <p:extLst>
+              <p:ext uri="{386F3935-93C4-4BCD-93E2-E3B085C9AB24}">
+                <p16:designElem xmlns:p16="http://schemas.microsoft.com/office/powerpoint/2015/main" val="1"/>
+              </p:ext>
+            </p:extLst>
+          </p:nvPr>
+        </p:nvSpPr>
+        <p:spPr>
+          <a:xfrm>
+            <a:off x="6662168" y="6300289"/>
+            <a:ext cx="5021183" cy="45719"/>
+          </a:xfrm>
+          <a:prstGeom prst="rect">
+            <a:avLst/>
+          </a:prstGeom>
+          <a:solidFill>
+            <a:srgbClr val="FFFFFF"/>
+          </a:solidFill>
+          <a:ln>
+            <a:noFill/>
+          </a:ln>
+        </p:spPr>
+        <p:style>
+          <a:lnRef idx="2">
+            <a:schemeClr val="accent1">
+              <a:shade val="50000"/>
+            </a:schemeClr>
+          </a:lnRef>
+          <a:fillRef idx="1">
+            <a:schemeClr val="accent1"/>
+          </a:fillRef>
+          <a:effectRef idx="0">
+            <a:schemeClr val="accent1"/>
+          </a:effectRef>
+          <a:fontRef idx="minor">
+            <a:schemeClr val="lt1"/>
+          </a:fontRef>
+        </p:style>
+        <p:txBody>
+          <a:bodyPr rtlCol="0" anchor="ctr"/>
+          <a:lstStyle/>
+          <a:p>
+            <a:pPr algn="ctr"/>
+            <a:endParaRPr lang="en-US"/>
           </a:p>
         </p:txBody>
       </p:sp>
@@ -3375,6 +4199,1697 @@
     <p:extLst>
       <p:ext uri="{BB962C8B-B14F-4D97-AF65-F5344CB8AC3E}">
         <p14:creationId xmlns:p14="http://schemas.microsoft.com/office/powerpoint/2010/main" val="2954725687"/>
+      </p:ext>
+    </p:extLst>
+  </p:cSld>
+  <p:clrMapOvr>
+    <a:overrideClrMapping bg1="dk1" tx1="lt1" bg2="dk2" tx2="lt2" accent1="accent1" accent2="accent2" accent3="accent3" accent4="accent4" accent5="accent5" accent6="accent6" hlink="hlink" folHlink="folHlink"/>
+  </p:clrMapOvr>
+  <p:timing>
+    <p:tnLst>
+      <p:par>
+        <p:cTn id="1" dur="indefinite" restart="never" nodeType="tmRoot">
+          <p:childTnLst>
+            <p:seq concurrent="1" nextAc="seek">
+              <p:cTn id="2" dur="indefinite" nodeType="mainSeq">
+                <p:childTnLst>
+                  <p:par>
+                    <p:cTn id="3" fill="hold">
+                      <p:stCondLst>
+                        <p:cond delay="indefinite"/>
+                        <p:cond evt="onBegin" delay="0">
+                          <p:tn val="2"/>
+                        </p:cond>
+                      </p:stCondLst>
+                      <p:childTnLst>
+                        <p:par>
+                          <p:cTn id="4" fill="hold">
+                            <p:stCondLst>
+                              <p:cond delay="0"/>
+                            </p:stCondLst>
+                            <p:childTnLst>
+                              <p:par>
+                                <p:cTn id="5" presetID="10" presetClass="entr" presetSubtype="0" fill="hold" grpId="0" nodeType="withEffect">
+                                  <p:stCondLst>
+                                    <p:cond delay="1000"/>
+                                  </p:stCondLst>
+                                  <p:iterate>
+                                    <p:tmPct val="10000"/>
+                                  </p:iterate>
+                                  <p:childTnLst>
+                                    <p:set>
+                                      <p:cBhvr>
+                                        <p:cTn id="6" dur="1" fill="hold">
+                                          <p:stCondLst>
+                                            <p:cond delay="0"/>
+                                          </p:stCondLst>
+                                        </p:cTn>
+                                        <p:tgtEl>
+                                          <p:spTgt spid="2"/>
+                                        </p:tgtEl>
+                                        <p:attrNameLst>
+                                          <p:attrName>style.visibility</p:attrName>
+                                        </p:attrNameLst>
+                                      </p:cBhvr>
+                                      <p:to>
+                                        <p:strVal val="visible"/>
+                                      </p:to>
+                                    </p:set>
+                                    <p:animEffect transition="in" filter="fade">
+                                      <p:cBhvr>
+                                        <p:cTn id="7" dur="700"/>
+                                        <p:tgtEl>
+                                          <p:spTgt spid="2"/>
+                                        </p:tgtEl>
+                                      </p:cBhvr>
+                                    </p:animEffect>
+                                  </p:childTnLst>
+                                </p:cTn>
+                              </p:par>
+                              <p:par>
+                                <p:cTn id="8" presetID="10" presetClass="entr" presetSubtype="0" fill="hold" grpId="0" nodeType="withEffect">
+                                  <p:stCondLst>
+                                    <p:cond delay="1500"/>
+                                  </p:stCondLst>
+                                  <p:iterate>
+                                    <p:tmPct val="10000"/>
+                                  </p:iterate>
+                                  <p:childTnLst>
+                                    <p:set>
+                                      <p:cBhvr>
+                                        <p:cTn id="9" dur="1" fill="hold">
+                                          <p:stCondLst>
+                                            <p:cond delay="0"/>
+                                          </p:stCondLst>
+                                        </p:cTn>
+                                        <p:tgtEl>
+                                          <p:spTgt spid="3">
+                                            <p:txEl>
+                                              <p:pRg st="0" end="0"/>
+                                            </p:txEl>
+                                          </p:spTgt>
+                                        </p:tgtEl>
+                                        <p:attrNameLst>
+                                          <p:attrName>style.visibility</p:attrName>
+                                        </p:attrNameLst>
+                                      </p:cBhvr>
+                                      <p:to>
+                                        <p:strVal val="visible"/>
+                                      </p:to>
+                                    </p:set>
+                                    <p:animEffect transition="in" filter="fade">
+                                      <p:cBhvr>
+                                        <p:cTn id="10" dur="700"/>
+                                        <p:tgtEl>
+                                          <p:spTgt spid="3">
+                                            <p:txEl>
+                                              <p:pRg st="0" end="0"/>
+                                            </p:txEl>
+                                          </p:spTgt>
+                                        </p:tgtEl>
+                                      </p:cBhvr>
+                                    </p:animEffect>
+                                  </p:childTnLst>
+                                </p:cTn>
+                              </p:par>
+                            </p:childTnLst>
+                          </p:cTn>
+                        </p:par>
+                      </p:childTnLst>
+                    </p:cTn>
+                  </p:par>
+                  <p:par>
+                    <p:cTn id="11" fill="hold">
+                      <p:stCondLst>
+                        <p:cond delay="indefinite"/>
+                      </p:stCondLst>
+                      <p:childTnLst>
+                        <p:par>
+                          <p:cTn id="12" fill="hold">
+                            <p:stCondLst>
+                              <p:cond delay="0"/>
+                            </p:stCondLst>
+                            <p:childTnLst>
+                              <p:par>
+                                <p:cTn id="13" presetID="10" presetClass="entr" presetSubtype="0" fill="hold" grpId="0" nodeType="clickEffect">
+                                  <p:stCondLst>
+                                    <p:cond delay="1500"/>
+                                  </p:stCondLst>
+                                  <p:iterate>
+                                    <p:tmPct val="10000"/>
+                                  </p:iterate>
+                                  <p:childTnLst>
+                                    <p:set>
+                                      <p:cBhvr>
+                                        <p:cTn id="14" dur="1" fill="hold">
+                                          <p:stCondLst>
+                                            <p:cond delay="0"/>
+                                          </p:stCondLst>
+                                        </p:cTn>
+                                        <p:tgtEl>
+                                          <p:spTgt spid="3">
+                                            <p:txEl>
+                                              <p:pRg st="1" end="1"/>
+                                            </p:txEl>
+                                          </p:spTgt>
+                                        </p:tgtEl>
+                                        <p:attrNameLst>
+                                          <p:attrName>style.visibility</p:attrName>
+                                        </p:attrNameLst>
+                                      </p:cBhvr>
+                                      <p:to>
+                                        <p:strVal val="visible"/>
+                                      </p:to>
+                                    </p:set>
+                                    <p:animEffect transition="in" filter="fade">
+                                      <p:cBhvr>
+                                        <p:cTn id="15" dur="700"/>
+                                        <p:tgtEl>
+                                          <p:spTgt spid="3">
+                                            <p:txEl>
+                                              <p:pRg st="1" end="1"/>
+                                            </p:txEl>
+                                          </p:spTgt>
+                                        </p:tgtEl>
+                                      </p:cBhvr>
+                                    </p:animEffect>
+                                  </p:childTnLst>
+                                </p:cTn>
+                              </p:par>
+                            </p:childTnLst>
+                          </p:cTn>
+                        </p:par>
+                      </p:childTnLst>
+                    </p:cTn>
+                  </p:par>
+                  <p:par>
+                    <p:cTn id="16" fill="hold">
+                      <p:stCondLst>
+                        <p:cond delay="indefinite"/>
+                      </p:stCondLst>
+                      <p:childTnLst>
+                        <p:par>
+                          <p:cTn id="17" fill="hold">
+                            <p:stCondLst>
+                              <p:cond delay="0"/>
+                            </p:stCondLst>
+                            <p:childTnLst>
+                              <p:par>
+                                <p:cTn id="18" presetID="10" presetClass="entr" presetSubtype="0" fill="hold" grpId="0" nodeType="clickEffect">
+                                  <p:stCondLst>
+                                    <p:cond delay="1500"/>
+                                  </p:stCondLst>
+                                  <p:iterate>
+                                    <p:tmPct val="10000"/>
+                                  </p:iterate>
+                                  <p:childTnLst>
+                                    <p:set>
+                                      <p:cBhvr>
+                                        <p:cTn id="19" dur="1" fill="hold">
+                                          <p:stCondLst>
+                                            <p:cond delay="0"/>
+                                          </p:stCondLst>
+                                        </p:cTn>
+                                        <p:tgtEl>
+                                          <p:spTgt spid="3">
+                                            <p:txEl>
+                                              <p:pRg st="2" end="2"/>
+                                            </p:txEl>
+                                          </p:spTgt>
+                                        </p:tgtEl>
+                                        <p:attrNameLst>
+                                          <p:attrName>style.visibility</p:attrName>
+                                        </p:attrNameLst>
+                                      </p:cBhvr>
+                                      <p:to>
+                                        <p:strVal val="visible"/>
+                                      </p:to>
+                                    </p:set>
+                                    <p:animEffect transition="in" filter="fade">
+                                      <p:cBhvr>
+                                        <p:cTn id="20" dur="700"/>
+                                        <p:tgtEl>
+                                          <p:spTgt spid="3">
+                                            <p:txEl>
+                                              <p:pRg st="2" end="2"/>
+                                            </p:txEl>
+                                          </p:spTgt>
+                                        </p:tgtEl>
+                                      </p:cBhvr>
+                                    </p:animEffect>
+                                  </p:childTnLst>
+                                </p:cTn>
+                              </p:par>
+                            </p:childTnLst>
+                          </p:cTn>
+                        </p:par>
+                      </p:childTnLst>
+                    </p:cTn>
+                  </p:par>
+                </p:childTnLst>
+              </p:cTn>
+              <p:prevCondLst>
+                <p:cond evt="onPrev" delay="0">
+                  <p:tgtEl>
+                    <p:sldTgt/>
+                  </p:tgtEl>
+                </p:cond>
+              </p:prevCondLst>
+              <p:nextCondLst>
+                <p:cond evt="onNext" delay="0">
+                  <p:tgtEl>
+                    <p:sldTgt/>
+                  </p:tgtEl>
+                </p:cond>
+              </p:nextCondLst>
+            </p:seq>
+          </p:childTnLst>
+        </p:cTn>
+      </p:par>
+    </p:tnLst>
+    <p:bldLst>
+      <p:bldP spid="2" grpId="0"/>
+      <p:bldP spid="3" grpId="0" build="p"/>
+    </p:bldLst>
+  </p:timing>
+</p:sld>
+</file>
+
+<file path=ppt/slides/slide10.xml><?xml version="1.0" encoding="utf-8"?>
+<p:sld xmlns:a="http://schemas.openxmlformats.org/drawingml/2006/main" xmlns:r="http://schemas.openxmlformats.org/officeDocument/2006/relationships" xmlns:p="http://schemas.openxmlformats.org/presentationml/2006/main">
+  <p:cSld>
+    <p:spTree>
+      <p:nvGrpSpPr>
+        <p:cNvPr id="1" name=""/>
+        <p:cNvGrpSpPr/>
+        <p:nvPr/>
+      </p:nvGrpSpPr>
+      <p:grpSpPr>
+        <a:xfrm>
+          <a:off x="0" y="0"/>
+          <a:ext cx="0" cy="0"/>
+          <a:chOff x="0" y="0"/>
+          <a:chExt cx="0" cy="0"/>
+        </a:xfrm>
+      </p:grpSpPr>
+      <p:sp>
+        <p:nvSpPr>
+          <p:cNvPr id="2" name="Title 1">
+            <a:extLst>
+              <a:ext uri="{FF2B5EF4-FFF2-40B4-BE49-F238E27FC236}">
+                <a16:creationId xmlns:a16="http://schemas.microsoft.com/office/drawing/2014/main" id="{72786CAD-EA2F-49CA-035C-2B7C9CCEF08B}"/>
+              </a:ext>
+            </a:extLst>
+          </p:cNvPr>
+          <p:cNvSpPr>
+            <a:spLocks noGrp="1"/>
+          </p:cNvSpPr>
+          <p:nvPr>
+            <p:ph type="title"/>
+          </p:nvPr>
+        </p:nvSpPr>
+        <p:spPr/>
+        <p:txBody>
+          <a:bodyPr/>
+          <a:lstStyle/>
+          <a:p>
+            <a:r>
+              <a:rPr lang="en-GB" dirty="0"/>
+              <a:t>Model Training</a:t>
+            </a:r>
+          </a:p>
+        </p:txBody>
+      </p:sp>
+      <p:sp>
+        <p:nvSpPr>
+          <p:cNvPr id="3" name="Content Placeholder 2">
+            <a:extLst>
+              <a:ext uri="{FF2B5EF4-FFF2-40B4-BE49-F238E27FC236}">
+                <a16:creationId xmlns:a16="http://schemas.microsoft.com/office/drawing/2014/main" id="{9A42FD7F-E29F-B3FD-9564-A226651F5948}"/>
+              </a:ext>
+            </a:extLst>
+          </p:cNvPr>
+          <p:cNvSpPr>
+            <a:spLocks noGrp="1"/>
+          </p:cNvSpPr>
+          <p:nvPr>
+            <p:ph idx="1"/>
+          </p:nvPr>
+        </p:nvSpPr>
+        <p:spPr/>
+        <p:txBody>
+          <a:bodyPr/>
+          <a:lstStyle/>
+          <a:p>
+            <a:r>
+              <a:rPr lang="en-GB" dirty="0"/>
+              <a:t>Choice of models</a:t>
+            </a:r>
+          </a:p>
+        </p:txBody>
+      </p:sp>
+    </p:spTree>
+    <p:extLst>
+      <p:ext uri="{BB962C8B-B14F-4D97-AF65-F5344CB8AC3E}">
+        <p14:creationId xmlns:p14="http://schemas.microsoft.com/office/powerpoint/2010/main" val="841861837"/>
+      </p:ext>
+    </p:extLst>
+  </p:cSld>
+  <p:clrMapOvr>
+    <a:masterClrMapping/>
+  </p:clrMapOvr>
+</p:sld>
+</file>
+
+<file path=ppt/slides/slide11.xml><?xml version="1.0" encoding="utf-8"?>
+<p:sld xmlns:a="http://schemas.openxmlformats.org/drawingml/2006/main" xmlns:r="http://schemas.openxmlformats.org/officeDocument/2006/relationships" xmlns:p="http://schemas.openxmlformats.org/presentationml/2006/main">
+  <p:cSld>
+    <p:spTree>
+      <p:nvGrpSpPr>
+        <p:cNvPr id="1" name=""/>
+        <p:cNvGrpSpPr/>
+        <p:nvPr/>
+      </p:nvGrpSpPr>
+      <p:grpSpPr>
+        <a:xfrm>
+          <a:off x="0" y="0"/>
+          <a:ext cx="0" cy="0"/>
+          <a:chOff x="0" y="0"/>
+          <a:chExt cx="0" cy="0"/>
+        </a:xfrm>
+      </p:grpSpPr>
+      <p:sp>
+        <p:nvSpPr>
+          <p:cNvPr id="2" name="Title 1">
+            <a:extLst>
+              <a:ext uri="{FF2B5EF4-FFF2-40B4-BE49-F238E27FC236}">
+                <a16:creationId xmlns:a16="http://schemas.microsoft.com/office/drawing/2014/main" id="{A70C9537-3AA8-AF99-ACBA-3727598862B5}"/>
+              </a:ext>
+            </a:extLst>
+          </p:cNvPr>
+          <p:cNvSpPr>
+            <a:spLocks noGrp="1"/>
+          </p:cNvSpPr>
+          <p:nvPr>
+            <p:ph type="title"/>
+          </p:nvPr>
+        </p:nvSpPr>
+        <p:spPr/>
+        <p:txBody>
+          <a:bodyPr/>
+          <a:lstStyle/>
+          <a:p>
+            <a:r>
+              <a:rPr lang="en-GB" dirty="0"/>
+              <a:t>Models Comparison for TB</a:t>
+            </a:r>
+          </a:p>
+        </p:txBody>
+      </p:sp>
+      <p:sp>
+        <p:nvSpPr>
+          <p:cNvPr id="3" name="Content Placeholder 2">
+            <a:extLst>
+              <a:ext uri="{FF2B5EF4-FFF2-40B4-BE49-F238E27FC236}">
+                <a16:creationId xmlns:a16="http://schemas.microsoft.com/office/drawing/2014/main" id="{0C589532-D9E5-DF81-1174-047A6119B3CA}"/>
+              </a:ext>
+            </a:extLst>
+          </p:cNvPr>
+          <p:cNvSpPr>
+            <a:spLocks noGrp="1"/>
+          </p:cNvSpPr>
+          <p:nvPr>
+            <p:ph idx="1"/>
+          </p:nvPr>
+        </p:nvSpPr>
+        <p:spPr/>
+        <p:txBody>
+          <a:bodyPr/>
+          <a:lstStyle/>
+          <a:p>
+            <a:endParaRPr lang="en-GB"/>
+          </a:p>
+        </p:txBody>
+      </p:sp>
+    </p:spTree>
+    <p:extLst>
+      <p:ext uri="{BB962C8B-B14F-4D97-AF65-F5344CB8AC3E}">
+        <p14:creationId xmlns:p14="http://schemas.microsoft.com/office/powerpoint/2010/main" val="3927007039"/>
+      </p:ext>
+    </p:extLst>
+  </p:cSld>
+  <p:clrMapOvr>
+    <a:masterClrMapping/>
+  </p:clrMapOvr>
+</p:sld>
+</file>
+
+<file path=ppt/slides/slide12.xml><?xml version="1.0" encoding="utf-8"?>
+<p:sld xmlns:a="http://schemas.openxmlformats.org/drawingml/2006/main" xmlns:r="http://schemas.openxmlformats.org/officeDocument/2006/relationships" xmlns:p="http://schemas.openxmlformats.org/presentationml/2006/main">
+  <p:cSld>
+    <p:spTree>
+      <p:nvGrpSpPr>
+        <p:cNvPr id="1" name=""/>
+        <p:cNvGrpSpPr/>
+        <p:nvPr/>
+      </p:nvGrpSpPr>
+      <p:grpSpPr>
+        <a:xfrm>
+          <a:off x="0" y="0"/>
+          <a:ext cx="0" cy="0"/>
+          <a:chOff x="0" y="0"/>
+          <a:chExt cx="0" cy="0"/>
+        </a:xfrm>
+      </p:grpSpPr>
+      <p:sp>
+        <p:nvSpPr>
+          <p:cNvPr id="2" name="Title 1">
+            <a:extLst>
+              <a:ext uri="{FF2B5EF4-FFF2-40B4-BE49-F238E27FC236}">
+                <a16:creationId xmlns:a16="http://schemas.microsoft.com/office/drawing/2014/main" id="{37C38D02-2FB8-42AF-5724-F5051AD566AE}"/>
+              </a:ext>
+            </a:extLst>
+          </p:cNvPr>
+          <p:cNvSpPr>
+            <a:spLocks noGrp="1"/>
+          </p:cNvSpPr>
+          <p:nvPr>
+            <p:ph type="title"/>
+          </p:nvPr>
+        </p:nvSpPr>
+        <p:spPr/>
+        <p:txBody>
+          <a:bodyPr/>
+          <a:lstStyle/>
+          <a:p>
+            <a:r>
+              <a:rPr lang="en-GB" dirty="0"/>
+              <a:t>Models Comparison for IMR</a:t>
+            </a:r>
+          </a:p>
+        </p:txBody>
+      </p:sp>
+      <p:sp>
+        <p:nvSpPr>
+          <p:cNvPr id="3" name="Content Placeholder 2">
+            <a:extLst>
+              <a:ext uri="{FF2B5EF4-FFF2-40B4-BE49-F238E27FC236}">
+                <a16:creationId xmlns:a16="http://schemas.microsoft.com/office/drawing/2014/main" id="{EC8AC39C-85DB-B395-2F89-34756C7228C9}"/>
+              </a:ext>
+            </a:extLst>
+          </p:cNvPr>
+          <p:cNvSpPr>
+            <a:spLocks noGrp="1"/>
+          </p:cNvSpPr>
+          <p:nvPr>
+            <p:ph idx="1"/>
+          </p:nvPr>
+        </p:nvSpPr>
+        <p:spPr/>
+        <p:txBody>
+          <a:bodyPr/>
+          <a:lstStyle/>
+          <a:p>
+            <a:endParaRPr lang="en-GB"/>
+          </a:p>
+        </p:txBody>
+      </p:sp>
+    </p:spTree>
+    <p:extLst>
+      <p:ext uri="{BB962C8B-B14F-4D97-AF65-F5344CB8AC3E}">
+        <p14:creationId xmlns:p14="http://schemas.microsoft.com/office/powerpoint/2010/main" val="3495250900"/>
+      </p:ext>
+    </p:extLst>
+  </p:cSld>
+  <p:clrMapOvr>
+    <a:masterClrMapping/>
+  </p:clrMapOvr>
+</p:sld>
+</file>
+
+<file path=ppt/slides/slide13.xml><?xml version="1.0" encoding="utf-8"?>
+<p:sld xmlns:a="http://schemas.openxmlformats.org/drawingml/2006/main" xmlns:r="http://schemas.openxmlformats.org/officeDocument/2006/relationships" xmlns:p="http://schemas.openxmlformats.org/presentationml/2006/main">
+  <p:cSld>
+    <p:spTree>
+      <p:nvGrpSpPr>
+        <p:cNvPr id="1" name=""/>
+        <p:cNvGrpSpPr/>
+        <p:nvPr/>
+      </p:nvGrpSpPr>
+      <p:grpSpPr>
+        <a:xfrm>
+          <a:off x="0" y="0"/>
+          <a:ext cx="0" cy="0"/>
+          <a:chOff x="0" y="0"/>
+          <a:chExt cx="0" cy="0"/>
+        </a:xfrm>
+      </p:grpSpPr>
+      <p:sp>
+        <p:nvSpPr>
+          <p:cNvPr id="2" name="Title 1">
+            <a:extLst>
+              <a:ext uri="{FF2B5EF4-FFF2-40B4-BE49-F238E27FC236}">
+                <a16:creationId xmlns:a16="http://schemas.microsoft.com/office/drawing/2014/main" id="{4074610F-7CFB-7D15-434D-1A69690D27B8}"/>
+              </a:ext>
+            </a:extLst>
+          </p:cNvPr>
+          <p:cNvSpPr>
+            <a:spLocks noGrp="1"/>
+          </p:cNvSpPr>
+          <p:nvPr>
+            <p:ph type="title"/>
+          </p:nvPr>
+        </p:nvSpPr>
+        <p:spPr/>
+        <p:txBody>
+          <a:bodyPr/>
+          <a:lstStyle/>
+          <a:p>
+            <a:r>
+              <a:rPr lang="en-GB" dirty="0"/>
+              <a:t>True Positives, False Positives and which we prioritize</a:t>
+            </a:r>
+          </a:p>
+        </p:txBody>
+      </p:sp>
+      <p:sp>
+        <p:nvSpPr>
+          <p:cNvPr id="3" name="Content Placeholder 2">
+            <a:extLst>
+              <a:ext uri="{FF2B5EF4-FFF2-40B4-BE49-F238E27FC236}">
+                <a16:creationId xmlns:a16="http://schemas.microsoft.com/office/drawing/2014/main" id="{65540C10-9AC1-BB32-21F8-9F2DD07FFA1B}"/>
+              </a:ext>
+            </a:extLst>
+          </p:cNvPr>
+          <p:cNvSpPr>
+            <a:spLocks noGrp="1"/>
+          </p:cNvSpPr>
+          <p:nvPr>
+            <p:ph idx="1"/>
+          </p:nvPr>
+        </p:nvSpPr>
+        <p:spPr/>
+        <p:txBody>
+          <a:bodyPr/>
+          <a:lstStyle/>
+          <a:p>
+            <a:endParaRPr lang="en-GB"/>
+          </a:p>
+        </p:txBody>
+      </p:sp>
+    </p:spTree>
+    <p:extLst>
+      <p:ext uri="{BB962C8B-B14F-4D97-AF65-F5344CB8AC3E}">
+        <p14:creationId xmlns:p14="http://schemas.microsoft.com/office/powerpoint/2010/main" val="2162756189"/>
+      </p:ext>
+    </p:extLst>
+  </p:cSld>
+  <p:clrMapOvr>
+    <a:masterClrMapping/>
+  </p:clrMapOvr>
+</p:sld>
+</file>
+
+<file path=ppt/slides/slide14.xml><?xml version="1.0" encoding="utf-8"?>
+<p:sld xmlns:a="http://schemas.openxmlformats.org/drawingml/2006/main" xmlns:r="http://schemas.openxmlformats.org/officeDocument/2006/relationships" xmlns:p="http://schemas.openxmlformats.org/presentationml/2006/main">
+  <p:cSld>
+    <p:spTree>
+      <p:nvGrpSpPr>
+        <p:cNvPr id="1" name=""/>
+        <p:cNvGrpSpPr/>
+        <p:nvPr/>
+      </p:nvGrpSpPr>
+      <p:grpSpPr>
+        <a:xfrm>
+          <a:off x="0" y="0"/>
+          <a:ext cx="0" cy="0"/>
+          <a:chOff x="0" y="0"/>
+          <a:chExt cx="0" cy="0"/>
+        </a:xfrm>
+      </p:grpSpPr>
+      <p:sp>
+        <p:nvSpPr>
+          <p:cNvPr id="2" name="Title 1">
+            <a:extLst>
+              <a:ext uri="{FF2B5EF4-FFF2-40B4-BE49-F238E27FC236}">
+                <a16:creationId xmlns:a16="http://schemas.microsoft.com/office/drawing/2014/main" id="{E7A75CFC-7A26-1F02-6A58-D40A90B526CF}"/>
+              </a:ext>
+            </a:extLst>
+          </p:cNvPr>
+          <p:cNvSpPr>
+            <a:spLocks noGrp="1"/>
+          </p:cNvSpPr>
+          <p:nvPr>
+            <p:ph type="title"/>
+          </p:nvPr>
+        </p:nvSpPr>
+        <p:spPr/>
+        <p:txBody>
+          <a:bodyPr/>
+          <a:lstStyle/>
+          <a:p>
+            <a:r>
+              <a:rPr lang="en-GB" dirty="0"/>
+              <a:t>Model Accuracy</a:t>
+            </a:r>
+          </a:p>
+        </p:txBody>
+      </p:sp>
+      <p:sp>
+        <p:nvSpPr>
+          <p:cNvPr id="3" name="Content Placeholder 2">
+            <a:extLst>
+              <a:ext uri="{FF2B5EF4-FFF2-40B4-BE49-F238E27FC236}">
+                <a16:creationId xmlns:a16="http://schemas.microsoft.com/office/drawing/2014/main" id="{38CD04E2-3336-1FE2-728B-6EBDEBF12CA3}"/>
+              </a:ext>
+            </a:extLst>
+          </p:cNvPr>
+          <p:cNvSpPr>
+            <a:spLocks noGrp="1"/>
+          </p:cNvSpPr>
+          <p:nvPr>
+            <p:ph idx="1"/>
+          </p:nvPr>
+        </p:nvSpPr>
+        <p:spPr/>
+        <p:txBody>
+          <a:bodyPr/>
+          <a:lstStyle/>
+          <a:p>
+            <a:endParaRPr lang="en-GB"/>
+          </a:p>
+        </p:txBody>
+      </p:sp>
+    </p:spTree>
+    <p:extLst>
+      <p:ext uri="{BB962C8B-B14F-4D97-AF65-F5344CB8AC3E}">
+        <p14:creationId xmlns:p14="http://schemas.microsoft.com/office/powerpoint/2010/main" val="681970651"/>
+      </p:ext>
+    </p:extLst>
+  </p:cSld>
+  <p:clrMapOvr>
+    <a:masterClrMapping/>
+  </p:clrMapOvr>
+</p:sld>
+</file>
+
+<file path=ppt/slides/slide15.xml><?xml version="1.0" encoding="utf-8"?>
+<p:sld xmlns:a="http://schemas.openxmlformats.org/drawingml/2006/main" xmlns:r="http://schemas.openxmlformats.org/officeDocument/2006/relationships" xmlns:p="http://schemas.openxmlformats.org/presentationml/2006/main">
+  <p:cSld>
+    <p:spTree>
+      <p:nvGrpSpPr>
+        <p:cNvPr id="1" name=""/>
+        <p:cNvGrpSpPr/>
+        <p:nvPr/>
+      </p:nvGrpSpPr>
+      <p:grpSpPr>
+        <a:xfrm>
+          <a:off x="0" y="0"/>
+          <a:ext cx="0" cy="0"/>
+          <a:chOff x="0" y="0"/>
+          <a:chExt cx="0" cy="0"/>
+        </a:xfrm>
+      </p:grpSpPr>
+      <p:sp>
+        <p:nvSpPr>
+          <p:cNvPr id="2" name="Title 1">
+            <a:extLst>
+              <a:ext uri="{FF2B5EF4-FFF2-40B4-BE49-F238E27FC236}">
+                <a16:creationId xmlns:a16="http://schemas.microsoft.com/office/drawing/2014/main" id="{12E3ED58-3B0B-7A3B-E928-ABF63B1DD7A4}"/>
+              </a:ext>
+            </a:extLst>
+          </p:cNvPr>
+          <p:cNvSpPr>
+            <a:spLocks noGrp="1"/>
+          </p:cNvSpPr>
+          <p:nvPr>
+            <p:ph type="title"/>
+          </p:nvPr>
+        </p:nvSpPr>
+        <p:spPr/>
+        <p:txBody>
+          <a:bodyPr/>
+          <a:lstStyle/>
+          <a:p>
+            <a:r>
+              <a:rPr lang="en-GB" dirty="0" err="1"/>
+              <a:t>Check_Model</a:t>
+            </a:r>
+            <a:r>
+              <a:rPr lang="en-GB" dirty="0"/>
+              <a:t>()</a:t>
+            </a:r>
+          </a:p>
+        </p:txBody>
+      </p:sp>
+      <p:sp>
+        <p:nvSpPr>
+          <p:cNvPr id="3" name="Content Placeholder 2">
+            <a:extLst>
+              <a:ext uri="{FF2B5EF4-FFF2-40B4-BE49-F238E27FC236}">
+                <a16:creationId xmlns:a16="http://schemas.microsoft.com/office/drawing/2014/main" id="{231E4A74-B3D2-BC99-DE42-0AFE3730F493}"/>
+              </a:ext>
+            </a:extLst>
+          </p:cNvPr>
+          <p:cNvSpPr>
+            <a:spLocks noGrp="1"/>
+          </p:cNvSpPr>
+          <p:nvPr>
+            <p:ph idx="1"/>
+          </p:nvPr>
+        </p:nvSpPr>
+        <p:spPr/>
+        <p:txBody>
+          <a:bodyPr/>
+          <a:lstStyle/>
+          <a:p>
+            <a:endParaRPr lang="en-GB"/>
+          </a:p>
+        </p:txBody>
+      </p:sp>
+    </p:spTree>
+    <p:extLst>
+      <p:ext uri="{BB962C8B-B14F-4D97-AF65-F5344CB8AC3E}">
+        <p14:creationId xmlns:p14="http://schemas.microsoft.com/office/powerpoint/2010/main" val="2041773479"/>
+      </p:ext>
+    </p:extLst>
+  </p:cSld>
+  <p:clrMapOvr>
+    <a:masterClrMapping/>
+  </p:clrMapOvr>
+</p:sld>
+</file>
+
+<file path=ppt/slides/slide16.xml><?xml version="1.0" encoding="utf-8"?>
+<p:sld xmlns:a="http://schemas.openxmlformats.org/drawingml/2006/main" xmlns:r="http://schemas.openxmlformats.org/officeDocument/2006/relationships" xmlns:p="http://schemas.openxmlformats.org/presentationml/2006/main">
+  <p:cSld>
+    <p:spTree>
+      <p:nvGrpSpPr>
+        <p:cNvPr id="1" name=""/>
+        <p:cNvGrpSpPr/>
+        <p:nvPr/>
+      </p:nvGrpSpPr>
+      <p:grpSpPr>
+        <a:xfrm>
+          <a:off x="0" y="0"/>
+          <a:ext cx="0" cy="0"/>
+          <a:chOff x="0" y="0"/>
+          <a:chExt cx="0" cy="0"/>
+        </a:xfrm>
+      </p:grpSpPr>
+      <p:sp>
+        <p:nvSpPr>
+          <p:cNvPr id="2" name="Title 1">
+            <a:extLst>
+              <a:ext uri="{FF2B5EF4-FFF2-40B4-BE49-F238E27FC236}">
+                <a16:creationId xmlns:a16="http://schemas.microsoft.com/office/drawing/2014/main" id="{69403DAE-8724-3301-F0DC-2BD3A796C3E0}"/>
+              </a:ext>
+            </a:extLst>
+          </p:cNvPr>
+          <p:cNvSpPr>
+            <a:spLocks noGrp="1"/>
+          </p:cNvSpPr>
+          <p:nvPr>
+            <p:ph type="title"/>
+          </p:nvPr>
+        </p:nvSpPr>
+        <p:spPr/>
+        <p:txBody>
+          <a:bodyPr/>
+          <a:lstStyle/>
+          <a:p>
+            <a:r>
+              <a:rPr lang="en-GB" dirty="0"/>
+              <a:t>How to Answer Question</a:t>
+            </a:r>
+          </a:p>
+        </p:txBody>
+      </p:sp>
+      <p:sp>
+        <p:nvSpPr>
+          <p:cNvPr id="3" name="Content Placeholder 2">
+            <a:extLst>
+              <a:ext uri="{FF2B5EF4-FFF2-40B4-BE49-F238E27FC236}">
+                <a16:creationId xmlns:a16="http://schemas.microsoft.com/office/drawing/2014/main" id="{27DE3856-B71C-5009-DF16-D566F1CF004D}"/>
+              </a:ext>
+            </a:extLst>
+          </p:cNvPr>
+          <p:cNvSpPr>
+            <a:spLocks noGrp="1"/>
+          </p:cNvSpPr>
+          <p:nvPr>
+            <p:ph idx="1"/>
+          </p:nvPr>
+        </p:nvSpPr>
+        <p:spPr/>
+        <p:txBody>
+          <a:bodyPr/>
+          <a:lstStyle/>
+          <a:p>
+            <a:r>
+              <a:rPr lang="en-GB" dirty="0"/>
+              <a:t>Feature weight etc</a:t>
+            </a:r>
+          </a:p>
+        </p:txBody>
+      </p:sp>
+    </p:spTree>
+    <p:extLst>
+      <p:ext uri="{BB962C8B-B14F-4D97-AF65-F5344CB8AC3E}">
+        <p14:creationId xmlns:p14="http://schemas.microsoft.com/office/powerpoint/2010/main" val="2274097904"/>
+      </p:ext>
+    </p:extLst>
+  </p:cSld>
+  <p:clrMapOvr>
+    <a:masterClrMapping/>
+  </p:clrMapOvr>
+</p:sld>
+</file>
+
+<file path=ppt/slides/slide17.xml><?xml version="1.0" encoding="utf-8"?>
+<p:sld xmlns:a="http://schemas.openxmlformats.org/drawingml/2006/main" xmlns:r="http://schemas.openxmlformats.org/officeDocument/2006/relationships" xmlns:p="http://schemas.openxmlformats.org/presentationml/2006/main">
+  <p:cSld>
+    <p:spTree>
+      <p:nvGrpSpPr>
+        <p:cNvPr id="1" name=""/>
+        <p:cNvGrpSpPr/>
+        <p:nvPr/>
+      </p:nvGrpSpPr>
+      <p:grpSpPr>
+        <a:xfrm>
+          <a:off x="0" y="0"/>
+          <a:ext cx="0" cy="0"/>
+          <a:chOff x="0" y="0"/>
+          <a:chExt cx="0" cy="0"/>
+        </a:xfrm>
+      </p:grpSpPr>
+      <p:sp>
+        <p:nvSpPr>
+          <p:cNvPr id="2" name="Title 1">
+            <a:extLst>
+              <a:ext uri="{FF2B5EF4-FFF2-40B4-BE49-F238E27FC236}">
+                <a16:creationId xmlns:a16="http://schemas.microsoft.com/office/drawing/2014/main" id="{7380360F-FD90-8881-35B3-4405C5FA8ADC}"/>
+              </a:ext>
+            </a:extLst>
+          </p:cNvPr>
+          <p:cNvSpPr>
+            <a:spLocks noGrp="1"/>
+          </p:cNvSpPr>
+          <p:nvPr>
+            <p:ph type="title"/>
+          </p:nvPr>
+        </p:nvSpPr>
+        <p:spPr/>
+        <p:txBody>
+          <a:bodyPr/>
+          <a:lstStyle/>
+          <a:p>
+            <a:endParaRPr lang="en-GB"/>
+          </a:p>
+        </p:txBody>
+      </p:sp>
+      <p:sp>
+        <p:nvSpPr>
+          <p:cNvPr id="3" name="Content Placeholder 2">
+            <a:extLst>
+              <a:ext uri="{FF2B5EF4-FFF2-40B4-BE49-F238E27FC236}">
+                <a16:creationId xmlns:a16="http://schemas.microsoft.com/office/drawing/2014/main" id="{8F9AFAD3-EB53-E3D1-C45C-94C4A1ED7612}"/>
+              </a:ext>
+            </a:extLst>
+          </p:cNvPr>
+          <p:cNvSpPr>
+            <a:spLocks noGrp="1"/>
+          </p:cNvSpPr>
+          <p:nvPr>
+            <p:ph idx="1"/>
+          </p:nvPr>
+        </p:nvSpPr>
+        <p:spPr/>
+        <p:txBody>
+          <a:bodyPr/>
+          <a:lstStyle/>
+          <a:p>
+            <a:endParaRPr lang="en-GB"/>
+          </a:p>
+        </p:txBody>
+      </p:sp>
+    </p:spTree>
+    <p:extLst>
+      <p:ext uri="{BB962C8B-B14F-4D97-AF65-F5344CB8AC3E}">
+        <p14:creationId xmlns:p14="http://schemas.microsoft.com/office/powerpoint/2010/main" val="1008071719"/>
+      </p:ext>
+    </p:extLst>
+  </p:cSld>
+  <p:clrMapOvr>
+    <a:masterClrMapping/>
+  </p:clrMapOvr>
+</p:sld>
+</file>
+
+<file path=ppt/slides/slide18.xml><?xml version="1.0" encoding="utf-8"?>
+<p:sld xmlns:a="http://schemas.openxmlformats.org/drawingml/2006/main" xmlns:r="http://schemas.openxmlformats.org/officeDocument/2006/relationships" xmlns:p="http://schemas.openxmlformats.org/presentationml/2006/main">
+  <p:cSld>
+    <p:spTree>
+      <p:nvGrpSpPr>
+        <p:cNvPr id="1" name=""/>
+        <p:cNvGrpSpPr/>
+        <p:nvPr/>
+      </p:nvGrpSpPr>
+      <p:grpSpPr>
+        <a:xfrm>
+          <a:off x="0" y="0"/>
+          <a:ext cx="0" cy="0"/>
+          <a:chOff x="0" y="0"/>
+          <a:chExt cx="0" cy="0"/>
+        </a:xfrm>
+      </p:grpSpPr>
+      <p:sp>
+        <p:nvSpPr>
+          <p:cNvPr id="2" name="Title 1">
+            <a:extLst>
+              <a:ext uri="{FF2B5EF4-FFF2-40B4-BE49-F238E27FC236}">
+                <a16:creationId xmlns:a16="http://schemas.microsoft.com/office/drawing/2014/main" id="{32B2D3D4-0E60-AAEA-30FF-714FDF894310}"/>
+              </a:ext>
+            </a:extLst>
+          </p:cNvPr>
+          <p:cNvSpPr>
+            <a:spLocks noGrp="1"/>
+          </p:cNvSpPr>
+          <p:nvPr>
+            <p:ph type="title"/>
+          </p:nvPr>
+        </p:nvSpPr>
+        <p:spPr/>
+        <p:txBody>
+          <a:bodyPr/>
+          <a:lstStyle/>
+          <a:p>
+            <a:endParaRPr lang="en-GB"/>
+          </a:p>
+        </p:txBody>
+      </p:sp>
+      <p:sp>
+        <p:nvSpPr>
+          <p:cNvPr id="3" name="Content Placeholder 2">
+            <a:extLst>
+              <a:ext uri="{FF2B5EF4-FFF2-40B4-BE49-F238E27FC236}">
+                <a16:creationId xmlns:a16="http://schemas.microsoft.com/office/drawing/2014/main" id="{1EB30798-FBFE-7D58-E3A1-713C3FD83179}"/>
+              </a:ext>
+            </a:extLst>
+          </p:cNvPr>
+          <p:cNvSpPr>
+            <a:spLocks noGrp="1"/>
+          </p:cNvSpPr>
+          <p:nvPr>
+            <p:ph idx="1"/>
+          </p:nvPr>
+        </p:nvSpPr>
+        <p:spPr/>
+        <p:txBody>
+          <a:bodyPr/>
+          <a:lstStyle/>
+          <a:p>
+            <a:endParaRPr lang="en-GB"/>
+          </a:p>
+        </p:txBody>
+      </p:sp>
+    </p:spTree>
+    <p:extLst>
+      <p:ext uri="{BB962C8B-B14F-4D97-AF65-F5344CB8AC3E}">
+        <p14:creationId xmlns:p14="http://schemas.microsoft.com/office/powerpoint/2010/main" val="1670999309"/>
+      </p:ext>
+    </p:extLst>
+  </p:cSld>
+  <p:clrMapOvr>
+    <a:masterClrMapping/>
+  </p:clrMapOvr>
+</p:sld>
+</file>
+
+<file path=ppt/slides/slide2.xml><?xml version="1.0" encoding="utf-8"?>
+<p:sld xmlns:a="http://schemas.openxmlformats.org/drawingml/2006/main" xmlns:r="http://schemas.openxmlformats.org/officeDocument/2006/relationships" xmlns:p="http://schemas.openxmlformats.org/presentationml/2006/main">
+  <p:cSld>
+    <p:spTree>
+      <p:nvGrpSpPr>
+        <p:cNvPr id="1" name=""/>
+        <p:cNvGrpSpPr/>
+        <p:nvPr/>
+      </p:nvGrpSpPr>
+      <p:grpSpPr>
+        <a:xfrm>
+          <a:off x="0" y="0"/>
+          <a:ext cx="0" cy="0"/>
+          <a:chOff x="0" y="0"/>
+          <a:chExt cx="0" cy="0"/>
+        </a:xfrm>
+      </p:grpSpPr>
+      <p:sp>
+        <p:nvSpPr>
+          <p:cNvPr id="2" name="Title 1">
+            <a:extLst>
+              <a:ext uri="{FF2B5EF4-FFF2-40B4-BE49-F238E27FC236}">
+                <a16:creationId xmlns:a16="http://schemas.microsoft.com/office/drawing/2014/main" id="{C86205A0-A504-CADF-9E33-63023FEBBE36}"/>
+              </a:ext>
+            </a:extLst>
+          </p:cNvPr>
+          <p:cNvSpPr>
+            <a:spLocks noGrp="1"/>
+          </p:cNvSpPr>
+          <p:nvPr>
+            <p:ph type="title"/>
+          </p:nvPr>
+        </p:nvSpPr>
+        <p:spPr/>
+        <p:txBody>
+          <a:bodyPr/>
+          <a:lstStyle/>
+          <a:p>
+            <a:r>
+              <a:rPr lang="en-GB" dirty="0"/>
+              <a:t>Client Question</a:t>
+            </a:r>
+          </a:p>
+        </p:txBody>
+      </p:sp>
+      <p:sp>
+        <p:nvSpPr>
+          <p:cNvPr id="3" name="Content Placeholder 2">
+            <a:extLst>
+              <a:ext uri="{FF2B5EF4-FFF2-40B4-BE49-F238E27FC236}">
+                <a16:creationId xmlns:a16="http://schemas.microsoft.com/office/drawing/2014/main" id="{F7B1D17E-C803-5013-7FE4-E510C18E7994}"/>
+              </a:ext>
+            </a:extLst>
+          </p:cNvPr>
+          <p:cNvSpPr>
+            <a:spLocks noGrp="1"/>
+          </p:cNvSpPr>
+          <p:nvPr>
+            <p:ph idx="1"/>
+          </p:nvPr>
+        </p:nvSpPr>
+        <p:spPr/>
+        <p:txBody>
+          <a:bodyPr/>
+          <a:lstStyle/>
+          <a:p>
+            <a:endParaRPr lang="en-GB"/>
+          </a:p>
+        </p:txBody>
+      </p:sp>
+    </p:spTree>
+    <p:extLst>
+      <p:ext uri="{BB962C8B-B14F-4D97-AF65-F5344CB8AC3E}">
+        <p14:creationId xmlns:p14="http://schemas.microsoft.com/office/powerpoint/2010/main" val="1286541720"/>
+      </p:ext>
+    </p:extLst>
+  </p:cSld>
+  <p:clrMapOvr>
+    <a:masterClrMapping/>
+  </p:clrMapOvr>
+</p:sld>
+</file>
+
+<file path=ppt/slides/slide3.xml><?xml version="1.0" encoding="utf-8"?>
+<p:sld xmlns:a="http://schemas.openxmlformats.org/drawingml/2006/main" xmlns:r="http://schemas.openxmlformats.org/officeDocument/2006/relationships" xmlns:p="http://schemas.openxmlformats.org/presentationml/2006/main">
+  <p:cSld>
+    <p:spTree>
+      <p:nvGrpSpPr>
+        <p:cNvPr id="1" name=""/>
+        <p:cNvGrpSpPr/>
+        <p:nvPr/>
+      </p:nvGrpSpPr>
+      <p:grpSpPr>
+        <a:xfrm>
+          <a:off x="0" y="0"/>
+          <a:ext cx="0" cy="0"/>
+          <a:chOff x="0" y="0"/>
+          <a:chExt cx="0" cy="0"/>
+        </a:xfrm>
+      </p:grpSpPr>
+      <p:sp>
+        <p:nvSpPr>
+          <p:cNvPr id="2" name="Title 1">
+            <a:extLst>
+              <a:ext uri="{FF2B5EF4-FFF2-40B4-BE49-F238E27FC236}">
+                <a16:creationId xmlns:a16="http://schemas.microsoft.com/office/drawing/2014/main" id="{2F297A3C-3A83-A7B1-2E2A-B66AF3127D50}"/>
+              </a:ext>
+            </a:extLst>
+          </p:cNvPr>
+          <p:cNvSpPr>
+            <a:spLocks noGrp="1"/>
+          </p:cNvSpPr>
+          <p:nvPr>
+            <p:ph type="title"/>
+          </p:nvPr>
+        </p:nvSpPr>
+        <p:spPr/>
+        <p:txBody>
+          <a:bodyPr/>
+          <a:lstStyle/>
+          <a:p>
+            <a:r>
+              <a:rPr lang="en-GB" dirty="0"/>
+              <a:t>Data Source</a:t>
+            </a:r>
+          </a:p>
+        </p:txBody>
+      </p:sp>
+      <p:sp>
+        <p:nvSpPr>
+          <p:cNvPr id="3" name="Content Placeholder 2">
+            <a:extLst>
+              <a:ext uri="{FF2B5EF4-FFF2-40B4-BE49-F238E27FC236}">
+                <a16:creationId xmlns:a16="http://schemas.microsoft.com/office/drawing/2014/main" id="{BE962CD2-FE63-513A-FF79-4E0853DAFF78}"/>
+              </a:ext>
+            </a:extLst>
+          </p:cNvPr>
+          <p:cNvSpPr>
+            <a:spLocks noGrp="1"/>
+          </p:cNvSpPr>
+          <p:nvPr>
+            <p:ph idx="1"/>
+          </p:nvPr>
+        </p:nvSpPr>
+        <p:spPr/>
+        <p:txBody>
+          <a:bodyPr/>
+          <a:lstStyle/>
+          <a:p>
+            <a:r>
+              <a:rPr lang="en-GB" dirty="0"/>
+              <a:t>What we chose, why, how, when, where, age</a:t>
+            </a:r>
+          </a:p>
+        </p:txBody>
+      </p:sp>
+    </p:spTree>
+    <p:extLst>
+      <p:ext uri="{BB962C8B-B14F-4D97-AF65-F5344CB8AC3E}">
+        <p14:creationId xmlns:p14="http://schemas.microsoft.com/office/powerpoint/2010/main" val="4152612451"/>
+      </p:ext>
+    </p:extLst>
+  </p:cSld>
+  <p:clrMapOvr>
+    <a:masterClrMapping/>
+  </p:clrMapOvr>
+</p:sld>
+</file>
+
+<file path=ppt/slides/slide4.xml><?xml version="1.0" encoding="utf-8"?>
+<p:sld xmlns:a="http://schemas.openxmlformats.org/drawingml/2006/main" xmlns:r="http://schemas.openxmlformats.org/officeDocument/2006/relationships" xmlns:p="http://schemas.openxmlformats.org/presentationml/2006/main">
+  <p:cSld>
+    <p:spTree>
+      <p:nvGrpSpPr>
+        <p:cNvPr id="1" name=""/>
+        <p:cNvGrpSpPr/>
+        <p:nvPr/>
+      </p:nvGrpSpPr>
+      <p:grpSpPr>
+        <a:xfrm>
+          <a:off x="0" y="0"/>
+          <a:ext cx="0" cy="0"/>
+          <a:chOff x="0" y="0"/>
+          <a:chExt cx="0" cy="0"/>
+        </a:xfrm>
+      </p:grpSpPr>
+      <p:sp>
+        <p:nvSpPr>
+          <p:cNvPr id="2" name="Title 1">
+            <a:extLst>
+              <a:ext uri="{FF2B5EF4-FFF2-40B4-BE49-F238E27FC236}">
+                <a16:creationId xmlns:a16="http://schemas.microsoft.com/office/drawing/2014/main" id="{F6012925-8AAD-09E0-303F-9547756A8BB1}"/>
+              </a:ext>
+            </a:extLst>
+          </p:cNvPr>
+          <p:cNvSpPr>
+            <a:spLocks noGrp="1"/>
+          </p:cNvSpPr>
+          <p:nvPr>
+            <p:ph type="title"/>
+          </p:nvPr>
+        </p:nvSpPr>
+        <p:spPr/>
+        <p:txBody>
+          <a:bodyPr/>
+          <a:lstStyle/>
+          <a:p>
+            <a:r>
+              <a:rPr lang="en-GB" dirty="0"/>
+              <a:t>Dataset Exploration</a:t>
+            </a:r>
+          </a:p>
+        </p:txBody>
+      </p:sp>
+      <p:sp>
+        <p:nvSpPr>
+          <p:cNvPr id="3" name="Content Placeholder 2">
+            <a:extLst>
+              <a:ext uri="{FF2B5EF4-FFF2-40B4-BE49-F238E27FC236}">
+                <a16:creationId xmlns:a16="http://schemas.microsoft.com/office/drawing/2014/main" id="{32B18C1B-D2EF-FBE5-0701-35366B7B8997}"/>
+              </a:ext>
+            </a:extLst>
+          </p:cNvPr>
+          <p:cNvSpPr>
+            <a:spLocks noGrp="1"/>
+          </p:cNvSpPr>
+          <p:nvPr>
+            <p:ph idx="1"/>
+          </p:nvPr>
+        </p:nvSpPr>
+        <p:spPr/>
+        <p:txBody>
+          <a:bodyPr/>
+          <a:lstStyle/>
+          <a:p>
+            <a:r>
+              <a:rPr lang="en-GB" dirty="0"/>
+              <a:t>No of features, amount of data</a:t>
+            </a:r>
+          </a:p>
+        </p:txBody>
+      </p:sp>
+    </p:spTree>
+    <p:extLst>
+      <p:ext uri="{BB962C8B-B14F-4D97-AF65-F5344CB8AC3E}">
+        <p14:creationId xmlns:p14="http://schemas.microsoft.com/office/powerpoint/2010/main" val="1468085301"/>
+      </p:ext>
+    </p:extLst>
+  </p:cSld>
+  <p:clrMapOvr>
+    <a:masterClrMapping/>
+  </p:clrMapOvr>
+</p:sld>
+</file>
+
+<file path=ppt/slides/slide5.xml><?xml version="1.0" encoding="utf-8"?>
+<p:sld xmlns:a="http://schemas.openxmlformats.org/drawingml/2006/main" xmlns:r="http://schemas.openxmlformats.org/officeDocument/2006/relationships" xmlns:p="http://schemas.openxmlformats.org/presentationml/2006/main">
+  <p:cSld>
+    <p:spTree>
+      <p:nvGrpSpPr>
+        <p:cNvPr id="1" name=""/>
+        <p:cNvGrpSpPr/>
+        <p:nvPr/>
+      </p:nvGrpSpPr>
+      <p:grpSpPr>
+        <a:xfrm>
+          <a:off x="0" y="0"/>
+          <a:ext cx="0" cy="0"/>
+          <a:chOff x="0" y="0"/>
+          <a:chExt cx="0" cy="0"/>
+        </a:xfrm>
+      </p:grpSpPr>
+      <p:sp>
+        <p:nvSpPr>
+          <p:cNvPr id="2" name="Title 1">
+            <a:extLst>
+              <a:ext uri="{FF2B5EF4-FFF2-40B4-BE49-F238E27FC236}">
+                <a16:creationId xmlns:a16="http://schemas.microsoft.com/office/drawing/2014/main" id="{3DCA3421-8CBD-87A7-7575-629E7D94B905}"/>
+              </a:ext>
+            </a:extLst>
+          </p:cNvPr>
+          <p:cNvSpPr>
+            <a:spLocks noGrp="1"/>
+          </p:cNvSpPr>
+          <p:nvPr>
+            <p:ph type="title"/>
+          </p:nvPr>
+        </p:nvSpPr>
+        <p:spPr/>
+        <p:txBody>
+          <a:bodyPr/>
+          <a:lstStyle/>
+          <a:p>
+            <a:r>
+              <a:rPr lang="en-GB" dirty="0"/>
+              <a:t>Data Cleaning</a:t>
+            </a:r>
+          </a:p>
+        </p:txBody>
+      </p:sp>
+      <p:sp>
+        <p:nvSpPr>
+          <p:cNvPr id="3" name="Content Placeholder 2">
+            <a:extLst>
+              <a:ext uri="{FF2B5EF4-FFF2-40B4-BE49-F238E27FC236}">
+                <a16:creationId xmlns:a16="http://schemas.microsoft.com/office/drawing/2014/main" id="{8533B0C3-25AB-B715-F368-2FB0E90CD96C}"/>
+              </a:ext>
+            </a:extLst>
+          </p:cNvPr>
+          <p:cNvSpPr>
+            <a:spLocks noGrp="1"/>
+          </p:cNvSpPr>
+          <p:nvPr>
+            <p:ph idx="1"/>
+          </p:nvPr>
+        </p:nvSpPr>
+        <p:spPr/>
+        <p:txBody>
+          <a:bodyPr/>
+          <a:lstStyle/>
+          <a:p>
+            <a:r>
+              <a:rPr lang="en-GB" dirty="0"/>
+              <a:t>Rows and features removed etc</a:t>
+            </a:r>
+          </a:p>
+        </p:txBody>
+      </p:sp>
+    </p:spTree>
+    <p:extLst>
+      <p:ext uri="{BB962C8B-B14F-4D97-AF65-F5344CB8AC3E}">
+        <p14:creationId xmlns:p14="http://schemas.microsoft.com/office/powerpoint/2010/main" val="2167829104"/>
+      </p:ext>
+    </p:extLst>
+  </p:cSld>
+  <p:clrMapOvr>
+    <a:masterClrMapping/>
+  </p:clrMapOvr>
+</p:sld>
+</file>
+
+<file path=ppt/slides/slide6.xml><?xml version="1.0" encoding="utf-8"?>
+<p:sld xmlns:a="http://schemas.openxmlformats.org/drawingml/2006/main" xmlns:r="http://schemas.openxmlformats.org/officeDocument/2006/relationships" xmlns:p="http://schemas.openxmlformats.org/presentationml/2006/main">
+  <p:cSld>
+    <p:spTree>
+      <p:nvGrpSpPr>
+        <p:cNvPr id="1" name=""/>
+        <p:cNvGrpSpPr/>
+        <p:nvPr/>
+      </p:nvGrpSpPr>
+      <p:grpSpPr>
+        <a:xfrm>
+          <a:off x="0" y="0"/>
+          <a:ext cx="0" cy="0"/>
+          <a:chOff x="0" y="0"/>
+          <a:chExt cx="0" cy="0"/>
+        </a:xfrm>
+      </p:grpSpPr>
+      <p:sp>
+        <p:nvSpPr>
+          <p:cNvPr id="2" name="Title 1">
+            <a:extLst>
+              <a:ext uri="{FF2B5EF4-FFF2-40B4-BE49-F238E27FC236}">
+                <a16:creationId xmlns:a16="http://schemas.microsoft.com/office/drawing/2014/main" id="{DB17C68B-B286-779C-CEE4-127AE66DA0AF}"/>
+              </a:ext>
+            </a:extLst>
+          </p:cNvPr>
+          <p:cNvSpPr>
+            <a:spLocks noGrp="1"/>
+          </p:cNvSpPr>
+          <p:nvPr>
+            <p:ph type="title"/>
+          </p:nvPr>
+        </p:nvSpPr>
+        <p:spPr/>
+        <p:txBody>
+          <a:bodyPr/>
+          <a:lstStyle/>
+          <a:p>
+            <a:r>
+              <a:rPr lang="en-GB" dirty="0"/>
+              <a:t>Anomaly Detection and Exploration</a:t>
+            </a:r>
+          </a:p>
+        </p:txBody>
+      </p:sp>
+      <p:sp>
+        <p:nvSpPr>
+          <p:cNvPr id="3" name="Content Placeholder 2">
+            <a:extLst>
+              <a:ext uri="{FF2B5EF4-FFF2-40B4-BE49-F238E27FC236}">
+                <a16:creationId xmlns:a16="http://schemas.microsoft.com/office/drawing/2014/main" id="{F7AFED31-AF3F-FABA-F179-B168ECB28512}"/>
+              </a:ext>
+            </a:extLst>
+          </p:cNvPr>
+          <p:cNvSpPr>
+            <a:spLocks noGrp="1"/>
+          </p:cNvSpPr>
+          <p:nvPr>
+            <p:ph idx="1"/>
+          </p:nvPr>
+        </p:nvSpPr>
+        <p:spPr/>
+        <p:txBody>
+          <a:bodyPr/>
+          <a:lstStyle/>
+          <a:p>
+            <a:endParaRPr lang="en-GB"/>
+          </a:p>
+        </p:txBody>
+      </p:sp>
+    </p:spTree>
+    <p:extLst>
+      <p:ext uri="{BB962C8B-B14F-4D97-AF65-F5344CB8AC3E}">
+        <p14:creationId xmlns:p14="http://schemas.microsoft.com/office/powerpoint/2010/main" val="240511733"/>
+      </p:ext>
+    </p:extLst>
+  </p:cSld>
+  <p:clrMapOvr>
+    <a:masterClrMapping/>
+  </p:clrMapOvr>
+</p:sld>
+</file>
+
+<file path=ppt/slides/slide7.xml><?xml version="1.0" encoding="utf-8"?>
+<p:sld xmlns:a="http://schemas.openxmlformats.org/drawingml/2006/main" xmlns:r="http://schemas.openxmlformats.org/officeDocument/2006/relationships" xmlns:p="http://schemas.openxmlformats.org/presentationml/2006/main">
+  <p:cSld>
+    <p:spTree>
+      <p:nvGrpSpPr>
+        <p:cNvPr id="1" name=""/>
+        <p:cNvGrpSpPr/>
+        <p:nvPr/>
+      </p:nvGrpSpPr>
+      <p:grpSpPr>
+        <a:xfrm>
+          <a:off x="0" y="0"/>
+          <a:ext cx="0" cy="0"/>
+          <a:chOff x="0" y="0"/>
+          <a:chExt cx="0" cy="0"/>
+        </a:xfrm>
+      </p:grpSpPr>
+      <p:sp>
+        <p:nvSpPr>
+          <p:cNvPr id="2" name="Title 1">
+            <a:extLst>
+              <a:ext uri="{FF2B5EF4-FFF2-40B4-BE49-F238E27FC236}">
+                <a16:creationId xmlns:a16="http://schemas.microsoft.com/office/drawing/2014/main" id="{BC20EAF6-0F93-CF36-C578-E2471BC3EC61}"/>
+              </a:ext>
+            </a:extLst>
+          </p:cNvPr>
+          <p:cNvSpPr>
+            <a:spLocks noGrp="1"/>
+          </p:cNvSpPr>
+          <p:nvPr>
+            <p:ph type="title"/>
+          </p:nvPr>
+        </p:nvSpPr>
+        <p:spPr/>
+        <p:txBody>
+          <a:bodyPr/>
+          <a:lstStyle/>
+          <a:p>
+            <a:r>
+              <a:rPr lang="en-GB" dirty="0"/>
+              <a:t>Exploratory Data Analysis</a:t>
+            </a:r>
+          </a:p>
+        </p:txBody>
+      </p:sp>
+      <p:sp>
+        <p:nvSpPr>
+          <p:cNvPr id="3" name="Content Placeholder 2">
+            <a:extLst>
+              <a:ext uri="{FF2B5EF4-FFF2-40B4-BE49-F238E27FC236}">
+                <a16:creationId xmlns:a16="http://schemas.microsoft.com/office/drawing/2014/main" id="{0BBBC297-3FC6-6B74-6717-0AABE0D62844}"/>
+              </a:ext>
+            </a:extLst>
+          </p:cNvPr>
+          <p:cNvSpPr>
+            <a:spLocks noGrp="1"/>
+          </p:cNvSpPr>
+          <p:nvPr>
+            <p:ph idx="1"/>
+          </p:nvPr>
+        </p:nvSpPr>
+        <p:spPr/>
+        <p:txBody>
+          <a:bodyPr/>
+          <a:lstStyle/>
+          <a:p>
+            <a:endParaRPr lang="en-GB"/>
+          </a:p>
+        </p:txBody>
+      </p:sp>
+    </p:spTree>
+    <p:extLst>
+      <p:ext uri="{BB962C8B-B14F-4D97-AF65-F5344CB8AC3E}">
+        <p14:creationId xmlns:p14="http://schemas.microsoft.com/office/powerpoint/2010/main" val="3272918983"/>
+      </p:ext>
+    </p:extLst>
+  </p:cSld>
+  <p:clrMapOvr>
+    <a:masterClrMapping/>
+  </p:clrMapOvr>
+</p:sld>
+</file>
+
+<file path=ppt/slides/slide8.xml><?xml version="1.0" encoding="utf-8"?>
+<p:sld xmlns:a="http://schemas.openxmlformats.org/drawingml/2006/main" xmlns:r="http://schemas.openxmlformats.org/officeDocument/2006/relationships" xmlns:p="http://schemas.openxmlformats.org/presentationml/2006/main">
+  <p:cSld>
+    <p:spTree>
+      <p:nvGrpSpPr>
+        <p:cNvPr id="1" name=""/>
+        <p:cNvGrpSpPr/>
+        <p:nvPr/>
+      </p:nvGrpSpPr>
+      <p:grpSpPr>
+        <a:xfrm>
+          <a:off x="0" y="0"/>
+          <a:ext cx="0" cy="0"/>
+          <a:chOff x="0" y="0"/>
+          <a:chExt cx="0" cy="0"/>
+        </a:xfrm>
+      </p:grpSpPr>
+      <p:sp>
+        <p:nvSpPr>
+          <p:cNvPr id="2" name="Title 1">
+            <a:extLst>
+              <a:ext uri="{FF2B5EF4-FFF2-40B4-BE49-F238E27FC236}">
+                <a16:creationId xmlns:a16="http://schemas.microsoft.com/office/drawing/2014/main" id="{105E85D7-7B23-13FB-0944-1DD510E95DE5}"/>
+              </a:ext>
+            </a:extLst>
+          </p:cNvPr>
+          <p:cNvSpPr>
+            <a:spLocks noGrp="1"/>
+          </p:cNvSpPr>
+          <p:nvPr>
+            <p:ph type="title"/>
+          </p:nvPr>
+        </p:nvSpPr>
+        <p:spPr/>
+        <p:txBody>
+          <a:bodyPr/>
+          <a:lstStyle/>
+          <a:p>
+            <a:r>
+              <a:rPr lang="en-GB" dirty="0"/>
+              <a:t>Correlation Analysis</a:t>
+            </a:r>
+          </a:p>
+        </p:txBody>
+      </p:sp>
+      <p:sp>
+        <p:nvSpPr>
+          <p:cNvPr id="3" name="Content Placeholder 2">
+            <a:extLst>
+              <a:ext uri="{FF2B5EF4-FFF2-40B4-BE49-F238E27FC236}">
+                <a16:creationId xmlns:a16="http://schemas.microsoft.com/office/drawing/2014/main" id="{5DCA3DF0-04CA-3E96-F3C9-AFFE4D6F3202}"/>
+              </a:ext>
+            </a:extLst>
+          </p:cNvPr>
+          <p:cNvSpPr>
+            <a:spLocks noGrp="1"/>
+          </p:cNvSpPr>
+          <p:nvPr>
+            <p:ph idx="1"/>
+          </p:nvPr>
+        </p:nvSpPr>
+        <p:spPr/>
+        <p:txBody>
+          <a:bodyPr/>
+          <a:lstStyle/>
+          <a:p>
+            <a:endParaRPr lang="en-GB"/>
+          </a:p>
+        </p:txBody>
+      </p:sp>
+    </p:spTree>
+    <p:extLst>
+      <p:ext uri="{BB962C8B-B14F-4D97-AF65-F5344CB8AC3E}">
+        <p14:creationId xmlns:p14="http://schemas.microsoft.com/office/powerpoint/2010/main" val="2934854598"/>
+      </p:ext>
+    </p:extLst>
+  </p:cSld>
+  <p:clrMapOvr>
+    <a:masterClrMapping/>
+  </p:clrMapOvr>
+</p:sld>
+</file>
+
+<file path=ppt/slides/slide9.xml><?xml version="1.0" encoding="utf-8"?>
+<p:sld xmlns:a="http://schemas.openxmlformats.org/drawingml/2006/main" xmlns:r="http://schemas.openxmlformats.org/officeDocument/2006/relationships" xmlns:p="http://schemas.openxmlformats.org/presentationml/2006/main">
+  <p:cSld>
+    <p:spTree>
+      <p:nvGrpSpPr>
+        <p:cNvPr id="1" name=""/>
+        <p:cNvGrpSpPr/>
+        <p:nvPr/>
+      </p:nvGrpSpPr>
+      <p:grpSpPr>
+        <a:xfrm>
+          <a:off x="0" y="0"/>
+          <a:ext cx="0" cy="0"/>
+          <a:chOff x="0" y="0"/>
+          <a:chExt cx="0" cy="0"/>
+        </a:xfrm>
+      </p:grpSpPr>
+      <p:sp>
+        <p:nvSpPr>
+          <p:cNvPr id="2" name="Title 1">
+            <a:extLst>
+              <a:ext uri="{FF2B5EF4-FFF2-40B4-BE49-F238E27FC236}">
+                <a16:creationId xmlns:a16="http://schemas.microsoft.com/office/drawing/2014/main" id="{2C0BD17C-A0EF-0754-21CE-4D41F0A269B4}"/>
+              </a:ext>
+            </a:extLst>
+          </p:cNvPr>
+          <p:cNvSpPr>
+            <a:spLocks noGrp="1"/>
+          </p:cNvSpPr>
+          <p:nvPr>
+            <p:ph type="title"/>
+          </p:nvPr>
+        </p:nvSpPr>
+        <p:spPr/>
+        <p:txBody>
+          <a:bodyPr/>
+          <a:lstStyle/>
+          <a:p>
+            <a:r>
+              <a:rPr lang="en-GB" dirty="0"/>
+              <a:t>Choice of Features / Outcome</a:t>
+            </a:r>
+          </a:p>
+        </p:txBody>
+      </p:sp>
+      <p:sp>
+        <p:nvSpPr>
+          <p:cNvPr id="3" name="Content Placeholder 2">
+            <a:extLst>
+              <a:ext uri="{FF2B5EF4-FFF2-40B4-BE49-F238E27FC236}">
+                <a16:creationId xmlns:a16="http://schemas.microsoft.com/office/drawing/2014/main" id="{4D851A63-D22C-F14D-3630-C22B37F0654F}"/>
+              </a:ext>
+            </a:extLst>
+          </p:cNvPr>
+          <p:cNvSpPr>
+            <a:spLocks noGrp="1"/>
+          </p:cNvSpPr>
+          <p:nvPr>
+            <p:ph idx="1"/>
+          </p:nvPr>
+        </p:nvSpPr>
+        <p:spPr/>
+        <p:txBody>
+          <a:bodyPr/>
+          <a:lstStyle/>
+          <a:p>
+            <a:endParaRPr lang="en-GB"/>
+          </a:p>
+        </p:txBody>
+      </p:sp>
+    </p:spTree>
+    <p:extLst>
+      <p:ext uri="{BB962C8B-B14F-4D97-AF65-F5344CB8AC3E}">
+        <p14:creationId xmlns:p14="http://schemas.microsoft.com/office/powerpoint/2010/main" val="4213246838"/>
       </p:ext>
     </p:extLst>
   </p:cSld>
@@ -3385,150 +5900,56 @@
 </file>
 
 <file path=ppt/theme/theme1.xml><?xml version="1.0" encoding="utf-8"?>
-<a:theme xmlns:a="http://schemas.openxmlformats.org/drawingml/2006/main" name="Office Theme">
+<a:theme xmlns:a="http://schemas.openxmlformats.org/drawingml/2006/main" name="GestaltVTI">
   <a:themeElements>
-    <a:clrScheme name="Office">
+    <a:clrScheme name="Gestalt">
       <a:dk1>
-        <a:sysClr val="windowText" lastClr="000000"/>
+        <a:srgbClr val="000000"/>
       </a:dk1>
       <a:lt1>
         <a:sysClr val="window" lastClr="FFFFFF"/>
       </a:lt1>
       <a:dk2>
-        <a:srgbClr val="0E2841"/>
+        <a:srgbClr val="262626"/>
       </a:dk2>
       <a:lt2>
-        <a:srgbClr val="E8E8E8"/>
+        <a:srgbClr val="F7F7F7"/>
       </a:lt2>
       <a:accent1>
-        <a:srgbClr val="156082"/>
+        <a:srgbClr val="EBA000"/>
       </a:accent1>
       <a:accent2>
-        <a:srgbClr val="E97132"/>
+        <a:srgbClr val="00BAC8"/>
       </a:accent2>
       <a:accent3>
-        <a:srgbClr val="196B24"/>
+        <a:srgbClr val="E64823"/>
       </a:accent3>
       <a:accent4>
-        <a:srgbClr val="0F9ED5"/>
+        <a:srgbClr val="4D5AFF"/>
       </a:accent4>
       <a:accent5>
-        <a:srgbClr val="A02B93"/>
+        <a:srgbClr val="FE5D21"/>
       </a:accent5>
       <a:accent6>
-        <a:srgbClr val="4EA72E"/>
+        <a:srgbClr val="00C777"/>
       </a:accent6>
       <a:hlink>
-        <a:srgbClr val="467886"/>
+        <a:srgbClr val="2998E3"/>
       </a:hlink>
       <a:folHlink>
-        <a:srgbClr val="96607D"/>
+        <a:srgbClr val="939393"/>
       </a:folHlink>
     </a:clrScheme>
-    <a:fontScheme name="Office">
+    <a:fontScheme name="Gestalt">
       <a:majorFont>
-        <a:latin typeface="Aptos Display" panose="02110004020202020204"/>
+        <a:latin typeface="Bierstadt"/>
         <a:ea typeface=""/>
         <a:cs typeface=""/>
-        <a:font script="Jpan" typeface="游ゴシック Light"/>
-        <a:font script="Hang" typeface="맑은 고딕"/>
-        <a:font script="Hans" typeface="等线 Light"/>
-        <a:font script="Hant" typeface="新細明體"/>
-        <a:font script="Arab" typeface="Times New Roman"/>
-        <a:font script="Hebr" typeface="Times New Roman"/>
-        <a:font script="Thai" typeface="Angsana New"/>
-        <a:font script="Ethi" typeface="Nyala"/>
-        <a:font script="Beng" typeface="Vrinda"/>
-        <a:font script="Gujr" typeface="Shruti"/>
-        <a:font script="Khmr" typeface="MoolBoran"/>
-        <a:font script="Knda" typeface="Tunga"/>
-        <a:font script="Guru" typeface="Raavi"/>
-        <a:font script="Cans" typeface="Euphemia"/>
-        <a:font script="Cher" typeface="Plantagenet Cherokee"/>
-        <a:font script="Yiii" typeface="Microsoft Yi Baiti"/>
-        <a:font script="Tibt" typeface="Microsoft Himalaya"/>
-        <a:font script="Thaa" typeface="MV Boli"/>
-        <a:font script="Deva" typeface="Mangal"/>
-        <a:font script="Telu" typeface="Gautami"/>
-        <a:font script="Taml" typeface="Latha"/>
-        <a:font script="Syrc" typeface="Estrangelo Edessa"/>
-        <a:font script="Orya" typeface="Kalinga"/>
-        <a:font script="Mlym" typeface="Kartika"/>
-        <a:font script="Laoo" typeface="DokChampa"/>
-        <a:font script="Sinh" typeface="Iskoola Pota"/>
-        <a:font script="Mong" typeface="Mongolian Baiti"/>
-        <a:font script="Viet" typeface="Times New Roman"/>
-        <a:font script="Uigh" typeface="Microsoft Uighur"/>
-        <a:font script="Geor" typeface="Sylfaen"/>
-        <a:font script="Armn" typeface="Arial"/>
-        <a:font script="Bugi" typeface="Leelawadee UI"/>
-        <a:font script="Bopo" typeface="Microsoft JhengHei"/>
-        <a:font script="Java" typeface="Javanese Text"/>
-        <a:font script="Lisu" typeface="Segoe UI"/>
-        <a:font script="Mymr" typeface="Myanmar Text"/>
-        <a:font script="Nkoo" typeface="Ebrima"/>
-        <a:font script="Olck" typeface="Nirmala UI"/>
-        <a:font script="Osma" typeface="Ebrima"/>
-        <a:font script="Phag" typeface="Phagspa"/>
-        <a:font script="Syrn" typeface="Estrangelo Edessa"/>
-        <a:font script="Syrj" typeface="Estrangelo Edessa"/>
-        <a:font script="Syre" typeface="Estrangelo Edessa"/>
-        <a:font script="Sora" typeface="Nirmala UI"/>
-        <a:font script="Tale" typeface="Microsoft Tai Le"/>
-        <a:font script="Talu" typeface="Microsoft New Tai Lue"/>
-        <a:font script="Tfng" typeface="Ebrima"/>
       </a:majorFont>
       <a:minorFont>
-        <a:latin typeface="Aptos" panose="02110004020202020204"/>
+        <a:latin typeface="Bierstadt"/>
         <a:ea typeface=""/>
         <a:cs typeface=""/>
-        <a:font script="Jpan" typeface="游ゴシック"/>
-        <a:font script="Hang" typeface="맑은 고딕"/>
-        <a:font script="Hans" typeface="等线"/>
-        <a:font script="Hant" typeface="新細明體"/>
-        <a:font script="Arab" typeface="Arial"/>
-        <a:font script="Hebr" typeface="Arial"/>
-        <a:font script="Thai" typeface="Cordia New"/>
-        <a:font script="Ethi" typeface="Nyala"/>
-        <a:font script="Beng" typeface="Vrinda"/>
-        <a:font script="Gujr" typeface="Shruti"/>
-        <a:font script="Khmr" typeface="DaunPenh"/>
-        <a:font script="Knda" typeface="Tunga"/>
-        <a:font script="Guru" typeface="Raavi"/>
-        <a:font script="Cans" typeface="Euphemia"/>
-        <a:font script="Cher" typeface="Plantagenet Cherokee"/>
-        <a:font script="Yiii" typeface="Microsoft Yi Baiti"/>
-        <a:font script="Tibt" typeface="Microsoft Himalaya"/>
-        <a:font script="Thaa" typeface="MV Boli"/>
-        <a:font script="Deva" typeface="Mangal"/>
-        <a:font script="Telu" typeface="Gautami"/>
-        <a:font script="Taml" typeface="Latha"/>
-        <a:font script="Syrc" typeface="Estrangelo Edessa"/>
-        <a:font script="Orya" typeface="Kalinga"/>
-        <a:font script="Mlym" typeface="Kartika"/>
-        <a:font script="Laoo" typeface="DokChampa"/>
-        <a:font script="Sinh" typeface="Iskoola Pota"/>
-        <a:font script="Mong" typeface="Mongolian Baiti"/>
-        <a:font script="Viet" typeface="Arial"/>
-        <a:font script="Uigh" typeface="Microsoft Uighur"/>
-        <a:font script="Geor" typeface="Sylfaen"/>
-        <a:font script="Armn" typeface="Arial"/>
-        <a:font script="Bugi" typeface="Leelawadee UI"/>
-        <a:font script="Bopo" typeface="Microsoft JhengHei"/>
-        <a:font script="Java" typeface="Javanese Text"/>
-        <a:font script="Lisu" typeface="Segoe UI"/>
-        <a:font script="Mymr" typeface="Myanmar Text"/>
-        <a:font script="Nkoo" typeface="Ebrima"/>
-        <a:font script="Olck" typeface="Nirmala UI"/>
-        <a:font script="Osma" typeface="Ebrima"/>
-        <a:font script="Phag" typeface="Phagspa"/>
-        <a:font script="Syrn" typeface="Estrangelo Edessa"/>
-        <a:font script="Syrj" typeface="Estrangelo Edessa"/>
-        <a:font script="Syre" typeface="Estrangelo Edessa"/>
-        <a:font script="Sora" typeface="Nirmala UI"/>
-        <a:font script="Tale" typeface="Microsoft Tai Le"/>
-        <a:font script="Talu" typeface="Microsoft New Tai Lue"/>
-        <a:font script="Tfng" typeface="Ebrima"/>
       </a:minorFont>
     </a:fontScheme>
     <a:fmtScheme name="Office">
@@ -3693,7 +6114,7 @@
   <a:extraClrSchemeLst/>
   <a:extLst>
     <a:ext uri="{05A4C25C-085E-4340-85A3-A5531E510DB2}">
-      <thm15:themeFamily xmlns:thm15="http://schemas.microsoft.com/office/thememl/2012/main" name="Office Theme" id="{2E142A2C-CD16-42D6-873A-C26D2A0506FA}" vid="{1BDDFF52-6CD6-40A5-AB3C-68EB2F1E4D0A}"/>
+      <thm15:themeFamily xmlns:thm15="http://schemas.microsoft.com/office/thememl/2012/main" name="GestaltVTI" id="{4F87C71D-53D1-4B71-BF97-FD0EA4B25665}" vid="{A110AFC4-8D8A-4C02-8885-7BA370B379B5}"/>
     </a:ext>
   </a:extLst>
 </a:theme>

--- a/ProjectPres.pptx
+++ b/ProjectPres.pptx
@@ -174,7 +174,7 @@
         <p:txBody>
           <a:bodyPr/>
           <a:p>
-            <a:fld id="{B5915918-CA11-4E9D-A0FD-888477DCDBCC}" type="slidenum">
+            <a:fld id="{F7CD185B-D2B1-4F8B-8E64-6D9AD04F59E1}" type="slidenum">
               <a:t>&lt;#&gt;</a:t>
             </a:fld>
           </a:p>
@@ -257,7 +257,7 @@
         <p:txBody>
           <a:bodyPr/>
           <a:p>
-            <a:fld id="{23176E29-48A0-453E-9BF4-3A89C87B05FB}" type="slidenum">
+            <a:fld id="{7CC31141-D1E4-4ECA-9FEC-F1E16600D918}" type="slidenum">
               <a:t>&lt;#&gt;</a:t>
             </a:fld>
           </a:p>
@@ -340,7 +340,7 @@
         <p:txBody>
           <a:bodyPr/>
           <a:p>
-            <a:fld id="{6166D28C-5216-415C-ABAB-79FE801659A5}" type="slidenum">
+            <a:fld id="{06979AA3-EC75-4AD3-AF1D-A299F8FED0F0}" type="slidenum">
               <a:t>&lt;#&gt;</a:t>
             </a:fld>
           </a:p>
@@ -423,7 +423,7 @@
         <p:txBody>
           <a:bodyPr/>
           <a:p>
-            <a:fld id="{59D8EBCB-0E03-4185-9A2C-E53F513E40AF}" type="slidenum">
+            <a:fld id="{2AE10566-F74A-4A2B-9A87-25B44F0F7B0D}" type="slidenum">
               <a:t>&lt;#&gt;</a:t>
             </a:fld>
           </a:p>
@@ -506,7 +506,7 @@
         <p:txBody>
           <a:bodyPr/>
           <a:p>
-            <a:fld id="{656E2FEA-A008-46F4-8F03-2D806C4FE0B2}" type="slidenum">
+            <a:fld id="{4184D6D1-443E-4BCF-8B5F-5E34410558F8}" type="slidenum">
               <a:t>&lt;#&gt;</a:t>
             </a:fld>
           </a:p>
@@ -675,7 +675,7 @@
         <p:txBody>
           <a:bodyPr/>
           <a:p>
-            <a:fld id="{7055BC59-84A1-40A5-ABA4-3D7C3605C6F8}" type="slidenum">
+            <a:fld id="{E52ECA7F-8F12-48B8-911F-9122CFB20CC5}" type="slidenum">
               <a:t>&lt;#&gt;</a:t>
             </a:fld>
           </a:p>
@@ -758,7 +758,7 @@
         <p:txBody>
           <a:bodyPr/>
           <a:p>
-            <a:fld id="{F2A38F27-BE3C-4C32-AE9C-1819BC7E6C76}" type="slidenum">
+            <a:fld id="{7A36DA81-1A70-47F4-B71A-44C909136FC2}" type="slidenum">
               <a:t>&lt;#&gt;</a:t>
             </a:fld>
           </a:p>
@@ -973,7 +973,7 @@
         <p:txBody>
           <a:bodyPr/>
           <a:p>
-            <a:fld id="{D8125E48-CFDE-4F5C-A138-297FE0CF21C4}" type="slidenum">
+            <a:fld id="{90D9DA43-4423-4F0E-ABD1-C4213E6C5590}" type="slidenum">
               <a:t>&lt;#&gt;</a:t>
             </a:fld>
           </a:p>
@@ -1056,7 +1056,7 @@
         <p:txBody>
           <a:bodyPr/>
           <a:p>
-            <a:fld id="{0A84B719-7B7B-4B95-8E81-5DCA025AFB2B}" type="slidenum">
+            <a:fld id="{E68C66E3-D00E-4D11-8A76-D8990BD450A8}" type="slidenum">
               <a:t>&lt;#&gt;</a:t>
             </a:fld>
           </a:p>
@@ -1179,7 +1179,7 @@
         <p:txBody>
           <a:bodyPr/>
           <a:p>
-            <a:fld id="{319860DC-2718-422F-9D37-425242799A4A}" type="slidenum">
+            <a:fld id="{7359076A-2568-4106-956E-EAE163557A71}" type="slidenum">
               <a:t>&lt;#&gt;</a:t>
             </a:fld>
           </a:p>
@@ -1262,7 +1262,7 @@
         <p:txBody>
           <a:bodyPr/>
           <a:p>
-            <a:fld id="{B41EE9FB-A831-4581-BD1A-16155E88805B}" type="slidenum">
+            <a:fld id="{80B7E389-9D92-4FCA-A1AE-4715868549BE}" type="slidenum">
               <a:t>&lt;#&gt;</a:t>
             </a:fld>
           </a:p>
@@ -1726,7 +1726,7 @@
               </a:lnSpc>
               <a:buNone/>
             </a:pPr>
-            <a:fld id="{E5234CF8-4459-409D-9EB7-550A003C0D42}" type="slidenum">
+            <a:fld id="{F198B9A4-F58F-493D-A5D0-1D5E5CE4B0E1}" type="slidenum">
               <a:rPr b="0" lang="en-US" sz="900" spc="-1" strike="noStrike">
                 <a:solidFill>
                   <a:schemeClr val="dk1"/>
@@ -2571,7 +2571,7 @@
               </a:lnSpc>
               <a:buNone/>
             </a:pPr>
-            <a:fld id="{603F2FCB-FCA0-4309-A601-65DA9C879A87}" type="slidenum">
+            <a:fld id="{CF3DFEAF-061C-4317-A0B6-D219A809EACC}" type="slidenum">
               <a:rPr b="0" lang="en-US" sz="900" spc="-1" strike="noStrike">
                 <a:solidFill>
                   <a:schemeClr val="dk1"/>
@@ -3237,7 +3237,7 @@
               </a:lnSpc>
               <a:buNone/>
             </a:pPr>
-            <a:fld id="{26221C1B-9977-4DB5-B16B-B349A13E1F3D}" type="slidenum">
+            <a:fld id="{2F938B7C-0475-4BF1-AAE9-1718C940297C}" type="slidenum">
               <a:rPr b="0" lang="en-US" sz="900" spc="-1" strike="noStrike">
                 <a:solidFill>
                   <a:schemeClr val="dk1"/>
@@ -3778,7 +3778,7 @@
               </a:lnSpc>
               <a:buNone/>
             </a:pPr>
-            <a:fld id="{F2A40274-EB4E-4ECF-A1DD-954F4D17C879}" type="slidenum">
+            <a:fld id="{48FC6779-5CBC-4C70-B8FE-3227C6EB084D}" type="slidenum">
               <a:rPr b="0" lang="en-US" sz="900" spc="-1" strike="noStrike">
                 <a:solidFill>
                   <a:schemeClr val="dk1"/>
@@ -4319,7 +4319,7 @@
               </a:lnSpc>
               <a:buNone/>
             </a:pPr>
-            <a:fld id="{0E6AD5F4-BAD4-4976-8DA4-6928AA5537AF}" type="slidenum">
+            <a:fld id="{D0E4FA14-B9FB-4DC6-823C-491CDD24A803}" type="slidenum">
               <a:rPr b="0" lang="en-US" sz="900" spc="-1" strike="noStrike">
                 <a:solidFill>
                   <a:schemeClr val="dk1"/>
@@ -4914,7 +4914,7 @@
               </a:lnSpc>
               <a:buNone/>
             </a:pPr>
-            <a:fld id="{25BE4503-D4A2-4136-A1B1-C7A4C0BF9286}" type="slidenum">
+            <a:fld id="{EBDE824A-FC5E-4DF3-AEDC-0BC28A1A609D}" type="slidenum">
               <a:rPr b="0" lang="en-US" sz="900" spc="-1" strike="noStrike">
                 <a:solidFill>
                   <a:schemeClr val="dk1"/>
@@ -5336,7 +5336,7 @@
               </a:lnSpc>
               <a:buNone/>
             </a:pPr>
-            <a:fld id="{0AC5E30D-4214-4177-B12A-64421B2E7B83}" type="slidenum">
+            <a:fld id="{5292BBBD-E0B1-4172-A422-BD3C5517DD7B}" type="slidenum">
               <a:rPr b="0" lang="en-US" sz="900" spc="-1" strike="noStrike">
                 <a:solidFill>
                   <a:schemeClr val="dk1"/>
@@ -6110,7 +6110,7 @@
               </a:lnSpc>
               <a:buNone/>
             </a:pPr>
-            <a:fld id="{D9E371BA-2D75-401B-A5BF-DFAAC6DCD8CE}" type="slidenum">
+            <a:fld id="{6D2D165F-5B9E-4D4C-84EE-68DA6CFC38E9}" type="slidenum">
               <a:rPr b="0" lang="en-US" sz="900" spc="-1" strike="noStrike">
                 <a:solidFill>
                   <a:schemeClr val="dk1"/>
@@ -6946,7 +6946,7 @@
               </a:lnSpc>
               <a:buNone/>
             </a:pPr>
-            <a:fld id="{26F56657-3478-4376-9518-9CA08D5633D4}" type="slidenum">
+            <a:fld id="{DC66BDFF-5529-4205-86C5-CC547FC47311}" type="slidenum">
               <a:rPr b="0" lang="en-US" sz="900" spc="-1" strike="noStrike">
                 <a:solidFill>
                   <a:schemeClr val="dk1"/>
@@ -7308,7 +7308,7 @@
               </a:lnSpc>
               <a:buNone/>
             </a:pPr>
-            <a:fld id="{3C29E575-248B-42A5-BE29-7B2F2C66FF63}" type="slidenum">
+            <a:fld id="{132B20CD-1FD3-44EE-ABCC-1719A81A1C1F}" type="slidenum">
               <a:rPr b="0" lang="en-US" sz="900" spc="-1" strike="noStrike">
                 <a:solidFill>
                   <a:schemeClr val="dk1"/>
@@ -7618,7 +7618,7 @@
               </a:lnSpc>
               <a:buNone/>
             </a:pPr>
-            <a:fld id="{F3C9A708-6D95-44AE-8240-BB74C47CCD6E}" type="slidenum">
+            <a:fld id="{60474758-C2B6-4399-9958-9468C0A833AB}" type="slidenum">
               <a:rPr b="0" lang="en-US" sz="900" spc="-1" strike="noStrike">
                 <a:solidFill>
                   <a:schemeClr val="dk1"/>
@@ -10521,6 +10521,52 @@
           </a:p>
         </p:txBody>
       </p:sp>
+      <p:pic>
+        <p:nvPicPr>
+          <p:cNvPr id="148" name="" descr=""/>
+          <p:cNvPicPr/>
+          <p:nvPr/>
+        </p:nvPicPr>
+        <p:blipFill>
+          <a:blip r:embed="rId1"/>
+          <a:stretch/>
+        </p:blipFill>
+        <p:spPr>
+          <a:xfrm>
+            <a:off x="712080" y="1645200"/>
+            <a:ext cx="6667920" cy="4114800"/>
+          </a:xfrm>
+          <a:prstGeom prst="rect">
+            <a:avLst/>
+          </a:prstGeom>
+          <a:ln w="0">
+            <a:noFill/>
+          </a:ln>
+        </p:spPr>
+      </p:pic>
+      <p:pic>
+        <p:nvPicPr>
+          <p:cNvPr id="149" name="" descr=""/>
+          <p:cNvPicPr/>
+          <p:nvPr/>
+        </p:nvPicPr>
+        <p:blipFill>
+          <a:blip r:embed="rId2"/>
+          <a:stretch/>
+        </p:blipFill>
+        <p:spPr>
+          <a:xfrm>
+            <a:off x="3780000" y="1980000"/>
+            <a:ext cx="6667920" cy="4114800"/>
+          </a:xfrm>
+          <a:prstGeom prst="rect">
+            <a:avLst/>
+          </a:prstGeom>
+          <a:ln w="0">
+            <a:noFill/>
+          </a:ln>
+        </p:spPr>
+      </p:pic>
     </p:spTree>
   </p:cSld>
   <mc:AlternateContent>
@@ -10553,7 +10599,7 @@
       </p:grpSpPr>
       <p:sp>
         <p:nvSpPr>
-          <p:cNvPr id="148" name="PlaceHolder 1"/>
+          <p:cNvPr id="150" name="PlaceHolder 1"/>
           <p:cNvSpPr>
             <a:spLocks noGrp="1"/>
           </p:cNvSpPr>
@@ -10593,7 +10639,7 @@
       </p:sp>
       <p:sp>
         <p:nvSpPr>
-          <p:cNvPr id="149" name="PlaceHolder 2"/>
+          <p:cNvPr id="151" name="PlaceHolder 2"/>
           <p:cNvSpPr>
             <a:spLocks noGrp="1"/>
           </p:cNvSpPr>
@@ -10669,7 +10715,7 @@
       </p:grpSpPr>
       <p:sp>
         <p:nvSpPr>
-          <p:cNvPr id="150" name="PlaceHolder 1"/>
+          <p:cNvPr id="152" name="PlaceHolder 1"/>
           <p:cNvSpPr>
             <a:spLocks noGrp="1"/>
           </p:cNvSpPr>
@@ -10709,7 +10755,7 @@
       </p:sp>
       <p:sp>
         <p:nvSpPr>
-          <p:cNvPr id="151" name="PlaceHolder 2"/>
+          <p:cNvPr id="153" name="PlaceHolder 2"/>
           <p:cNvSpPr>
             <a:spLocks noGrp="1"/>
           </p:cNvSpPr>
@@ -10930,7 +10976,25 @@
                 </a:solidFill>
                 <a:latin typeface="Bierstadt"/>
               </a:rPr>
-              <a:t>The datasets we chose represent data from the WHO, found on Kaggle at “World Health Statistics 2020|Complete|Geo-Analysis”  (https://www.kaggle.com/datasets/utkarshxy/who-worldhealth-statistics-2020-complete).</a:t>
+              <a:t>The datasets we chose represent data from the WHO, found on Kaggle at “World Health Statistics </a:t>
+            </a:r>
+            <a:r>
+              <a:rPr b="0" lang="en-GB" sz="1800" spc="-1" strike="noStrike">
+                <a:solidFill>
+                  <a:schemeClr val="dk1"/>
+                </a:solidFill>
+                <a:latin typeface="Bierstadt"/>
+              </a:rPr>
+              <a:t>2020|Complete|Geo-Analysis”  (https://www.kaggle.com/datasets/utkarshxy/who-worldhealth-</a:t>
+            </a:r>
+            <a:r>
+              <a:rPr b="0" lang="en-GB" sz="1800" spc="-1" strike="noStrike">
+                <a:solidFill>
+                  <a:schemeClr val="dk1"/>
+                </a:solidFill>
+                <a:latin typeface="Bierstadt"/>
+              </a:rPr>
+              <a:t>statistics-2020-complete).</a:t>
             </a:r>
             <a:endParaRPr b="0" lang="en-CH" sz="1800" spc="-1" strike="noStrike">
               <a:solidFill>
@@ -10960,7 +11024,34 @@
                 </a:solidFill>
                 <a:latin typeface="Bierstadt"/>
               </a:rPr>
-              <a:t>The data we chose is separated into many different files, each of which only contains only one or two different features describing the state of the world, divided by country and by year. To use data like this, we need to determine which are the most relevant features for our research questions and how to evaluate them.</a:t>
+              <a:t>The data we chose is separated into many different files, each of which only contains only one or </a:t>
+            </a:r>
+            <a:r>
+              <a:rPr b="0" lang="en-GB" sz="1800" spc="-1" strike="noStrike">
+                <a:solidFill>
+                  <a:schemeClr val="dk1"/>
+                </a:solidFill>
+                <a:latin typeface="Bierstadt"/>
+              </a:rPr>
+              <a:t>two different features describing the state of the world, divided by country and by year. To use data </a:t>
+            </a:r>
+            <a:r>
+              <a:rPr b="0" lang="en-GB" sz="1800" spc="-1" strike="noStrike">
+                <a:solidFill>
+                  <a:schemeClr val="dk1"/>
+                </a:solidFill>
+                <a:latin typeface="Bierstadt"/>
+              </a:rPr>
+              <a:t>like this, we need to determine which are the most relevant features for our research questions and </a:t>
+            </a:r>
+            <a:r>
+              <a:rPr b="0" lang="en-GB" sz="1800" spc="-1" strike="noStrike">
+                <a:solidFill>
+                  <a:schemeClr val="dk1"/>
+                </a:solidFill>
+                <a:latin typeface="Bierstadt"/>
+              </a:rPr>
+              <a:t>how to evaluate them.</a:t>
             </a:r>
             <a:endParaRPr b="0" lang="en-CH" sz="1800" spc="-1" strike="noStrike">
               <a:solidFill>

--- a/ProjectPres.pptx
+++ b/ProjectPres.pptx
@@ -174,7 +174,7 @@
         <p:txBody>
           <a:bodyPr/>
           <a:p>
-            <a:fld id="{F7CD185B-D2B1-4F8B-8E64-6D9AD04F59E1}" type="slidenum">
+            <a:fld id="{5C80D491-8B48-49C2-AAC3-1C40E0FA4740}" type="slidenum">
               <a:t>&lt;#&gt;</a:t>
             </a:fld>
           </a:p>
@@ -257,7 +257,7 @@
         <p:txBody>
           <a:bodyPr/>
           <a:p>
-            <a:fld id="{7CC31141-D1E4-4ECA-9FEC-F1E16600D918}" type="slidenum">
+            <a:fld id="{DFAE53DE-91EE-4C8B-A001-4092EC0903CC}" type="slidenum">
               <a:t>&lt;#&gt;</a:t>
             </a:fld>
           </a:p>
@@ -340,7 +340,7 @@
         <p:txBody>
           <a:bodyPr/>
           <a:p>
-            <a:fld id="{06979AA3-EC75-4AD3-AF1D-A299F8FED0F0}" type="slidenum">
+            <a:fld id="{16D2A295-E7C9-43CF-A088-B8A683B0C991}" type="slidenum">
               <a:t>&lt;#&gt;</a:t>
             </a:fld>
           </a:p>
@@ -423,7 +423,7 @@
         <p:txBody>
           <a:bodyPr/>
           <a:p>
-            <a:fld id="{2AE10566-F74A-4A2B-9A87-25B44F0F7B0D}" type="slidenum">
+            <a:fld id="{E36F9822-8D04-42F8-A1DE-6A5EC74F314D}" type="slidenum">
               <a:t>&lt;#&gt;</a:t>
             </a:fld>
           </a:p>
@@ -506,7 +506,7 @@
         <p:txBody>
           <a:bodyPr/>
           <a:p>
-            <a:fld id="{4184D6D1-443E-4BCF-8B5F-5E34410558F8}" type="slidenum">
+            <a:fld id="{0EAC9610-1A93-49DA-AAC3-125D84C456C5}" type="slidenum">
               <a:t>&lt;#&gt;</a:t>
             </a:fld>
           </a:p>
@@ -675,7 +675,7 @@
         <p:txBody>
           <a:bodyPr/>
           <a:p>
-            <a:fld id="{E52ECA7F-8F12-48B8-911F-9122CFB20CC5}" type="slidenum">
+            <a:fld id="{7BA7B31D-3561-42F7-B4AA-C2F83B2B47A8}" type="slidenum">
               <a:t>&lt;#&gt;</a:t>
             </a:fld>
           </a:p>
@@ -758,7 +758,7 @@
         <p:txBody>
           <a:bodyPr/>
           <a:p>
-            <a:fld id="{7A36DA81-1A70-47F4-B71A-44C909136FC2}" type="slidenum">
+            <a:fld id="{7E0572C5-6F43-4A75-B0F4-CD71C692C254}" type="slidenum">
               <a:t>&lt;#&gt;</a:t>
             </a:fld>
           </a:p>
@@ -973,7 +973,7 @@
         <p:txBody>
           <a:bodyPr/>
           <a:p>
-            <a:fld id="{90D9DA43-4423-4F0E-ABD1-C4213E6C5590}" type="slidenum">
+            <a:fld id="{A64E11BD-04D5-47AA-A047-9CA044D4495C}" type="slidenum">
               <a:t>&lt;#&gt;</a:t>
             </a:fld>
           </a:p>
@@ -1056,7 +1056,7 @@
         <p:txBody>
           <a:bodyPr/>
           <a:p>
-            <a:fld id="{E68C66E3-D00E-4D11-8A76-D8990BD450A8}" type="slidenum">
+            <a:fld id="{620EEB1E-E6D0-48C6-88F4-F2EBC145A50D}" type="slidenum">
               <a:t>&lt;#&gt;</a:t>
             </a:fld>
           </a:p>
@@ -1179,7 +1179,7 @@
         <p:txBody>
           <a:bodyPr/>
           <a:p>
-            <a:fld id="{7359076A-2568-4106-956E-EAE163557A71}" type="slidenum">
+            <a:fld id="{CD4AB297-5636-440F-AEE8-3B26050B5893}" type="slidenum">
               <a:t>&lt;#&gt;</a:t>
             </a:fld>
           </a:p>
@@ -1262,7 +1262,7 @@
         <p:txBody>
           <a:bodyPr/>
           <a:p>
-            <a:fld id="{80B7E389-9D92-4FCA-A1AE-4715868549BE}" type="slidenum">
+            <a:fld id="{0D3ECDE7-898C-4154-ACB9-28601E3EE55F}" type="slidenum">
               <a:t>&lt;#&gt;</a:t>
             </a:fld>
           </a:p>
@@ -1726,7 +1726,7 @@
               </a:lnSpc>
               <a:buNone/>
             </a:pPr>
-            <a:fld id="{F198B9A4-F58F-493D-A5D0-1D5E5CE4B0E1}" type="slidenum">
+            <a:fld id="{05443457-5688-4275-9183-5FB4277EE0B0}" type="slidenum">
               <a:rPr b="0" lang="en-US" sz="900" spc="-1" strike="noStrike">
                 <a:solidFill>
                   <a:schemeClr val="dk1"/>
@@ -2571,7 +2571,7 @@
               </a:lnSpc>
               <a:buNone/>
             </a:pPr>
-            <a:fld id="{CF3DFEAF-061C-4317-A0B6-D219A809EACC}" type="slidenum">
+            <a:fld id="{C9E03C5A-58C3-4100-A353-4908042F1FBB}" type="slidenum">
               <a:rPr b="0" lang="en-US" sz="900" spc="-1" strike="noStrike">
                 <a:solidFill>
                   <a:schemeClr val="dk1"/>
@@ -3237,7 +3237,7 @@
               </a:lnSpc>
               <a:buNone/>
             </a:pPr>
-            <a:fld id="{2F938B7C-0475-4BF1-AAE9-1718C940297C}" type="slidenum">
+            <a:fld id="{9A268E25-42B8-4B7A-9E9C-53845C24F71E}" type="slidenum">
               <a:rPr b="0" lang="en-US" sz="900" spc="-1" strike="noStrike">
                 <a:solidFill>
                   <a:schemeClr val="dk1"/>
@@ -3473,7 +3473,286 @@
                 </a:solidFill>
                 <a:latin typeface="Bierstadt"/>
               </a:rPr>
-              <a:t>Click to edit Master text styles</a:t>
+              <a:t>C</a:t>
+            </a:r>
+            <a:r>
+              <a:rPr b="0" lang="en-US" sz="1800" spc="-1" strike="noStrike">
+                <a:solidFill>
+                  <a:schemeClr val="dk1"/>
+                </a:solidFill>
+                <a:latin typeface="Bierstadt"/>
+              </a:rPr>
+              <a:t>l</a:t>
+            </a:r>
+            <a:r>
+              <a:rPr b="0" lang="en-US" sz="1800" spc="-1" strike="noStrike">
+                <a:solidFill>
+                  <a:schemeClr val="dk1"/>
+                </a:solidFill>
+                <a:latin typeface="Bierstadt"/>
+              </a:rPr>
+              <a:t>i</a:t>
+            </a:r>
+            <a:r>
+              <a:rPr b="0" lang="en-US" sz="1800" spc="-1" strike="noStrike">
+                <a:solidFill>
+                  <a:schemeClr val="dk1"/>
+                </a:solidFill>
+                <a:latin typeface="Bierstadt"/>
+              </a:rPr>
+              <a:t>c</a:t>
+            </a:r>
+            <a:r>
+              <a:rPr b="0" lang="en-US" sz="1800" spc="-1" strike="noStrike">
+                <a:solidFill>
+                  <a:schemeClr val="dk1"/>
+                </a:solidFill>
+                <a:latin typeface="Bierstadt"/>
+              </a:rPr>
+              <a:t>k</a:t>
+            </a:r>
+            <a:r>
+              <a:rPr b="0" lang="en-US" sz="1800" spc="-1" strike="noStrike">
+                <a:solidFill>
+                  <a:schemeClr val="dk1"/>
+                </a:solidFill>
+                <a:latin typeface="Bierstadt"/>
+              </a:rPr>
+              <a:t> </a:t>
+            </a:r>
+            <a:r>
+              <a:rPr b="0" lang="en-US" sz="1800" spc="-1" strike="noStrike">
+                <a:solidFill>
+                  <a:schemeClr val="dk1"/>
+                </a:solidFill>
+                <a:latin typeface="Bierstadt"/>
+              </a:rPr>
+              <a:t>t</a:t>
+            </a:r>
+            <a:r>
+              <a:rPr b="0" lang="en-US" sz="1800" spc="-1" strike="noStrike">
+                <a:solidFill>
+                  <a:schemeClr val="dk1"/>
+                </a:solidFill>
+                <a:latin typeface="Bierstadt"/>
+              </a:rPr>
+              <a:t>o</a:t>
+            </a:r>
+            <a:r>
+              <a:rPr b="0" lang="en-US" sz="1800" spc="-1" strike="noStrike">
+                <a:solidFill>
+                  <a:schemeClr val="dk1"/>
+                </a:solidFill>
+                <a:latin typeface="Bierstadt"/>
+              </a:rPr>
+              <a:t> </a:t>
+            </a:r>
+            <a:r>
+              <a:rPr b="0" lang="en-US" sz="1800" spc="-1" strike="noStrike">
+                <a:solidFill>
+                  <a:schemeClr val="dk1"/>
+                </a:solidFill>
+                <a:latin typeface="Bierstadt"/>
+              </a:rPr>
+              <a:t>e</a:t>
+            </a:r>
+            <a:r>
+              <a:rPr b="0" lang="en-US" sz="1800" spc="-1" strike="noStrike">
+                <a:solidFill>
+                  <a:schemeClr val="dk1"/>
+                </a:solidFill>
+                <a:latin typeface="Bierstadt"/>
+              </a:rPr>
+              <a:t>d</a:t>
+            </a:r>
+            <a:r>
+              <a:rPr b="0" lang="en-US" sz="1800" spc="-1" strike="noStrike">
+                <a:solidFill>
+                  <a:schemeClr val="dk1"/>
+                </a:solidFill>
+                <a:latin typeface="Bierstadt"/>
+              </a:rPr>
+              <a:t>i</a:t>
+            </a:r>
+            <a:r>
+              <a:rPr b="0" lang="en-US" sz="1800" spc="-1" strike="noStrike">
+                <a:solidFill>
+                  <a:schemeClr val="dk1"/>
+                </a:solidFill>
+                <a:latin typeface="Bierstadt"/>
+              </a:rPr>
+              <a:t>t</a:t>
+            </a:r>
+            <a:r>
+              <a:rPr b="0" lang="en-US" sz="1800" spc="-1" strike="noStrike">
+                <a:solidFill>
+                  <a:schemeClr val="dk1"/>
+                </a:solidFill>
+                <a:latin typeface="Bierstadt"/>
+              </a:rPr>
+              <a:t> </a:t>
+            </a:r>
+            <a:r>
+              <a:rPr b="0" lang="en-US" sz="1800" spc="-1" strike="noStrike">
+                <a:solidFill>
+                  <a:schemeClr val="dk1"/>
+                </a:solidFill>
+                <a:latin typeface="Bierstadt"/>
+              </a:rPr>
+              <a:t>M</a:t>
+            </a:r>
+            <a:r>
+              <a:rPr b="0" lang="en-US" sz="1800" spc="-1" strike="noStrike">
+                <a:solidFill>
+                  <a:schemeClr val="dk1"/>
+                </a:solidFill>
+                <a:latin typeface="Bierstadt"/>
+              </a:rPr>
+              <a:t>a</a:t>
+            </a:r>
+            <a:r>
+              <a:rPr b="0" lang="en-US" sz="1800" spc="-1" strike="noStrike">
+                <a:solidFill>
+                  <a:schemeClr val="dk1"/>
+                </a:solidFill>
+                <a:latin typeface="Bierstadt"/>
+              </a:rPr>
+              <a:t>s</a:t>
+            </a:r>
+            <a:r>
+              <a:rPr b="0" lang="en-US" sz="1800" spc="-1" strike="noStrike">
+                <a:solidFill>
+                  <a:schemeClr val="dk1"/>
+                </a:solidFill>
+                <a:latin typeface="Bierstadt"/>
+              </a:rPr>
+              <a:t>t</a:t>
+            </a:r>
+            <a:r>
+              <a:rPr b="0" lang="en-US" sz="1800" spc="-1" strike="noStrike">
+                <a:solidFill>
+                  <a:schemeClr val="dk1"/>
+                </a:solidFill>
+                <a:latin typeface="Bierstadt"/>
+              </a:rPr>
+              <a:t>e</a:t>
+            </a:r>
+            <a:r>
+              <a:rPr b="0" lang="en-US" sz="1800" spc="-1" strike="noStrike">
+                <a:solidFill>
+                  <a:schemeClr val="dk1"/>
+                </a:solidFill>
+                <a:latin typeface="Bierstadt"/>
+              </a:rPr>
+              <a:t>r</a:t>
+            </a:r>
+            <a:r>
+              <a:rPr b="0" lang="en-US" sz="1800" spc="-1" strike="noStrike">
+                <a:solidFill>
+                  <a:schemeClr val="dk1"/>
+                </a:solidFill>
+                <a:latin typeface="Bierstadt"/>
+              </a:rPr>
+              <a:t> </a:t>
+            </a:r>
+            <a:r>
+              <a:rPr b="0" lang="en-US" sz="1800" spc="-1" strike="noStrike">
+                <a:solidFill>
+                  <a:schemeClr val="dk1"/>
+                </a:solidFill>
+                <a:latin typeface="Bierstadt"/>
+              </a:rPr>
+              <a:t>t</a:t>
+            </a:r>
+            <a:r>
+              <a:rPr b="0" lang="en-US" sz="1800" spc="-1" strike="noStrike">
+                <a:solidFill>
+                  <a:schemeClr val="dk1"/>
+                </a:solidFill>
+                <a:latin typeface="Bierstadt"/>
+              </a:rPr>
+              <a:t>e</a:t>
+            </a:r>
+            <a:r>
+              <a:rPr b="0" lang="en-US" sz="1800" spc="-1" strike="noStrike">
+                <a:solidFill>
+                  <a:schemeClr val="dk1"/>
+                </a:solidFill>
+                <a:latin typeface="Bierstadt"/>
+              </a:rPr>
+              <a:t>x</a:t>
+            </a:r>
+            <a:r>
+              <a:rPr b="0" lang="en-US" sz="1800" spc="-1" strike="noStrike">
+                <a:solidFill>
+                  <a:schemeClr val="dk1"/>
+                </a:solidFill>
+                <a:latin typeface="Bierstadt"/>
+              </a:rPr>
+              <a:t>t</a:t>
+            </a:r>
+            <a:r>
+              <a:rPr b="0" lang="en-US" sz="1800" spc="-1" strike="noStrike">
+                <a:solidFill>
+                  <a:schemeClr val="dk1"/>
+                </a:solidFill>
+                <a:latin typeface="Bierstadt"/>
+              </a:rPr>
+              <a:t> </a:t>
+            </a:r>
+            <a:r>
+              <a:rPr b="0" lang="en-US" sz="1800" spc="-1" strike="noStrike">
+                <a:solidFill>
+                  <a:schemeClr val="dk1"/>
+                </a:solidFill>
+                <a:latin typeface="Bierstadt"/>
+              </a:rPr>
+              <a:t>s</a:t>
+            </a:r>
+            <a:r>
+              <a:rPr b="0" lang="en-US" sz="1800" spc="-1" strike="noStrike">
+                <a:solidFill>
+                  <a:schemeClr val="dk1"/>
+                </a:solidFill>
+                <a:latin typeface="Bierstadt"/>
+              </a:rPr>
+              <a:t>t</a:t>
+            </a:r>
+            <a:r>
+              <a:rPr b="0" lang="en-US" sz="1800" spc="-1" strike="noStrike">
+                <a:solidFill>
+                  <a:schemeClr val="dk1"/>
+                </a:solidFill>
+                <a:latin typeface="Bierstadt"/>
+              </a:rPr>
+              <a:t>y</a:t>
+            </a:r>
+            <a:r>
+              <a:rPr b="0" lang="en-US" sz="1800" spc="-1" strike="noStrike">
+                <a:solidFill>
+                  <a:schemeClr val="dk1"/>
+                </a:solidFill>
+                <a:latin typeface="Bierstadt"/>
+              </a:rPr>
+              <a:t>l</a:t>
+            </a:r>
+            <a:r>
+              <a:rPr b="0" lang="en-US" sz="1800" spc="-1" strike="noStrike">
+                <a:solidFill>
+                  <a:schemeClr val="dk1"/>
+                </a:solidFill>
+                <a:latin typeface="Bierstadt"/>
+              </a:rPr>
+              <a:t>e</a:t>
+            </a:r>
+            <a:r>
+              <a:rPr b="0" lang="en-US" sz="1800" spc="-1" strike="noStrike">
+                <a:solidFill>
+                  <a:schemeClr val="dk1"/>
+                </a:solidFill>
+                <a:latin typeface="Bierstadt"/>
+              </a:rPr>
+              <a:t>s</a:t>
             </a:r>
             <a:endParaRPr b="0" lang="en-CH" sz="1800" spc="-1" strike="noStrike">
               <a:solidFill>
@@ -3503,7 +3782,106 @@
                 </a:solidFill>
                 <a:latin typeface="Bierstadt"/>
               </a:rPr>
-              <a:t>Second level</a:t>
+              <a:t>S</a:t>
+            </a:r>
+            <a:r>
+              <a:rPr b="0" lang="en-US" sz="1600" spc="-1" strike="noStrike">
+                <a:solidFill>
+                  <a:schemeClr val="dk1"/>
+                </a:solidFill>
+                <a:latin typeface="Bierstadt"/>
+              </a:rPr>
+              <a:t>e</a:t>
+            </a:r>
+            <a:r>
+              <a:rPr b="0" lang="en-US" sz="1600" spc="-1" strike="noStrike">
+                <a:solidFill>
+                  <a:schemeClr val="dk1"/>
+                </a:solidFill>
+                <a:latin typeface="Bierstadt"/>
+              </a:rPr>
+              <a:t>c</a:t>
+            </a:r>
+            <a:r>
+              <a:rPr b="0" lang="en-US" sz="1600" spc="-1" strike="noStrike">
+                <a:solidFill>
+                  <a:schemeClr val="dk1"/>
+                </a:solidFill>
+                <a:latin typeface="Bierstadt"/>
+              </a:rPr>
+              <a:t>o</a:t>
+            </a:r>
+            <a:r>
+              <a:rPr b="0" lang="en-US" sz="1600" spc="-1" strike="noStrike">
+                <a:solidFill>
+                  <a:schemeClr val="dk1"/>
+                </a:solidFill>
+                <a:latin typeface="Bierstadt"/>
+              </a:rPr>
+              <a:t>n</a:t>
+            </a:r>
+            <a:r>
+              <a:rPr b="0" lang="en-US" sz="1600" spc="-1" strike="noStrike">
+                <a:solidFill>
+                  <a:schemeClr val="dk1"/>
+                </a:solidFill>
+                <a:latin typeface="Bierstadt"/>
+              </a:rPr>
+              <a:t>d</a:t>
+            </a:r>
+            <a:r>
+              <a:rPr b="0" lang="en-US" sz="1600" spc="-1" strike="noStrike">
+                <a:solidFill>
+                  <a:schemeClr val="dk1"/>
+                </a:solidFill>
+                <a:latin typeface="Bierstadt"/>
+              </a:rPr>
+              <a:t> </a:t>
+            </a:r>
+            <a:r>
+              <a:rPr b="0" lang="en-US" sz="1600" spc="-1" strike="noStrike">
+                <a:solidFill>
+                  <a:schemeClr val="dk1"/>
+                </a:solidFill>
+                <a:latin typeface="Bierstadt"/>
+              </a:rPr>
+              <a:t>l</a:t>
+            </a:r>
+            <a:r>
+              <a:rPr b="0" lang="en-US" sz="1600" spc="-1" strike="noStrike">
+                <a:solidFill>
+                  <a:schemeClr val="dk1"/>
+                </a:solidFill>
+                <a:latin typeface="Bierstadt"/>
+              </a:rPr>
+              <a:t>e</a:t>
+            </a:r>
+            <a:r>
+              <a:rPr b="0" lang="en-US" sz="1600" spc="-1" strike="noStrike">
+                <a:solidFill>
+                  <a:schemeClr val="dk1"/>
+                </a:solidFill>
+                <a:latin typeface="Bierstadt"/>
+              </a:rPr>
+              <a:t>v</a:t>
+            </a:r>
+            <a:r>
+              <a:rPr b="0" lang="en-US" sz="1600" spc="-1" strike="noStrike">
+                <a:solidFill>
+                  <a:schemeClr val="dk1"/>
+                </a:solidFill>
+                <a:latin typeface="Bierstadt"/>
+              </a:rPr>
+              <a:t>e</a:t>
+            </a:r>
+            <a:r>
+              <a:rPr b="0" lang="en-US" sz="1600" spc="-1" strike="noStrike">
+                <a:solidFill>
+                  <a:schemeClr val="dk1"/>
+                </a:solidFill>
+                <a:latin typeface="Bierstadt"/>
+              </a:rPr>
+              <a:t>l</a:t>
             </a:r>
             <a:endParaRPr b="0" lang="en-CH" sz="1600" spc="-1" strike="noStrike">
               <a:solidFill>
@@ -3533,7 +3911,97 @@
                 </a:solidFill>
                 <a:latin typeface="Bierstadt"/>
               </a:rPr>
-              <a:t>Third level</a:t>
+              <a:t>T</a:t>
+            </a:r>
+            <a:r>
+              <a:rPr b="0" lang="en-US" sz="1400" spc="-1" strike="noStrike">
+                <a:solidFill>
+                  <a:schemeClr val="dk1"/>
+                </a:solidFill>
+                <a:latin typeface="Bierstadt"/>
+              </a:rPr>
+              <a:t>h</a:t>
+            </a:r>
+            <a:r>
+              <a:rPr b="0" lang="en-US" sz="1400" spc="-1" strike="noStrike">
+                <a:solidFill>
+                  <a:schemeClr val="dk1"/>
+                </a:solidFill>
+                <a:latin typeface="Bierstadt"/>
+              </a:rPr>
+              <a:t>i</a:t>
+            </a:r>
+            <a:r>
+              <a:rPr b="0" lang="en-US" sz="1400" spc="-1" strike="noStrike">
+                <a:solidFill>
+                  <a:schemeClr val="dk1"/>
+                </a:solidFill>
+                <a:latin typeface="Bierstadt"/>
+              </a:rPr>
+              <a:t>r</a:t>
+            </a:r>
+            <a:r>
+              <a:rPr b="0" lang="en-US" sz="1400" spc="-1" strike="noStrike">
+                <a:solidFill>
+                  <a:schemeClr val="dk1"/>
+                </a:solidFill>
+                <a:latin typeface="Bierstadt"/>
+              </a:rPr>
+              <a:t>d</a:t>
+            </a:r>
+            <a:r>
+              <a:rPr b="0" lang="en-US" sz="1400" spc="-1" strike="noStrike">
+                <a:solidFill>
+                  <a:schemeClr val="dk1"/>
+                </a:solidFill>
+                <a:latin typeface="Bierstadt"/>
+              </a:rPr>
+              <a:t> </a:t>
+            </a:r>
+            <a:r>
+              <a:rPr b="0" lang="en-US" sz="1400" spc="-1" strike="noStrike">
+                <a:solidFill>
+                  <a:schemeClr val="dk1"/>
+                </a:solidFill>
+                <a:latin typeface="Bierstadt"/>
+              </a:rPr>
+              <a:t>l</a:t>
+            </a:r>
+            <a:r>
+              <a:rPr b="0" lang="en-US" sz="1400" spc="-1" strike="noStrike">
+                <a:solidFill>
+                  <a:schemeClr val="dk1"/>
+                </a:solidFill>
+                <a:latin typeface="Bierstadt"/>
+              </a:rPr>
+              <a:t>e</a:t>
+            </a:r>
+            <a:r>
+              <a:rPr b="0" lang="en-US" sz="1400" spc="-1" strike="noStrike">
+                <a:solidFill>
+                  <a:schemeClr val="dk1"/>
+                </a:solidFill>
+                <a:latin typeface="Bierstadt"/>
+              </a:rPr>
+              <a:t>v</a:t>
+            </a:r>
+            <a:r>
+              <a:rPr b="0" lang="en-US" sz="1400" spc="-1" strike="noStrike">
+                <a:solidFill>
+                  <a:schemeClr val="dk1"/>
+                </a:solidFill>
+                <a:latin typeface="Bierstadt"/>
+              </a:rPr>
+              <a:t>e</a:t>
+            </a:r>
+            <a:r>
+              <a:rPr b="0" lang="en-US" sz="1400" spc="-1" strike="noStrike">
+                <a:solidFill>
+                  <a:schemeClr val="dk1"/>
+                </a:solidFill>
+                <a:latin typeface="Bierstadt"/>
+              </a:rPr>
+              <a:t>l</a:t>
             </a:r>
             <a:endParaRPr b="0" lang="en-CH" sz="1400" spc="-1" strike="noStrike">
               <a:solidFill>
@@ -3563,7 +4031,106 @@
                 </a:solidFill>
                 <a:latin typeface="Bierstadt"/>
               </a:rPr>
-              <a:t>Fourth level</a:t>
+              <a:t>F</a:t>
+            </a:r>
+            <a:r>
+              <a:rPr b="0" lang="en-US" sz="1200" spc="-1" strike="noStrike">
+                <a:solidFill>
+                  <a:schemeClr val="dk1"/>
+                </a:solidFill>
+                <a:latin typeface="Bierstadt"/>
+              </a:rPr>
+              <a:t>o</a:t>
+            </a:r>
+            <a:r>
+              <a:rPr b="0" lang="en-US" sz="1200" spc="-1" strike="noStrike">
+                <a:solidFill>
+                  <a:schemeClr val="dk1"/>
+                </a:solidFill>
+                <a:latin typeface="Bierstadt"/>
+              </a:rPr>
+              <a:t>u</a:t>
+            </a:r>
+            <a:r>
+              <a:rPr b="0" lang="en-US" sz="1200" spc="-1" strike="noStrike">
+                <a:solidFill>
+                  <a:schemeClr val="dk1"/>
+                </a:solidFill>
+                <a:latin typeface="Bierstadt"/>
+              </a:rPr>
+              <a:t>r</a:t>
+            </a:r>
+            <a:r>
+              <a:rPr b="0" lang="en-US" sz="1200" spc="-1" strike="noStrike">
+                <a:solidFill>
+                  <a:schemeClr val="dk1"/>
+                </a:solidFill>
+                <a:latin typeface="Bierstadt"/>
+              </a:rPr>
+              <a:t>t</a:t>
+            </a:r>
+            <a:r>
+              <a:rPr b="0" lang="en-US" sz="1200" spc="-1" strike="noStrike">
+                <a:solidFill>
+                  <a:schemeClr val="dk1"/>
+                </a:solidFill>
+                <a:latin typeface="Bierstadt"/>
+              </a:rPr>
+              <a:t>h</a:t>
+            </a:r>
+            <a:r>
+              <a:rPr b="0" lang="en-US" sz="1200" spc="-1" strike="noStrike">
+                <a:solidFill>
+                  <a:schemeClr val="dk1"/>
+                </a:solidFill>
+                <a:latin typeface="Bierstadt"/>
+              </a:rPr>
+              <a:t> </a:t>
+            </a:r>
+            <a:r>
+              <a:rPr b="0" lang="en-US" sz="1200" spc="-1" strike="noStrike">
+                <a:solidFill>
+                  <a:schemeClr val="dk1"/>
+                </a:solidFill>
+                <a:latin typeface="Bierstadt"/>
+              </a:rPr>
+              <a:t>l</a:t>
+            </a:r>
+            <a:r>
+              <a:rPr b="0" lang="en-US" sz="1200" spc="-1" strike="noStrike">
+                <a:solidFill>
+                  <a:schemeClr val="dk1"/>
+                </a:solidFill>
+                <a:latin typeface="Bierstadt"/>
+              </a:rPr>
+              <a:t>e</a:t>
+            </a:r>
+            <a:r>
+              <a:rPr b="0" lang="en-US" sz="1200" spc="-1" strike="noStrike">
+                <a:solidFill>
+                  <a:schemeClr val="dk1"/>
+                </a:solidFill>
+                <a:latin typeface="Bierstadt"/>
+              </a:rPr>
+              <a:t>v</a:t>
+            </a:r>
+            <a:r>
+              <a:rPr b="0" lang="en-US" sz="1200" spc="-1" strike="noStrike">
+                <a:solidFill>
+                  <a:schemeClr val="dk1"/>
+                </a:solidFill>
+                <a:latin typeface="Bierstadt"/>
+              </a:rPr>
+              <a:t>e</a:t>
+            </a:r>
+            <a:r>
+              <a:rPr b="0" lang="en-US" sz="1200" spc="-1" strike="noStrike">
+                <a:solidFill>
+                  <a:schemeClr val="dk1"/>
+                </a:solidFill>
+                <a:latin typeface="Bierstadt"/>
+              </a:rPr>
+              <a:t>l</a:t>
             </a:r>
             <a:endParaRPr b="0" lang="en-CH" sz="1200" spc="-1" strike="noStrike">
               <a:solidFill>
@@ -3593,7 +4160,97 @@
                 </a:solidFill>
                 <a:latin typeface="Bierstadt"/>
               </a:rPr>
-              <a:t>Fifth level</a:t>
+              <a:t>F</a:t>
+            </a:r>
+            <a:r>
+              <a:rPr b="0" lang="en-US" sz="1200" spc="-1" strike="noStrike">
+                <a:solidFill>
+                  <a:schemeClr val="dk1"/>
+                </a:solidFill>
+                <a:latin typeface="Bierstadt"/>
+              </a:rPr>
+              <a:t>i</a:t>
+            </a:r>
+            <a:r>
+              <a:rPr b="0" lang="en-US" sz="1200" spc="-1" strike="noStrike">
+                <a:solidFill>
+                  <a:schemeClr val="dk1"/>
+                </a:solidFill>
+                <a:latin typeface="Bierstadt"/>
+              </a:rPr>
+              <a:t>f</a:t>
+            </a:r>
+            <a:r>
+              <a:rPr b="0" lang="en-US" sz="1200" spc="-1" strike="noStrike">
+                <a:solidFill>
+                  <a:schemeClr val="dk1"/>
+                </a:solidFill>
+                <a:latin typeface="Bierstadt"/>
+              </a:rPr>
+              <a:t>t</a:t>
+            </a:r>
+            <a:r>
+              <a:rPr b="0" lang="en-US" sz="1200" spc="-1" strike="noStrike">
+                <a:solidFill>
+                  <a:schemeClr val="dk1"/>
+                </a:solidFill>
+                <a:latin typeface="Bierstadt"/>
+              </a:rPr>
+              <a:t>h</a:t>
+            </a:r>
+            <a:r>
+              <a:rPr b="0" lang="en-US" sz="1200" spc="-1" strike="noStrike">
+                <a:solidFill>
+                  <a:schemeClr val="dk1"/>
+                </a:solidFill>
+                <a:latin typeface="Bierstadt"/>
+              </a:rPr>
+              <a:t> </a:t>
+            </a:r>
+            <a:r>
+              <a:rPr b="0" lang="en-US" sz="1200" spc="-1" strike="noStrike">
+                <a:solidFill>
+                  <a:schemeClr val="dk1"/>
+                </a:solidFill>
+                <a:latin typeface="Bierstadt"/>
+              </a:rPr>
+              <a:t>l</a:t>
+            </a:r>
+            <a:r>
+              <a:rPr b="0" lang="en-US" sz="1200" spc="-1" strike="noStrike">
+                <a:solidFill>
+                  <a:schemeClr val="dk1"/>
+                </a:solidFill>
+                <a:latin typeface="Bierstadt"/>
+              </a:rPr>
+              <a:t>e</a:t>
+            </a:r>
+            <a:r>
+              <a:rPr b="0" lang="en-US" sz="1200" spc="-1" strike="noStrike">
+                <a:solidFill>
+                  <a:schemeClr val="dk1"/>
+                </a:solidFill>
+                <a:latin typeface="Bierstadt"/>
+              </a:rPr>
+              <a:t>v</a:t>
+            </a:r>
+            <a:r>
+              <a:rPr b="0" lang="en-US" sz="1200" spc="-1" strike="noStrike">
+                <a:solidFill>
+                  <a:schemeClr val="dk1"/>
+                </a:solidFill>
+                <a:latin typeface="Bierstadt"/>
+              </a:rPr>
+              <a:t>e</a:t>
+            </a:r>
+            <a:r>
+              <a:rPr b="0" lang="en-US" sz="1200" spc="-1" strike="noStrike">
+                <a:solidFill>
+                  <a:schemeClr val="dk1"/>
+                </a:solidFill>
+                <a:latin typeface="Bierstadt"/>
+              </a:rPr>
+              <a:t>l</a:t>
             </a:r>
             <a:endParaRPr b="0" lang="en-CH" sz="1200" spc="-1" strike="noStrike">
               <a:solidFill>
@@ -3778,7 +4435,7 @@
               </a:lnSpc>
               <a:buNone/>
             </a:pPr>
-            <a:fld id="{48FC6779-5CBC-4C70-B8FE-3227C6EB084D}" type="slidenum">
+            <a:fld id="{D323DE36-9DB6-4791-8863-9E77BEFD30E2}" type="slidenum">
               <a:rPr b="0" lang="en-US" sz="900" spc="-1" strike="noStrike">
                 <a:solidFill>
                   <a:schemeClr val="dk1"/>
@@ -4319,7 +4976,7 @@
               </a:lnSpc>
               <a:buNone/>
             </a:pPr>
-            <a:fld id="{D0E4FA14-B9FB-4DC6-823C-491CDD24A803}" type="slidenum">
+            <a:fld id="{44DDCBED-2EAB-4E6E-B7A7-59FAD70EF965}" type="slidenum">
               <a:rPr b="0" lang="en-US" sz="900" spc="-1" strike="noStrike">
                 <a:solidFill>
                   <a:schemeClr val="dk1"/>
@@ -4914,7 +5571,7 @@
               </a:lnSpc>
               <a:buNone/>
             </a:pPr>
-            <a:fld id="{EBDE824A-FC5E-4DF3-AEDC-0BC28A1A609D}" type="slidenum">
+            <a:fld id="{325553B9-594B-4BA9-BA15-C36E70DBF8D0}" type="slidenum">
               <a:rPr b="0" lang="en-US" sz="900" spc="-1" strike="noStrike">
                 <a:solidFill>
                   <a:schemeClr val="dk1"/>
@@ -5336,7 +5993,7 @@
               </a:lnSpc>
               <a:buNone/>
             </a:pPr>
-            <a:fld id="{5292BBBD-E0B1-4172-A422-BD3C5517DD7B}" type="slidenum">
+            <a:fld id="{5FF06D1F-3F64-4A76-B123-BEB1B1848F6C}" type="slidenum">
               <a:rPr b="0" lang="en-US" sz="900" spc="-1" strike="noStrike">
                 <a:solidFill>
                   <a:schemeClr val="dk1"/>
@@ -6110,7 +6767,7 @@
               </a:lnSpc>
               <a:buNone/>
             </a:pPr>
-            <a:fld id="{6D2D165F-5B9E-4D4C-84EE-68DA6CFC38E9}" type="slidenum">
+            <a:fld id="{0A4D18F9-5D47-4EE4-8906-2B9A1EF4178C}" type="slidenum">
               <a:rPr b="0" lang="en-US" sz="900" spc="-1" strike="noStrike">
                 <a:solidFill>
                   <a:schemeClr val="dk1"/>
@@ -6946,7 +7603,7 @@
               </a:lnSpc>
               <a:buNone/>
             </a:pPr>
-            <a:fld id="{DC66BDFF-5529-4205-86C5-CC547FC47311}" type="slidenum">
+            <a:fld id="{A51667A1-B33D-4B34-A7E5-F7EB894A410C}" type="slidenum">
               <a:rPr b="0" lang="en-US" sz="900" spc="-1" strike="noStrike">
                 <a:solidFill>
                   <a:schemeClr val="dk1"/>
@@ -7308,7 +7965,7 @@
               </a:lnSpc>
               <a:buNone/>
             </a:pPr>
-            <a:fld id="{132B20CD-1FD3-44EE-ABCC-1719A81A1C1F}" type="slidenum">
+            <a:fld id="{3B86B09E-71E7-47F9-BF46-C38925F90B2D}" type="slidenum">
               <a:rPr b="0" lang="en-US" sz="900" spc="-1" strike="noStrike">
                 <a:solidFill>
                   <a:schemeClr val="dk1"/>
@@ -7618,7 +8275,7 @@
               </a:lnSpc>
               <a:buNone/>
             </a:pPr>
-            <a:fld id="{60474758-C2B6-4399-9958-9468C0A833AB}" type="slidenum">
+            <a:fld id="{77258F0E-C8F9-473E-8ED6-2838BCAC1FEB}" type="slidenum">
               <a:rPr b="0" lang="en-US" sz="900" spc="-1" strike="noStrike">
                 <a:solidFill>
                   <a:schemeClr val="dk1"/>
@@ -7973,7 +8630,7 @@
         <p:spPr>
           <a:xfrm>
             <a:off x="518040" y="978480"/>
-            <a:ext cx="5283360" cy="2620440"/>
+            <a:ext cx="5781960" cy="2620440"/>
           </a:xfrm>
           <a:prstGeom prst="rect">
             <a:avLst/>
@@ -7985,7 +8642,7 @@
         </p:spPr>
         <p:txBody>
           <a:bodyPr lIns="91440" rIns="91440" tIns="45720" bIns="45720" anchor="t">
-            <a:normAutofit/>
+            <a:normAutofit fontScale="92083"/>
           </a:bodyPr>
           <a:p>
             <a:pPr indent="0" defTabSz="914400">
@@ -8002,6 +8659,18 @@
                 <a:latin typeface="Bierstadt"/>
               </a:rPr>
               <a:t>Data Project 2</a:t>
+            </a:r>
+            <a:br>
+              <a:rPr sz="6000"/>
+            </a:br>
+            <a:r>
+              <a:rPr b="1" lang="en-GB" sz="6000" spc="-1" strike="noStrike">
+                <a:solidFill>
+                  <a:srgbClr val="ffffff"/>
+                </a:solidFill>
+                <a:latin typeface="Bierstadt"/>
+              </a:rPr>
+              <a:t>Worldwide Well-being</a:t>
             </a:r>
             <a:endParaRPr b="0" lang="en-CH" sz="6000" spc="-1" strike="noStrike">
               <a:solidFill>
@@ -10976,25 +11645,7 @@
                 </a:solidFill>
                 <a:latin typeface="Bierstadt"/>
               </a:rPr>
-              <a:t>The datasets we chose represent data from the WHO, found on Kaggle at “World Health Statistics </a:t>
-            </a:r>
-            <a:r>
-              <a:rPr b="0" lang="en-GB" sz="1800" spc="-1" strike="noStrike">
-                <a:solidFill>
-                  <a:schemeClr val="dk1"/>
-                </a:solidFill>
-                <a:latin typeface="Bierstadt"/>
-              </a:rPr>
-              <a:t>2020|Complete|Geo-Analysis”  (https://www.kaggle.com/datasets/utkarshxy/who-worldhealth-</a:t>
-            </a:r>
-            <a:r>
-              <a:rPr b="0" lang="en-GB" sz="1800" spc="-1" strike="noStrike">
-                <a:solidFill>
-                  <a:schemeClr val="dk1"/>
-                </a:solidFill>
-                <a:latin typeface="Bierstadt"/>
-              </a:rPr>
-              <a:t>statistics-2020-complete).</a:t>
+              <a:t>The datasets we chose represent data from the WHO, found on Kaggle at “World Health Statistics 2020|Complete|Geo-Analysis”  (https://www.kaggle.com/datasets/utkarshxy/who-worldhealth-statistics-2020-complete).</a:t>
             </a:r>
             <a:endParaRPr b="0" lang="en-CH" sz="1800" spc="-1" strike="noStrike">
               <a:solidFill>
@@ -11024,34 +11675,7 @@
                 </a:solidFill>
                 <a:latin typeface="Bierstadt"/>
               </a:rPr>
-              <a:t>The data we chose is separated into many different files, each of which only contains only one or </a:t>
-            </a:r>
-            <a:r>
-              <a:rPr b="0" lang="en-GB" sz="1800" spc="-1" strike="noStrike">
-                <a:solidFill>
-                  <a:schemeClr val="dk1"/>
-                </a:solidFill>
-                <a:latin typeface="Bierstadt"/>
-              </a:rPr>
-              <a:t>two different features describing the state of the world, divided by country and by year. To use data </a:t>
-            </a:r>
-            <a:r>
-              <a:rPr b="0" lang="en-GB" sz="1800" spc="-1" strike="noStrike">
-                <a:solidFill>
-                  <a:schemeClr val="dk1"/>
-                </a:solidFill>
-                <a:latin typeface="Bierstadt"/>
-              </a:rPr>
-              <a:t>like this, we need to determine which are the most relevant features for our research questions and </a:t>
-            </a:r>
-            <a:r>
-              <a:rPr b="0" lang="en-GB" sz="1800" spc="-1" strike="noStrike">
-                <a:solidFill>
-                  <a:schemeClr val="dk1"/>
-                </a:solidFill>
-                <a:latin typeface="Bierstadt"/>
-              </a:rPr>
-              <a:t>how to evaluate them.</a:t>
+              <a:t>The data we chose is separated into many different files, each of which only contains only one or two different features describing the state of the world, divided by country and by year. To use data like this, we need to determine which are the most relevant features for our research questions and how to evaluate them.</a:t>
             </a:r>
             <a:endParaRPr b="0" lang="en-CH" sz="1800" spc="-1" strike="noStrike">
               <a:solidFill>
